--- a/semana do conhecimento/Modelo-de-poster-SC_cospectral.pptx
+++ b/semana do conhecimento/Modelo-de-poster-SC_cospectral.pptx
@@ -8,7 +8,7 @@
     <p:sldId id="256" r:id="rId3"/>
   </p:sldIdLst>
   <p:sldSz cx="21599525" cy="32399287"/>
-  <p:notesSz cx="6858000" cy="9144000"/>
+  <p:notesSz cx="7559675" cy="10691812"/>
 </p:presentation>
 </file>
 
@@ -53,7 +53,7 @@
       </p:grpSpPr>
       <p:sp>
         <p:nvSpPr>
-          <p:cNvPr id="26" name="PlaceHolder 1"/>
+          <p:cNvPr id="24" name="PlaceHolder 1"/>
           <p:cNvSpPr>
             <a:spLocks noGrp="1"/>
           </p:cNvSpPr>
@@ -64,7 +64,7 @@
         <p:spPr>
           <a:xfrm>
             <a:off x="736200" y="804600"/>
-            <a:ext cx="20126880" cy="4700880"/>
+            <a:ext cx="20126160" cy="4700160"/>
           </a:xfrm>
           <a:prstGeom prst="rect">
             <a:avLst/>
@@ -75,18 +75,16 @@
             <a:noAutofit/>
           </a:bodyPr>
           <a:p>
-            <a:endParaRPr b="0" lang="pt-BR" sz="1400" spc="-1" strike="noStrike">
-              <a:solidFill>
-                <a:srgbClr val="000000"/>
-              </a:solidFill>
-              <a:latin typeface="Arial"/>
-            </a:endParaRPr>
-          </a:p>
-        </p:txBody>
-      </p:sp>
-      <p:sp>
-        <p:nvSpPr>
-          <p:cNvPr id="27" name="PlaceHolder 2"/>
+            <a:pPr algn="ctr"/>
+            <a:endParaRPr b="0" lang="pt-BR" sz="4400" spc="-1" strike="noStrike">
+              <a:latin typeface="Arial"/>
+            </a:endParaRPr>
+          </a:p>
+        </p:txBody>
+      </p:sp>
+      <p:sp>
+        <p:nvSpPr>
+          <p:cNvPr id="25" name="PlaceHolder 2"/>
           <p:cNvSpPr>
             <a:spLocks noGrp="1"/>
           </p:cNvSpPr>
@@ -96,8 +94,8 @@
         </p:nvSpPr>
         <p:spPr>
           <a:xfrm>
-            <a:off x="1397520" y="6120000"/>
-            <a:ext cx="9147960" cy="11585880"/>
+            <a:off x="1079640" y="7581240"/>
+            <a:ext cx="19438920" cy="8962920"/>
           </a:xfrm>
           <a:prstGeom prst="rect">
             <a:avLst/>
@@ -108,18 +106,15 @@
             <a:normAutofit/>
           </a:bodyPr>
           <a:p>
-            <a:endParaRPr b="0" lang="pt-BR" sz="1400" spc="-1" strike="noStrike">
-              <a:solidFill>
-                <a:srgbClr val="000000"/>
-              </a:solidFill>
-              <a:latin typeface="Arial"/>
-            </a:endParaRPr>
-          </a:p>
-        </p:txBody>
-      </p:sp>
-      <p:sp>
-        <p:nvSpPr>
-          <p:cNvPr id="28" name="PlaceHolder 3"/>
+            <a:endParaRPr b="0" lang="pt-BR" sz="3200" spc="-1" strike="noStrike">
+              <a:latin typeface="Arial"/>
+            </a:endParaRPr>
+          </a:p>
+        </p:txBody>
+      </p:sp>
+      <p:sp>
+        <p:nvSpPr>
+          <p:cNvPr id="26" name="PlaceHolder 3"/>
           <p:cNvSpPr>
             <a:spLocks noGrp="1"/>
           </p:cNvSpPr>
@@ -129,8 +124,8 @@
         </p:nvSpPr>
         <p:spPr>
           <a:xfrm>
-            <a:off x="1397520" y="18806760"/>
-            <a:ext cx="9147960" cy="11585880"/>
+            <a:off x="1079640" y="17395920"/>
+            <a:ext cx="19438920" cy="8962920"/>
           </a:xfrm>
           <a:prstGeom prst="rect">
             <a:avLst/>
@@ -141,10 +136,7 @@
             <a:normAutofit/>
           </a:bodyPr>
           <a:p>
-            <a:endParaRPr b="0" lang="pt-BR" sz="1400" spc="-1" strike="noStrike">
-              <a:solidFill>
-                <a:srgbClr val="000000"/>
-              </a:solidFill>
+            <a:endParaRPr b="0" lang="pt-BR" sz="3200" spc="-1" strike="noStrike">
               <a:latin typeface="Arial"/>
             </a:endParaRPr>
           </a:p>
@@ -174,7 +166,7 @@
       </p:grpSpPr>
       <p:sp>
         <p:nvSpPr>
-          <p:cNvPr id="29" name="PlaceHolder 1"/>
+          <p:cNvPr id="27" name="PlaceHolder 1"/>
           <p:cNvSpPr>
             <a:spLocks noGrp="1"/>
           </p:cNvSpPr>
@@ -185,7 +177,7 @@
         <p:spPr>
           <a:xfrm>
             <a:off x="736200" y="804600"/>
-            <a:ext cx="20126880" cy="4700880"/>
+            <a:ext cx="20126160" cy="4700160"/>
           </a:xfrm>
           <a:prstGeom prst="rect">
             <a:avLst/>
@@ -196,18 +188,16 @@
             <a:noAutofit/>
           </a:bodyPr>
           <a:p>
-            <a:endParaRPr b="0" lang="pt-BR" sz="1400" spc="-1" strike="noStrike">
-              <a:solidFill>
-                <a:srgbClr val="000000"/>
-              </a:solidFill>
-              <a:latin typeface="Arial"/>
-            </a:endParaRPr>
-          </a:p>
-        </p:txBody>
-      </p:sp>
-      <p:sp>
-        <p:nvSpPr>
-          <p:cNvPr id="30" name="PlaceHolder 2"/>
+            <a:pPr algn="ctr"/>
+            <a:endParaRPr b="0" lang="pt-BR" sz="4400" spc="-1" strike="noStrike">
+              <a:latin typeface="Arial"/>
+            </a:endParaRPr>
+          </a:p>
+        </p:txBody>
+      </p:sp>
+      <p:sp>
+        <p:nvSpPr>
+          <p:cNvPr id="28" name="PlaceHolder 2"/>
           <p:cNvSpPr>
             <a:spLocks noGrp="1"/>
           </p:cNvSpPr>
@@ -217,8 +207,8 @@
         </p:nvSpPr>
         <p:spPr>
           <a:xfrm>
-            <a:off x="1397520" y="6120000"/>
-            <a:ext cx="4464000" cy="11585880"/>
+            <a:off x="1079640" y="7581240"/>
+            <a:ext cx="9486000" cy="8962920"/>
           </a:xfrm>
           <a:prstGeom prst="rect">
             <a:avLst/>
@@ -229,18 +219,15 @@
             <a:normAutofit/>
           </a:bodyPr>
           <a:p>
-            <a:endParaRPr b="0" lang="pt-BR" sz="1400" spc="-1" strike="noStrike">
-              <a:solidFill>
-                <a:srgbClr val="000000"/>
-              </a:solidFill>
-              <a:latin typeface="Arial"/>
-            </a:endParaRPr>
-          </a:p>
-        </p:txBody>
-      </p:sp>
-      <p:sp>
-        <p:nvSpPr>
-          <p:cNvPr id="31" name="PlaceHolder 3"/>
+            <a:endParaRPr b="0" lang="pt-BR" sz="3200" spc="-1" strike="noStrike">
+              <a:latin typeface="Arial"/>
+            </a:endParaRPr>
+          </a:p>
+        </p:txBody>
+      </p:sp>
+      <p:sp>
+        <p:nvSpPr>
+          <p:cNvPr id="29" name="PlaceHolder 3"/>
           <p:cNvSpPr>
             <a:spLocks noGrp="1"/>
           </p:cNvSpPr>
@@ -250,8 +237,8 @@
         </p:nvSpPr>
         <p:spPr>
           <a:xfrm>
-            <a:off x="6085080" y="6120000"/>
-            <a:ext cx="4464000" cy="11585880"/>
+            <a:off x="11040480" y="7581240"/>
+            <a:ext cx="9486000" cy="8962920"/>
           </a:xfrm>
           <a:prstGeom prst="rect">
             <a:avLst/>
@@ -262,18 +249,15 @@
             <a:normAutofit/>
           </a:bodyPr>
           <a:p>
-            <a:endParaRPr b="0" lang="pt-BR" sz="1400" spc="-1" strike="noStrike">
-              <a:solidFill>
-                <a:srgbClr val="000000"/>
-              </a:solidFill>
-              <a:latin typeface="Arial"/>
-            </a:endParaRPr>
-          </a:p>
-        </p:txBody>
-      </p:sp>
-      <p:sp>
-        <p:nvSpPr>
-          <p:cNvPr id="32" name="PlaceHolder 4"/>
+            <a:endParaRPr b="0" lang="pt-BR" sz="3200" spc="-1" strike="noStrike">
+              <a:latin typeface="Arial"/>
+            </a:endParaRPr>
+          </a:p>
+        </p:txBody>
+      </p:sp>
+      <p:sp>
+        <p:nvSpPr>
+          <p:cNvPr id="30" name="PlaceHolder 4"/>
           <p:cNvSpPr>
             <a:spLocks noGrp="1"/>
           </p:cNvSpPr>
@@ -283,8 +267,8 @@
         </p:nvSpPr>
         <p:spPr>
           <a:xfrm>
-            <a:off x="1397520" y="18806760"/>
-            <a:ext cx="4464000" cy="11585880"/>
+            <a:off x="1079640" y="17395920"/>
+            <a:ext cx="9486000" cy="8962920"/>
           </a:xfrm>
           <a:prstGeom prst="rect">
             <a:avLst/>
@@ -295,18 +279,15 @@
             <a:normAutofit/>
           </a:bodyPr>
           <a:p>
-            <a:endParaRPr b="0" lang="pt-BR" sz="1400" spc="-1" strike="noStrike">
-              <a:solidFill>
-                <a:srgbClr val="000000"/>
-              </a:solidFill>
-              <a:latin typeface="Arial"/>
-            </a:endParaRPr>
-          </a:p>
-        </p:txBody>
-      </p:sp>
-      <p:sp>
-        <p:nvSpPr>
-          <p:cNvPr id="33" name="PlaceHolder 5"/>
+            <a:endParaRPr b="0" lang="pt-BR" sz="3200" spc="-1" strike="noStrike">
+              <a:latin typeface="Arial"/>
+            </a:endParaRPr>
+          </a:p>
+        </p:txBody>
+      </p:sp>
+      <p:sp>
+        <p:nvSpPr>
+          <p:cNvPr id="31" name="PlaceHolder 5"/>
           <p:cNvSpPr>
             <a:spLocks noGrp="1"/>
           </p:cNvSpPr>
@@ -316,8 +297,8 @@
         </p:nvSpPr>
         <p:spPr>
           <a:xfrm>
-            <a:off x="6085080" y="18806760"/>
-            <a:ext cx="4464000" cy="11585880"/>
+            <a:off x="11040480" y="17395920"/>
+            <a:ext cx="9486000" cy="8962920"/>
           </a:xfrm>
           <a:prstGeom prst="rect">
             <a:avLst/>
@@ -328,10 +309,7 @@
             <a:normAutofit/>
           </a:bodyPr>
           <a:p>
-            <a:endParaRPr b="0" lang="pt-BR" sz="1400" spc="-1" strike="noStrike">
-              <a:solidFill>
-                <a:srgbClr val="000000"/>
-              </a:solidFill>
+            <a:endParaRPr b="0" lang="pt-BR" sz="3200" spc="-1" strike="noStrike">
               <a:latin typeface="Arial"/>
             </a:endParaRPr>
           </a:p>
@@ -361,7 +339,7 @@
       </p:grpSpPr>
       <p:sp>
         <p:nvSpPr>
-          <p:cNvPr id="34" name="PlaceHolder 1"/>
+          <p:cNvPr id="32" name="PlaceHolder 1"/>
           <p:cNvSpPr>
             <a:spLocks noGrp="1"/>
           </p:cNvSpPr>
@@ -372,7 +350,7 @@
         <p:spPr>
           <a:xfrm>
             <a:off x="736200" y="804600"/>
-            <a:ext cx="20126880" cy="4700880"/>
+            <a:ext cx="20126160" cy="4700160"/>
           </a:xfrm>
           <a:prstGeom prst="rect">
             <a:avLst/>
@@ -383,18 +361,16 @@
             <a:noAutofit/>
           </a:bodyPr>
           <a:p>
-            <a:endParaRPr b="0" lang="pt-BR" sz="1400" spc="-1" strike="noStrike">
-              <a:solidFill>
-                <a:srgbClr val="000000"/>
-              </a:solidFill>
-              <a:latin typeface="Arial"/>
-            </a:endParaRPr>
-          </a:p>
-        </p:txBody>
-      </p:sp>
-      <p:sp>
-        <p:nvSpPr>
-          <p:cNvPr id="35" name="PlaceHolder 2"/>
+            <a:pPr algn="ctr"/>
+            <a:endParaRPr b="0" lang="pt-BR" sz="4400" spc="-1" strike="noStrike">
+              <a:latin typeface="Arial"/>
+            </a:endParaRPr>
+          </a:p>
+        </p:txBody>
+      </p:sp>
+      <p:sp>
+        <p:nvSpPr>
+          <p:cNvPr id="33" name="PlaceHolder 2"/>
           <p:cNvSpPr>
             <a:spLocks noGrp="1"/>
           </p:cNvSpPr>
@@ -404,8 +380,8 @@
         </p:nvSpPr>
         <p:spPr>
           <a:xfrm>
-            <a:off x="1397520" y="6120000"/>
-            <a:ext cx="2945520" cy="11585880"/>
+            <a:off x="1079640" y="7581240"/>
+            <a:ext cx="6258960" cy="8962920"/>
           </a:xfrm>
           <a:prstGeom prst="rect">
             <a:avLst/>
@@ -416,18 +392,15 @@
             <a:normAutofit/>
           </a:bodyPr>
           <a:p>
-            <a:endParaRPr b="0" lang="pt-BR" sz="1400" spc="-1" strike="noStrike">
-              <a:solidFill>
-                <a:srgbClr val="000000"/>
-              </a:solidFill>
-              <a:latin typeface="Arial"/>
-            </a:endParaRPr>
-          </a:p>
-        </p:txBody>
-      </p:sp>
-      <p:sp>
-        <p:nvSpPr>
-          <p:cNvPr id="36" name="PlaceHolder 3"/>
+            <a:endParaRPr b="0" lang="pt-BR" sz="3200" spc="-1" strike="noStrike">
+              <a:latin typeface="Arial"/>
+            </a:endParaRPr>
+          </a:p>
+        </p:txBody>
+      </p:sp>
+      <p:sp>
+        <p:nvSpPr>
+          <p:cNvPr id="34" name="PlaceHolder 3"/>
           <p:cNvSpPr>
             <a:spLocks noGrp="1"/>
           </p:cNvSpPr>
@@ -437,8 +410,8 @@
         </p:nvSpPr>
         <p:spPr>
           <a:xfrm>
-            <a:off x="4490640" y="6120000"/>
-            <a:ext cx="2945520" cy="11585880"/>
+            <a:off x="7651800" y="7581240"/>
+            <a:ext cx="6258960" cy="8962920"/>
           </a:xfrm>
           <a:prstGeom prst="rect">
             <a:avLst/>
@@ -449,18 +422,15 @@
             <a:normAutofit/>
           </a:bodyPr>
           <a:p>
-            <a:endParaRPr b="0" lang="pt-BR" sz="1400" spc="-1" strike="noStrike">
-              <a:solidFill>
-                <a:srgbClr val="000000"/>
-              </a:solidFill>
-              <a:latin typeface="Arial"/>
-            </a:endParaRPr>
-          </a:p>
-        </p:txBody>
-      </p:sp>
-      <p:sp>
-        <p:nvSpPr>
-          <p:cNvPr id="37" name="PlaceHolder 4"/>
+            <a:endParaRPr b="0" lang="pt-BR" sz="3200" spc="-1" strike="noStrike">
+              <a:latin typeface="Arial"/>
+            </a:endParaRPr>
+          </a:p>
+        </p:txBody>
+      </p:sp>
+      <p:sp>
+        <p:nvSpPr>
+          <p:cNvPr id="35" name="PlaceHolder 4"/>
           <p:cNvSpPr>
             <a:spLocks noGrp="1"/>
           </p:cNvSpPr>
@@ -470,8 +440,8 @@
         </p:nvSpPr>
         <p:spPr>
           <a:xfrm>
-            <a:off x="7583760" y="6120000"/>
-            <a:ext cx="2945520" cy="11585880"/>
+            <a:off x="14224320" y="7581240"/>
+            <a:ext cx="6258960" cy="8962920"/>
           </a:xfrm>
           <a:prstGeom prst="rect">
             <a:avLst/>
@@ -482,18 +452,15 @@
             <a:normAutofit/>
           </a:bodyPr>
           <a:p>
-            <a:endParaRPr b="0" lang="pt-BR" sz="1400" spc="-1" strike="noStrike">
-              <a:solidFill>
-                <a:srgbClr val="000000"/>
-              </a:solidFill>
-              <a:latin typeface="Arial"/>
-            </a:endParaRPr>
-          </a:p>
-        </p:txBody>
-      </p:sp>
-      <p:sp>
-        <p:nvSpPr>
-          <p:cNvPr id="38" name="PlaceHolder 5"/>
+            <a:endParaRPr b="0" lang="pt-BR" sz="3200" spc="-1" strike="noStrike">
+              <a:latin typeface="Arial"/>
+            </a:endParaRPr>
+          </a:p>
+        </p:txBody>
+      </p:sp>
+      <p:sp>
+        <p:nvSpPr>
+          <p:cNvPr id="36" name="PlaceHolder 5"/>
           <p:cNvSpPr>
             <a:spLocks noGrp="1"/>
           </p:cNvSpPr>
@@ -503,8 +470,8 @@
         </p:nvSpPr>
         <p:spPr>
           <a:xfrm>
-            <a:off x="1397520" y="18806760"/>
-            <a:ext cx="2945520" cy="11585880"/>
+            <a:off x="1079640" y="17395920"/>
+            <a:ext cx="6258960" cy="8962920"/>
           </a:xfrm>
           <a:prstGeom prst="rect">
             <a:avLst/>
@@ -515,18 +482,15 @@
             <a:normAutofit/>
           </a:bodyPr>
           <a:p>
-            <a:endParaRPr b="0" lang="pt-BR" sz="1400" spc="-1" strike="noStrike">
-              <a:solidFill>
-                <a:srgbClr val="000000"/>
-              </a:solidFill>
-              <a:latin typeface="Arial"/>
-            </a:endParaRPr>
-          </a:p>
-        </p:txBody>
-      </p:sp>
-      <p:sp>
-        <p:nvSpPr>
-          <p:cNvPr id="39" name="PlaceHolder 6"/>
+            <a:endParaRPr b="0" lang="pt-BR" sz="3200" spc="-1" strike="noStrike">
+              <a:latin typeface="Arial"/>
+            </a:endParaRPr>
+          </a:p>
+        </p:txBody>
+      </p:sp>
+      <p:sp>
+        <p:nvSpPr>
+          <p:cNvPr id="37" name="PlaceHolder 6"/>
           <p:cNvSpPr>
             <a:spLocks noGrp="1"/>
           </p:cNvSpPr>
@@ -536,8 +500,8 @@
         </p:nvSpPr>
         <p:spPr>
           <a:xfrm>
-            <a:off x="4490640" y="18806760"/>
-            <a:ext cx="2945520" cy="11585880"/>
+            <a:off x="7651800" y="17395920"/>
+            <a:ext cx="6258960" cy="8962920"/>
           </a:xfrm>
           <a:prstGeom prst="rect">
             <a:avLst/>
@@ -548,18 +512,15 @@
             <a:normAutofit/>
           </a:bodyPr>
           <a:p>
-            <a:endParaRPr b="0" lang="pt-BR" sz="1400" spc="-1" strike="noStrike">
-              <a:solidFill>
-                <a:srgbClr val="000000"/>
-              </a:solidFill>
-              <a:latin typeface="Arial"/>
-            </a:endParaRPr>
-          </a:p>
-        </p:txBody>
-      </p:sp>
-      <p:sp>
-        <p:nvSpPr>
-          <p:cNvPr id="40" name="PlaceHolder 7"/>
+            <a:endParaRPr b="0" lang="pt-BR" sz="3200" spc="-1" strike="noStrike">
+              <a:latin typeface="Arial"/>
+            </a:endParaRPr>
+          </a:p>
+        </p:txBody>
+      </p:sp>
+      <p:sp>
+        <p:nvSpPr>
+          <p:cNvPr id="38" name="PlaceHolder 7"/>
           <p:cNvSpPr>
             <a:spLocks noGrp="1"/>
           </p:cNvSpPr>
@@ -569,8 +530,8 @@
         </p:nvSpPr>
         <p:spPr>
           <a:xfrm>
-            <a:off x="7583760" y="18806760"/>
-            <a:ext cx="2945520" cy="11585880"/>
+            <a:off x="14224320" y="17395920"/>
+            <a:ext cx="6258960" cy="8962920"/>
           </a:xfrm>
           <a:prstGeom prst="rect">
             <a:avLst/>
@@ -581,10 +542,7 @@
             <a:normAutofit/>
           </a:bodyPr>
           <a:p>
-            <a:endParaRPr b="0" lang="pt-BR" sz="1400" spc="-1" strike="noStrike">
-              <a:solidFill>
-                <a:srgbClr val="000000"/>
-              </a:solidFill>
+            <a:endParaRPr b="0" lang="pt-BR" sz="3200" spc="-1" strike="noStrike">
               <a:latin typeface="Arial"/>
             </a:endParaRPr>
           </a:p>
@@ -614,7 +572,7 @@
       </p:grpSpPr>
       <p:sp>
         <p:nvSpPr>
-          <p:cNvPr id="5" name="PlaceHolder 1"/>
+          <p:cNvPr id="3" name="PlaceHolder 1"/>
           <p:cNvSpPr>
             <a:spLocks noGrp="1"/>
           </p:cNvSpPr>
@@ -625,7 +583,7 @@
         <p:spPr>
           <a:xfrm>
             <a:off x="736200" y="804600"/>
-            <a:ext cx="20126880" cy="4700880"/>
+            <a:ext cx="20126160" cy="4700160"/>
           </a:xfrm>
           <a:prstGeom prst="rect">
             <a:avLst/>
@@ -636,18 +594,16 @@
             <a:noAutofit/>
           </a:bodyPr>
           <a:p>
-            <a:endParaRPr b="0" lang="pt-BR" sz="1400" spc="-1" strike="noStrike">
-              <a:solidFill>
-                <a:srgbClr val="000000"/>
-              </a:solidFill>
-              <a:latin typeface="Arial"/>
-            </a:endParaRPr>
-          </a:p>
-        </p:txBody>
-      </p:sp>
-      <p:sp>
-        <p:nvSpPr>
-          <p:cNvPr id="6" name="PlaceHolder 2"/>
+            <a:pPr algn="ctr"/>
+            <a:endParaRPr b="0" lang="pt-BR" sz="4400" spc="-1" strike="noStrike">
+              <a:latin typeface="Arial"/>
+            </a:endParaRPr>
+          </a:p>
+        </p:txBody>
+      </p:sp>
+      <p:sp>
+        <p:nvSpPr>
+          <p:cNvPr id="4" name="PlaceHolder 2"/>
           <p:cNvSpPr>
             <a:spLocks noGrp="1"/>
           </p:cNvSpPr>
@@ -657,8 +613,8 @@
         </p:nvSpPr>
         <p:spPr>
           <a:xfrm>
-            <a:off x="1397520" y="6120000"/>
-            <a:ext cx="9147960" cy="24289200"/>
+            <a:off x="1079640" y="7581240"/>
+            <a:ext cx="19438920" cy="18790560"/>
           </a:xfrm>
           <a:prstGeom prst="rect">
             <a:avLst/>
@@ -700,7 +656,7 @@
       </p:grpSpPr>
       <p:sp>
         <p:nvSpPr>
-          <p:cNvPr id="7" name="PlaceHolder 1"/>
+          <p:cNvPr id="5" name="PlaceHolder 1"/>
           <p:cNvSpPr>
             <a:spLocks noGrp="1"/>
           </p:cNvSpPr>
@@ -711,7 +667,7 @@
         <p:spPr>
           <a:xfrm>
             <a:off x="736200" y="804600"/>
-            <a:ext cx="20126880" cy="4700880"/>
+            <a:ext cx="20126160" cy="4700160"/>
           </a:xfrm>
           <a:prstGeom prst="rect">
             <a:avLst/>
@@ -722,18 +678,16 @@
             <a:noAutofit/>
           </a:bodyPr>
           <a:p>
-            <a:endParaRPr b="0" lang="pt-BR" sz="1400" spc="-1" strike="noStrike">
-              <a:solidFill>
-                <a:srgbClr val="000000"/>
-              </a:solidFill>
-              <a:latin typeface="Arial"/>
-            </a:endParaRPr>
-          </a:p>
-        </p:txBody>
-      </p:sp>
-      <p:sp>
-        <p:nvSpPr>
-          <p:cNvPr id="8" name="PlaceHolder 2"/>
+            <a:pPr algn="ctr"/>
+            <a:endParaRPr b="0" lang="pt-BR" sz="4400" spc="-1" strike="noStrike">
+              <a:latin typeface="Arial"/>
+            </a:endParaRPr>
+          </a:p>
+        </p:txBody>
+      </p:sp>
+      <p:sp>
+        <p:nvSpPr>
+          <p:cNvPr id="6" name="PlaceHolder 2"/>
           <p:cNvSpPr>
             <a:spLocks noGrp="1"/>
           </p:cNvSpPr>
@@ -743,8 +697,8 @@
         </p:nvSpPr>
         <p:spPr>
           <a:xfrm>
-            <a:off x="1397520" y="6120000"/>
-            <a:ext cx="9147960" cy="24289200"/>
+            <a:off x="1079640" y="7581240"/>
+            <a:ext cx="19438920" cy="18790560"/>
           </a:xfrm>
           <a:prstGeom prst="rect">
             <a:avLst/>
@@ -755,10 +709,7 @@
             <a:normAutofit/>
           </a:bodyPr>
           <a:p>
-            <a:endParaRPr b="0" lang="pt-BR" sz="1400" spc="-1" strike="noStrike">
-              <a:solidFill>
-                <a:srgbClr val="000000"/>
-              </a:solidFill>
+            <a:endParaRPr b="0" lang="pt-BR" sz="3200" spc="-1" strike="noStrike">
               <a:latin typeface="Arial"/>
             </a:endParaRPr>
           </a:p>
@@ -788,7 +739,7 @@
       </p:grpSpPr>
       <p:sp>
         <p:nvSpPr>
-          <p:cNvPr id="9" name="PlaceHolder 1"/>
+          <p:cNvPr id="7" name="PlaceHolder 1"/>
           <p:cNvSpPr>
             <a:spLocks noGrp="1"/>
           </p:cNvSpPr>
@@ -799,7 +750,7 @@
         <p:spPr>
           <a:xfrm>
             <a:off x="736200" y="804600"/>
-            <a:ext cx="20126880" cy="4700880"/>
+            <a:ext cx="20126160" cy="4700160"/>
           </a:xfrm>
           <a:prstGeom prst="rect">
             <a:avLst/>
@@ -810,18 +761,16 @@
             <a:noAutofit/>
           </a:bodyPr>
           <a:p>
-            <a:endParaRPr b="0" lang="pt-BR" sz="1400" spc="-1" strike="noStrike">
-              <a:solidFill>
-                <a:srgbClr val="000000"/>
-              </a:solidFill>
-              <a:latin typeface="Arial"/>
-            </a:endParaRPr>
-          </a:p>
-        </p:txBody>
-      </p:sp>
-      <p:sp>
-        <p:nvSpPr>
-          <p:cNvPr id="10" name="PlaceHolder 2"/>
+            <a:pPr algn="ctr"/>
+            <a:endParaRPr b="0" lang="pt-BR" sz="4400" spc="-1" strike="noStrike">
+              <a:latin typeface="Arial"/>
+            </a:endParaRPr>
+          </a:p>
+        </p:txBody>
+      </p:sp>
+      <p:sp>
+        <p:nvSpPr>
+          <p:cNvPr id="8" name="PlaceHolder 2"/>
           <p:cNvSpPr>
             <a:spLocks noGrp="1"/>
           </p:cNvSpPr>
@@ -831,8 +780,8 @@
         </p:nvSpPr>
         <p:spPr>
           <a:xfrm>
-            <a:off x="1397520" y="6120000"/>
-            <a:ext cx="4464000" cy="24289200"/>
+            <a:off x="1079640" y="7581240"/>
+            <a:ext cx="9486000" cy="18790560"/>
           </a:xfrm>
           <a:prstGeom prst="rect">
             <a:avLst/>
@@ -843,18 +792,15 @@
             <a:normAutofit/>
           </a:bodyPr>
           <a:p>
-            <a:endParaRPr b="0" lang="pt-BR" sz="1400" spc="-1" strike="noStrike">
-              <a:solidFill>
-                <a:srgbClr val="000000"/>
-              </a:solidFill>
-              <a:latin typeface="Arial"/>
-            </a:endParaRPr>
-          </a:p>
-        </p:txBody>
-      </p:sp>
-      <p:sp>
-        <p:nvSpPr>
-          <p:cNvPr id="11" name="PlaceHolder 3"/>
+            <a:endParaRPr b="0" lang="pt-BR" sz="3200" spc="-1" strike="noStrike">
+              <a:latin typeface="Arial"/>
+            </a:endParaRPr>
+          </a:p>
+        </p:txBody>
+      </p:sp>
+      <p:sp>
+        <p:nvSpPr>
+          <p:cNvPr id="9" name="PlaceHolder 3"/>
           <p:cNvSpPr>
             <a:spLocks noGrp="1"/>
           </p:cNvSpPr>
@@ -864,8 +810,8 @@
         </p:nvSpPr>
         <p:spPr>
           <a:xfrm>
-            <a:off x="6085080" y="6120000"/>
-            <a:ext cx="4464000" cy="24289200"/>
+            <a:off x="11040480" y="7581240"/>
+            <a:ext cx="9486000" cy="18790560"/>
           </a:xfrm>
           <a:prstGeom prst="rect">
             <a:avLst/>
@@ -876,10 +822,7 @@
             <a:normAutofit/>
           </a:bodyPr>
           <a:p>
-            <a:endParaRPr b="0" lang="pt-BR" sz="1400" spc="-1" strike="noStrike">
-              <a:solidFill>
-                <a:srgbClr val="000000"/>
-              </a:solidFill>
+            <a:endParaRPr b="0" lang="pt-BR" sz="3200" spc="-1" strike="noStrike">
               <a:latin typeface="Arial"/>
             </a:endParaRPr>
           </a:p>
@@ -909,7 +852,7 @@
       </p:grpSpPr>
       <p:sp>
         <p:nvSpPr>
-          <p:cNvPr id="12" name="PlaceHolder 1"/>
+          <p:cNvPr id="10" name="PlaceHolder 1"/>
           <p:cNvSpPr>
             <a:spLocks noGrp="1"/>
           </p:cNvSpPr>
@@ -920,7 +863,7 @@
         <p:spPr>
           <a:xfrm>
             <a:off x="736200" y="804600"/>
-            <a:ext cx="20126880" cy="4700880"/>
+            <a:ext cx="20126160" cy="4700160"/>
           </a:xfrm>
           <a:prstGeom prst="rect">
             <a:avLst/>
@@ -931,10 +874,8 @@
             <a:noAutofit/>
           </a:bodyPr>
           <a:p>
-            <a:endParaRPr b="0" lang="pt-BR" sz="1400" spc="-1" strike="noStrike">
-              <a:solidFill>
-                <a:srgbClr val="000000"/>
-              </a:solidFill>
+            <a:pPr algn="ctr"/>
+            <a:endParaRPr b="0" lang="pt-BR" sz="4400" spc="-1" strike="noStrike">
               <a:latin typeface="Arial"/>
             </a:endParaRPr>
           </a:p>
@@ -964,7 +905,7 @@
       </p:grpSpPr>
       <p:sp>
         <p:nvSpPr>
-          <p:cNvPr id="13" name="PlaceHolder 1"/>
+          <p:cNvPr id="11" name="PlaceHolder 1"/>
           <p:cNvSpPr>
             <a:spLocks noGrp="1"/>
           </p:cNvSpPr>
@@ -975,7 +916,7 @@
         <p:spPr>
           <a:xfrm>
             <a:off x="736200" y="804600"/>
-            <a:ext cx="20126880" cy="21791880"/>
+            <a:ext cx="20126160" cy="21788280"/>
           </a:xfrm>
           <a:prstGeom prst="rect">
             <a:avLst/>
@@ -1017,7 +958,7 @@
       </p:grpSpPr>
       <p:sp>
         <p:nvSpPr>
-          <p:cNvPr id="14" name="PlaceHolder 1"/>
+          <p:cNvPr id="12" name="PlaceHolder 1"/>
           <p:cNvSpPr>
             <a:spLocks noGrp="1"/>
           </p:cNvSpPr>
@@ -1028,7 +969,7 @@
         <p:spPr>
           <a:xfrm>
             <a:off x="736200" y="804600"/>
-            <a:ext cx="20126880" cy="4700880"/>
+            <a:ext cx="20126160" cy="4700160"/>
           </a:xfrm>
           <a:prstGeom prst="rect">
             <a:avLst/>
@@ -1039,18 +980,16 @@
             <a:noAutofit/>
           </a:bodyPr>
           <a:p>
-            <a:endParaRPr b="0" lang="pt-BR" sz="1400" spc="-1" strike="noStrike">
-              <a:solidFill>
-                <a:srgbClr val="000000"/>
-              </a:solidFill>
-              <a:latin typeface="Arial"/>
-            </a:endParaRPr>
-          </a:p>
-        </p:txBody>
-      </p:sp>
-      <p:sp>
-        <p:nvSpPr>
-          <p:cNvPr id="15" name="PlaceHolder 2"/>
+            <a:pPr algn="ctr"/>
+            <a:endParaRPr b="0" lang="pt-BR" sz="4400" spc="-1" strike="noStrike">
+              <a:latin typeface="Arial"/>
+            </a:endParaRPr>
+          </a:p>
+        </p:txBody>
+      </p:sp>
+      <p:sp>
+        <p:nvSpPr>
+          <p:cNvPr id="13" name="PlaceHolder 2"/>
           <p:cNvSpPr>
             <a:spLocks noGrp="1"/>
           </p:cNvSpPr>
@@ -1060,8 +999,8 @@
         </p:nvSpPr>
         <p:spPr>
           <a:xfrm>
-            <a:off x="1397520" y="6120000"/>
-            <a:ext cx="4464000" cy="11585880"/>
+            <a:off x="1079640" y="7581240"/>
+            <a:ext cx="9486000" cy="8962920"/>
           </a:xfrm>
           <a:prstGeom prst="rect">
             <a:avLst/>
@@ -1072,18 +1011,15 @@
             <a:normAutofit/>
           </a:bodyPr>
           <a:p>
-            <a:endParaRPr b="0" lang="pt-BR" sz="1400" spc="-1" strike="noStrike">
-              <a:solidFill>
-                <a:srgbClr val="000000"/>
-              </a:solidFill>
-              <a:latin typeface="Arial"/>
-            </a:endParaRPr>
-          </a:p>
-        </p:txBody>
-      </p:sp>
-      <p:sp>
-        <p:nvSpPr>
-          <p:cNvPr id="16" name="PlaceHolder 3"/>
+            <a:endParaRPr b="0" lang="pt-BR" sz="3200" spc="-1" strike="noStrike">
+              <a:latin typeface="Arial"/>
+            </a:endParaRPr>
+          </a:p>
+        </p:txBody>
+      </p:sp>
+      <p:sp>
+        <p:nvSpPr>
+          <p:cNvPr id="14" name="PlaceHolder 3"/>
           <p:cNvSpPr>
             <a:spLocks noGrp="1"/>
           </p:cNvSpPr>
@@ -1093,8 +1029,8 @@
         </p:nvSpPr>
         <p:spPr>
           <a:xfrm>
-            <a:off x="6085080" y="6120000"/>
-            <a:ext cx="4464000" cy="24289200"/>
+            <a:off x="11040480" y="7581240"/>
+            <a:ext cx="9486000" cy="18790560"/>
           </a:xfrm>
           <a:prstGeom prst="rect">
             <a:avLst/>
@@ -1105,18 +1041,15 @@
             <a:normAutofit/>
           </a:bodyPr>
           <a:p>
-            <a:endParaRPr b="0" lang="pt-BR" sz="1400" spc="-1" strike="noStrike">
-              <a:solidFill>
-                <a:srgbClr val="000000"/>
-              </a:solidFill>
-              <a:latin typeface="Arial"/>
-            </a:endParaRPr>
-          </a:p>
-        </p:txBody>
-      </p:sp>
-      <p:sp>
-        <p:nvSpPr>
-          <p:cNvPr id="17" name="PlaceHolder 4"/>
+            <a:endParaRPr b="0" lang="pt-BR" sz="3200" spc="-1" strike="noStrike">
+              <a:latin typeface="Arial"/>
+            </a:endParaRPr>
+          </a:p>
+        </p:txBody>
+      </p:sp>
+      <p:sp>
+        <p:nvSpPr>
+          <p:cNvPr id="15" name="PlaceHolder 4"/>
           <p:cNvSpPr>
             <a:spLocks noGrp="1"/>
           </p:cNvSpPr>
@@ -1126,8 +1059,8 @@
         </p:nvSpPr>
         <p:spPr>
           <a:xfrm>
-            <a:off x="1397520" y="18806760"/>
-            <a:ext cx="4464000" cy="11585880"/>
+            <a:off x="1079640" y="17395920"/>
+            <a:ext cx="9486000" cy="8962920"/>
           </a:xfrm>
           <a:prstGeom prst="rect">
             <a:avLst/>
@@ -1138,10 +1071,7 @@
             <a:normAutofit/>
           </a:bodyPr>
           <a:p>
-            <a:endParaRPr b="0" lang="pt-BR" sz="1400" spc="-1" strike="noStrike">
-              <a:solidFill>
-                <a:srgbClr val="000000"/>
-              </a:solidFill>
+            <a:endParaRPr b="0" lang="pt-BR" sz="3200" spc="-1" strike="noStrike">
               <a:latin typeface="Arial"/>
             </a:endParaRPr>
           </a:p>
@@ -1171,7 +1101,7 @@
       </p:grpSpPr>
       <p:sp>
         <p:nvSpPr>
-          <p:cNvPr id="18" name="PlaceHolder 1"/>
+          <p:cNvPr id="16" name="PlaceHolder 1"/>
           <p:cNvSpPr>
             <a:spLocks noGrp="1"/>
           </p:cNvSpPr>
@@ -1182,7 +1112,7 @@
         <p:spPr>
           <a:xfrm>
             <a:off x="736200" y="804600"/>
-            <a:ext cx="20126880" cy="4700880"/>
+            <a:ext cx="20126160" cy="4700160"/>
           </a:xfrm>
           <a:prstGeom prst="rect">
             <a:avLst/>
@@ -1193,18 +1123,16 @@
             <a:noAutofit/>
           </a:bodyPr>
           <a:p>
-            <a:endParaRPr b="0" lang="pt-BR" sz="1400" spc="-1" strike="noStrike">
-              <a:solidFill>
-                <a:srgbClr val="000000"/>
-              </a:solidFill>
-              <a:latin typeface="Arial"/>
-            </a:endParaRPr>
-          </a:p>
-        </p:txBody>
-      </p:sp>
-      <p:sp>
-        <p:nvSpPr>
-          <p:cNvPr id="19" name="PlaceHolder 2"/>
+            <a:pPr algn="ctr"/>
+            <a:endParaRPr b="0" lang="pt-BR" sz="4400" spc="-1" strike="noStrike">
+              <a:latin typeface="Arial"/>
+            </a:endParaRPr>
+          </a:p>
+        </p:txBody>
+      </p:sp>
+      <p:sp>
+        <p:nvSpPr>
+          <p:cNvPr id="17" name="PlaceHolder 2"/>
           <p:cNvSpPr>
             <a:spLocks noGrp="1"/>
           </p:cNvSpPr>
@@ -1214,8 +1142,8 @@
         </p:nvSpPr>
         <p:spPr>
           <a:xfrm>
-            <a:off x="1397520" y="6120000"/>
-            <a:ext cx="4464000" cy="24289200"/>
+            <a:off x="1079640" y="7581240"/>
+            <a:ext cx="9486000" cy="18790560"/>
           </a:xfrm>
           <a:prstGeom prst="rect">
             <a:avLst/>
@@ -1226,18 +1154,15 @@
             <a:normAutofit/>
           </a:bodyPr>
           <a:p>
-            <a:endParaRPr b="0" lang="pt-BR" sz="1400" spc="-1" strike="noStrike">
-              <a:solidFill>
-                <a:srgbClr val="000000"/>
-              </a:solidFill>
-              <a:latin typeface="Arial"/>
-            </a:endParaRPr>
-          </a:p>
-        </p:txBody>
-      </p:sp>
-      <p:sp>
-        <p:nvSpPr>
-          <p:cNvPr id="20" name="PlaceHolder 3"/>
+            <a:endParaRPr b="0" lang="pt-BR" sz="3200" spc="-1" strike="noStrike">
+              <a:latin typeface="Arial"/>
+            </a:endParaRPr>
+          </a:p>
+        </p:txBody>
+      </p:sp>
+      <p:sp>
+        <p:nvSpPr>
+          <p:cNvPr id="18" name="PlaceHolder 3"/>
           <p:cNvSpPr>
             <a:spLocks noGrp="1"/>
           </p:cNvSpPr>
@@ -1247,8 +1172,8 @@
         </p:nvSpPr>
         <p:spPr>
           <a:xfrm>
-            <a:off x="6085080" y="6120000"/>
-            <a:ext cx="4464000" cy="11585880"/>
+            <a:off x="11040480" y="7581240"/>
+            <a:ext cx="9486000" cy="8962920"/>
           </a:xfrm>
           <a:prstGeom prst="rect">
             <a:avLst/>
@@ -1259,18 +1184,15 @@
             <a:normAutofit/>
           </a:bodyPr>
           <a:p>
-            <a:endParaRPr b="0" lang="pt-BR" sz="1400" spc="-1" strike="noStrike">
-              <a:solidFill>
-                <a:srgbClr val="000000"/>
-              </a:solidFill>
-              <a:latin typeface="Arial"/>
-            </a:endParaRPr>
-          </a:p>
-        </p:txBody>
-      </p:sp>
-      <p:sp>
-        <p:nvSpPr>
-          <p:cNvPr id="21" name="PlaceHolder 4"/>
+            <a:endParaRPr b="0" lang="pt-BR" sz="3200" spc="-1" strike="noStrike">
+              <a:latin typeface="Arial"/>
+            </a:endParaRPr>
+          </a:p>
+        </p:txBody>
+      </p:sp>
+      <p:sp>
+        <p:nvSpPr>
+          <p:cNvPr id="19" name="PlaceHolder 4"/>
           <p:cNvSpPr>
             <a:spLocks noGrp="1"/>
           </p:cNvSpPr>
@@ -1280,8 +1202,8 @@
         </p:nvSpPr>
         <p:spPr>
           <a:xfrm>
-            <a:off x="6085080" y="18806760"/>
-            <a:ext cx="4464000" cy="11585880"/>
+            <a:off x="11040480" y="17395920"/>
+            <a:ext cx="9486000" cy="8962920"/>
           </a:xfrm>
           <a:prstGeom prst="rect">
             <a:avLst/>
@@ -1292,10 +1214,7 @@
             <a:normAutofit/>
           </a:bodyPr>
           <a:p>
-            <a:endParaRPr b="0" lang="pt-BR" sz="1400" spc="-1" strike="noStrike">
-              <a:solidFill>
-                <a:srgbClr val="000000"/>
-              </a:solidFill>
+            <a:endParaRPr b="0" lang="pt-BR" sz="3200" spc="-1" strike="noStrike">
               <a:latin typeface="Arial"/>
             </a:endParaRPr>
           </a:p>
@@ -1325,7 +1244,7 @@
       </p:grpSpPr>
       <p:sp>
         <p:nvSpPr>
-          <p:cNvPr id="22" name="PlaceHolder 1"/>
+          <p:cNvPr id="20" name="PlaceHolder 1"/>
           <p:cNvSpPr>
             <a:spLocks noGrp="1"/>
           </p:cNvSpPr>
@@ -1336,7 +1255,7 @@
         <p:spPr>
           <a:xfrm>
             <a:off x="736200" y="804600"/>
-            <a:ext cx="20126880" cy="4700880"/>
+            <a:ext cx="20126160" cy="4700160"/>
           </a:xfrm>
           <a:prstGeom prst="rect">
             <a:avLst/>
@@ -1347,18 +1266,16 @@
             <a:noAutofit/>
           </a:bodyPr>
           <a:p>
-            <a:endParaRPr b="0" lang="pt-BR" sz="1400" spc="-1" strike="noStrike">
-              <a:solidFill>
-                <a:srgbClr val="000000"/>
-              </a:solidFill>
-              <a:latin typeface="Arial"/>
-            </a:endParaRPr>
-          </a:p>
-        </p:txBody>
-      </p:sp>
-      <p:sp>
-        <p:nvSpPr>
-          <p:cNvPr id="23" name="PlaceHolder 2"/>
+            <a:pPr algn="ctr"/>
+            <a:endParaRPr b="0" lang="pt-BR" sz="4400" spc="-1" strike="noStrike">
+              <a:latin typeface="Arial"/>
+            </a:endParaRPr>
+          </a:p>
+        </p:txBody>
+      </p:sp>
+      <p:sp>
+        <p:nvSpPr>
+          <p:cNvPr id="21" name="PlaceHolder 2"/>
           <p:cNvSpPr>
             <a:spLocks noGrp="1"/>
           </p:cNvSpPr>
@@ -1368,8 +1285,8 @@
         </p:nvSpPr>
         <p:spPr>
           <a:xfrm>
-            <a:off x="1397520" y="6120000"/>
-            <a:ext cx="4464000" cy="11585880"/>
+            <a:off x="1079640" y="7581240"/>
+            <a:ext cx="9486000" cy="8962920"/>
           </a:xfrm>
           <a:prstGeom prst="rect">
             <a:avLst/>
@@ -1380,18 +1297,15 @@
             <a:normAutofit/>
           </a:bodyPr>
           <a:p>
-            <a:endParaRPr b="0" lang="pt-BR" sz="1400" spc="-1" strike="noStrike">
-              <a:solidFill>
-                <a:srgbClr val="000000"/>
-              </a:solidFill>
-              <a:latin typeface="Arial"/>
-            </a:endParaRPr>
-          </a:p>
-        </p:txBody>
-      </p:sp>
-      <p:sp>
-        <p:nvSpPr>
-          <p:cNvPr id="24" name="PlaceHolder 3"/>
+            <a:endParaRPr b="0" lang="pt-BR" sz="3200" spc="-1" strike="noStrike">
+              <a:latin typeface="Arial"/>
+            </a:endParaRPr>
+          </a:p>
+        </p:txBody>
+      </p:sp>
+      <p:sp>
+        <p:nvSpPr>
+          <p:cNvPr id="22" name="PlaceHolder 3"/>
           <p:cNvSpPr>
             <a:spLocks noGrp="1"/>
           </p:cNvSpPr>
@@ -1401,8 +1315,8 @@
         </p:nvSpPr>
         <p:spPr>
           <a:xfrm>
-            <a:off x="6085080" y="6120000"/>
-            <a:ext cx="4464000" cy="11585880"/>
+            <a:off x="11040480" y="7581240"/>
+            <a:ext cx="9486000" cy="8962920"/>
           </a:xfrm>
           <a:prstGeom prst="rect">
             <a:avLst/>
@@ -1413,18 +1327,15 @@
             <a:normAutofit/>
           </a:bodyPr>
           <a:p>
-            <a:endParaRPr b="0" lang="pt-BR" sz="1400" spc="-1" strike="noStrike">
-              <a:solidFill>
-                <a:srgbClr val="000000"/>
-              </a:solidFill>
-              <a:latin typeface="Arial"/>
-            </a:endParaRPr>
-          </a:p>
-        </p:txBody>
-      </p:sp>
-      <p:sp>
-        <p:nvSpPr>
-          <p:cNvPr id="25" name="PlaceHolder 4"/>
+            <a:endParaRPr b="0" lang="pt-BR" sz="3200" spc="-1" strike="noStrike">
+              <a:latin typeface="Arial"/>
+            </a:endParaRPr>
+          </a:p>
+        </p:txBody>
+      </p:sp>
+      <p:sp>
+        <p:nvSpPr>
+          <p:cNvPr id="23" name="PlaceHolder 4"/>
           <p:cNvSpPr>
             <a:spLocks noGrp="1"/>
           </p:cNvSpPr>
@@ -1434,8 +1345,8 @@
         </p:nvSpPr>
         <p:spPr>
           <a:xfrm>
-            <a:off x="1397520" y="18806760"/>
-            <a:ext cx="9147960" cy="11585880"/>
+            <a:off x="1079640" y="17395920"/>
+            <a:ext cx="19438920" cy="8962920"/>
           </a:xfrm>
           <a:prstGeom prst="rect">
             <a:avLst/>
@@ -1446,10 +1357,7 @@
             <a:normAutofit/>
           </a:bodyPr>
           <a:p>
-            <a:endParaRPr b="0" lang="pt-BR" sz="1400" spc="-1" strike="noStrike">
-              <a:solidFill>
-                <a:srgbClr val="000000"/>
-              </a:solidFill>
+            <a:endParaRPr b="0" lang="pt-BR" sz="3200" spc="-1" strike="noStrike">
               <a:latin typeface="Arial"/>
             </a:endParaRPr>
           </a:p>
@@ -1497,7 +1405,7 @@
         <p:spPr>
           <a:xfrm>
             <a:off x="42480" y="28056960"/>
-            <a:ext cx="21599640" cy="4418640"/>
+            <a:ext cx="21598920" cy="4417920"/>
           </a:xfrm>
           <a:prstGeom prst="rect">
             <a:avLst/>
@@ -1520,39 +1428,24 @@
         <p:spPr>
           <a:xfrm>
             <a:off x="736200" y="804600"/>
-            <a:ext cx="20126880" cy="4700880"/>
-          </a:xfrm>
-          <a:prstGeom prst="rect">
-            <a:avLst/>
-          </a:prstGeom>
-        </p:spPr>
-        <p:txBody>
-          <a:bodyPr lIns="335880" rIns="335880" tIns="335880" bIns="335880">
-            <a:normAutofit/>
-          </a:bodyPr>
-          <a:p>
-            <a:r>
-              <a:rPr b="0" lang="pt-BR" sz="9600" spc="-1" strike="noStrike">
-                <a:solidFill>
-                  <a:srgbClr val="000000"/>
-                </a:solidFill>
+            <a:ext cx="20126160" cy="4700160"/>
+          </a:xfrm>
+          <a:prstGeom prst="rect">
+            <a:avLst/>
+          </a:prstGeom>
+        </p:spPr>
+        <p:txBody>
+          <a:bodyPr lIns="0" rIns="0" tIns="0" bIns="0" anchor="ctr">
+            <a:noAutofit/>
+          </a:bodyPr>
+          <a:p>
+            <a:r>
+              <a:rPr b="0" lang="pt-BR" sz="1800" spc="-1" strike="noStrike">
                 <a:latin typeface="Arial"/>
               </a:rPr>
-              <a:t>Click to edit the </a:t>
-            </a:r>
-            <a:r>
-              <a:rPr b="0" lang="pt-BR" sz="9600" spc="-1" strike="noStrike">
-                <a:solidFill>
-                  <a:srgbClr val="000000"/>
-                </a:solidFill>
-                <a:latin typeface="Arial"/>
-              </a:rPr>
-              <a:t>title text format</a:t>
-            </a:r>
-            <a:endParaRPr b="0" lang="pt-BR" sz="9600" spc="-1" strike="noStrike">
-              <a:solidFill>
-                <a:srgbClr val="000000"/>
-              </a:solidFill>
+              <a:t>Click to edit the title text format</a:t>
+            </a:r>
+            <a:endParaRPr b="0" lang="pt-BR" sz="1800" spc="-1" strike="noStrike">
               <a:latin typeface="Arial"/>
             </a:endParaRPr>
           </a:p>
@@ -1561,54 +1454,6 @@
       <p:sp>
         <p:nvSpPr>
           <p:cNvPr id="2" name="PlaceHolder 2"/>
-          <p:cNvSpPr>
-            <a:spLocks noGrp="1"/>
-          </p:cNvSpPr>
-          <p:nvPr>
-            <p:ph type="sldNum"/>
-          </p:nvPr>
-        </p:nvSpPr>
-        <p:spPr>
-          <a:xfrm>
-            <a:off x="20013840" y="29374560"/>
-            <a:ext cx="1295640" cy="2479320"/>
-          </a:xfrm>
-          <a:prstGeom prst="rect">
-            <a:avLst/>
-          </a:prstGeom>
-        </p:spPr>
-        <p:txBody>
-          <a:bodyPr tIns="91440" bIns="91440" anchor="ctr">
-            <a:noAutofit/>
-          </a:bodyPr>
-          <a:p>
-            <a:pPr>
-              <a:lnSpc>
-                <a:spcPct val="100000"/>
-              </a:lnSpc>
-              <a:tabLst>
-                <a:tab algn="l" pos="0"/>
-              </a:tabLst>
-            </a:pPr>
-            <a:fld id="{1EA06F73-28F2-4D47-8909-93D1E1FBC27F}" type="slidenum">
-              <a:rPr b="0" lang="pt-BR" sz="1400" spc="-1" strike="noStrike">
-                <a:solidFill>
-                  <a:srgbClr val="000000"/>
-                </a:solidFill>
-                <a:latin typeface="Arial"/>
-                <a:ea typeface="Arial"/>
-              </a:rPr>
-              <a:t>&lt;number&gt;</a:t>
-            </a:fld>
-            <a:endParaRPr b="0" lang="pt-BR" sz="1400" spc="-1" strike="noStrike">
-              <a:latin typeface="Times New Roman"/>
-            </a:endParaRPr>
-          </a:p>
-        </p:txBody>
-      </p:sp>
-      <p:sp>
-        <p:nvSpPr>
-          <p:cNvPr id="3" name="PlaceHolder 3"/>
           <p:cNvSpPr>
             <a:spLocks noGrp="1"/>
           </p:cNvSpPr>
@@ -1618,15 +1463,15 @@
         </p:nvSpPr>
         <p:spPr>
           <a:xfrm>
-            <a:off x="1397520" y="6120000"/>
-            <a:ext cx="9147960" cy="24289200"/>
-          </a:xfrm>
-          <a:prstGeom prst="rect">
-            <a:avLst/>
-          </a:prstGeom>
-        </p:spPr>
-        <p:txBody>
-          <a:bodyPr lIns="335880" rIns="335880" tIns="335880" bIns="335880">
+            <a:off x="1079640" y="7581240"/>
+            <a:ext cx="19438920" cy="18790560"/>
+          </a:xfrm>
+          <a:prstGeom prst="rect">
+            <a:avLst/>
+          </a:prstGeom>
+        </p:spPr>
+        <p:txBody>
+          <a:bodyPr lIns="0" rIns="0" tIns="0" bIns="0">
             <a:normAutofit/>
           </a:bodyPr>
           <a:p>
@@ -1642,27 +1487,12 @@
               <a:buChar char=""/>
             </a:pPr>
             <a:r>
-              <a:rPr b="0" lang="pt-BR" sz="6600" spc="-1" strike="noStrike">
-                <a:solidFill>
-                  <a:srgbClr val="000000"/>
-                </a:solidFill>
+              <a:rPr b="0" lang="pt-BR" sz="1800" spc="-1" strike="noStrike">
                 <a:latin typeface="Arial"/>
               </a:rPr>
-              <a:t>Click to edit the </a:t>
-            </a:r>
-            <a:r>
-              <a:rPr b="0" lang="pt-BR" sz="6600" spc="-1" strike="noStrike">
-                <a:solidFill>
-                  <a:srgbClr val="000000"/>
-                </a:solidFill>
-                <a:latin typeface="Arial"/>
-              </a:rPr>
-              <a:t>outline text format</a:t>
-            </a:r>
-            <a:endParaRPr b="0" lang="pt-BR" sz="6600" spc="-1" strike="noStrike">
-              <a:solidFill>
-                <a:srgbClr val="000000"/>
-              </a:solidFill>
+              <a:t>Click to edit the outline text format</a:t>
+            </a:r>
+            <a:endParaRPr b="0" lang="pt-BR" sz="1800" spc="-1" strike="noStrike">
               <a:latin typeface="Arial"/>
             </a:endParaRPr>
           </a:p>
@@ -1679,27 +1509,12 @@
               <a:buChar char=""/>
             </a:pPr>
             <a:r>
-              <a:rPr b="0" lang="pt-BR" sz="6600" spc="-1" strike="noStrike">
-                <a:solidFill>
-                  <a:srgbClr val="000000"/>
-                </a:solidFill>
+              <a:rPr b="0" lang="pt-BR" sz="1800" spc="-1" strike="noStrike">
                 <a:latin typeface="Arial"/>
               </a:rPr>
-              <a:t>Second Outline </a:t>
-            </a:r>
-            <a:r>
-              <a:rPr b="0" lang="pt-BR" sz="6600" spc="-1" strike="noStrike">
-                <a:solidFill>
-                  <a:srgbClr val="000000"/>
-                </a:solidFill>
-                <a:latin typeface="Arial"/>
-              </a:rPr>
-              <a:t>Level</a:t>
-            </a:r>
-            <a:endParaRPr b="0" lang="pt-BR" sz="6600" spc="-1" strike="noStrike">
-              <a:solidFill>
-                <a:srgbClr val="000000"/>
-              </a:solidFill>
+              <a:t>Second Outline Level</a:t>
+            </a:r>
+            <a:endParaRPr b="0" lang="pt-BR" sz="1800" spc="-1" strike="noStrike">
               <a:latin typeface="Arial"/>
             </a:endParaRPr>
           </a:p>
@@ -1716,18 +1531,12 @@
               <a:buChar char=""/>
             </a:pPr>
             <a:r>
-              <a:rPr b="0" lang="pt-BR" sz="6600" spc="-1" strike="noStrike">
-                <a:solidFill>
-                  <a:srgbClr val="000000"/>
-                </a:solidFill>
+              <a:rPr b="0" lang="pt-BR" sz="1800" spc="-1" strike="noStrike">
                 <a:latin typeface="Arial"/>
               </a:rPr>
               <a:t>Third Outline Level</a:t>
             </a:r>
-            <a:endParaRPr b="0" lang="pt-BR" sz="6600" spc="-1" strike="noStrike">
-              <a:solidFill>
-                <a:srgbClr val="000000"/>
-              </a:solidFill>
+            <a:endParaRPr b="0" lang="pt-BR" sz="1800" spc="-1" strike="noStrike">
               <a:latin typeface="Arial"/>
             </a:endParaRPr>
           </a:p>
@@ -1744,27 +1553,12 @@
               <a:buChar char=""/>
             </a:pPr>
             <a:r>
-              <a:rPr b="0" lang="pt-BR" sz="6600" spc="-1" strike="noStrike">
-                <a:solidFill>
-                  <a:srgbClr val="000000"/>
-                </a:solidFill>
+              <a:rPr b="0" lang="pt-BR" sz="1800" spc="-1" strike="noStrike">
                 <a:latin typeface="Arial"/>
               </a:rPr>
-              <a:t>Fourth Outline </a:t>
-            </a:r>
-            <a:r>
-              <a:rPr b="0" lang="pt-BR" sz="6600" spc="-1" strike="noStrike">
-                <a:solidFill>
-                  <a:srgbClr val="000000"/>
-                </a:solidFill>
-                <a:latin typeface="Arial"/>
-              </a:rPr>
-              <a:t>Level</a:t>
-            </a:r>
-            <a:endParaRPr b="0" lang="pt-BR" sz="6600" spc="-1" strike="noStrike">
-              <a:solidFill>
-                <a:srgbClr val="000000"/>
-              </a:solidFill>
+              <a:t>Fourth Outline Level</a:t>
+            </a:r>
+            <a:endParaRPr b="0" lang="pt-BR" sz="1800" spc="-1" strike="noStrike">
               <a:latin typeface="Arial"/>
             </a:endParaRPr>
           </a:p>
@@ -1781,27 +1575,12 @@
               <a:buChar char=""/>
             </a:pPr>
             <a:r>
-              <a:rPr b="0" lang="pt-BR" sz="6600" spc="-1" strike="noStrike">
-                <a:solidFill>
-                  <a:srgbClr val="000000"/>
-                </a:solidFill>
+              <a:rPr b="0" lang="pt-BR" sz="1800" spc="-1" strike="noStrike">
                 <a:latin typeface="Arial"/>
               </a:rPr>
-              <a:t>Fifth Outline </a:t>
-            </a:r>
-            <a:r>
-              <a:rPr b="0" lang="pt-BR" sz="6600" spc="-1" strike="noStrike">
-                <a:solidFill>
-                  <a:srgbClr val="000000"/>
-                </a:solidFill>
-                <a:latin typeface="Arial"/>
-              </a:rPr>
-              <a:t>Level</a:t>
-            </a:r>
-            <a:endParaRPr b="0" lang="pt-BR" sz="6600" spc="-1" strike="noStrike">
-              <a:solidFill>
-                <a:srgbClr val="000000"/>
-              </a:solidFill>
+              <a:t>Fifth Outline Level</a:t>
+            </a:r>
+            <a:endParaRPr b="0" lang="pt-BR" sz="1800" spc="-1" strike="noStrike">
               <a:latin typeface="Arial"/>
             </a:endParaRPr>
           </a:p>
@@ -1818,27 +1597,12 @@
               <a:buChar char=""/>
             </a:pPr>
             <a:r>
-              <a:rPr b="0" lang="pt-BR" sz="6600" spc="-1" strike="noStrike">
-                <a:solidFill>
-                  <a:srgbClr val="000000"/>
-                </a:solidFill>
+              <a:rPr b="0" lang="pt-BR" sz="1800" spc="-1" strike="noStrike">
                 <a:latin typeface="Arial"/>
               </a:rPr>
-              <a:t>Sixth Outline </a:t>
-            </a:r>
-            <a:r>
-              <a:rPr b="0" lang="pt-BR" sz="6600" spc="-1" strike="noStrike">
-                <a:solidFill>
-                  <a:srgbClr val="000000"/>
-                </a:solidFill>
-                <a:latin typeface="Arial"/>
-              </a:rPr>
-              <a:t>Level</a:t>
-            </a:r>
-            <a:endParaRPr b="0" lang="pt-BR" sz="6600" spc="-1" strike="noStrike">
-              <a:solidFill>
-                <a:srgbClr val="000000"/>
-              </a:solidFill>
+              <a:t>Sixth Outline Level</a:t>
+            </a:r>
+            <a:endParaRPr b="0" lang="pt-BR" sz="1800" spc="-1" strike="noStrike">
               <a:latin typeface="Arial"/>
             </a:endParaRPr>
           </a:p>
@@ -1855,302 +1619,12 @@
               <a:buChar char=""/>
             </a:pPr>
             <a:r>
-              <a:rPr b="0" lang="pt-BR" sz="6600" spc="-1" strike="noStrike">
-                <a:solidFill>
-                  <a:srgbClr val="000000"/>
-                </a:solidFill>
+              <a:rPr b="0" lang="pt-BR" sz="1800" spc="-1" strike="noStrike">
                 <a:latin typeface="Arial"/>
               </a:rPr>
-              <a:t>Seventh </a:t>
-            </a:r>
-            <a:r>
-              <a:rPr b="0" lang="pt-BR" sz="6600" spc="-1" strike="noStrike">
-                <a:solidFill>
-                  <a:srgbClr val="000000"/>
-                </a:solidFill>
-                <a:latin typeface="Arial"/>
-              </a:rPr>
-              <a:t>Outline Level</a:t>
-            </a:r>
-            <a:endParaRPr b="0" lang="pt-BR" sz="6600" spc="-1" strike="noStrike">
-              <a:solidFill>
-                <a:srgbClr val="000000"/>
-              </a:solidFill>
-              <a:latin typeface="Arial"/>
-            </a:endParaRPr>
-          </a:p>
-        </p:txBody>
-      </p:sp>
-      <p:sp>
-        <p:nvSpPr>
-          <p:cNvPr id="4" name="PlaceHolder 4"/>
-          <p:cNvSpPr>
-            <a:spLocks noGrp="1"/>
-          </p:cNvSpPr>
-          <p:nvPr>
-            <p:ph type="body"/>
-          </p:nvPr>
-        </p:nvSpPr>
-        <p:spPr>
-          <a:xfrm>
-            <a:off x="11543040" y="6120000"/>
-            <a:ext cx="9147960" cy="21535920"/>
-          </a:xfrm>
-          <a:prstGeom prst="rect">
-            <a:avLst/>
-          </a:prstGeom>
-        </p:spPr>
-        <p:txBody>
-          <a:bodyPr lIns="335880" rIns="335880" tIns="335880" bIns="335880">
-            <a:normAutofit/>
-          </a:bodyPr>
-          <a:p>
-            <a:pPr marL="432000" indent="-324000">
-              <a:spcBef>
-                <a:spcPts val="1417"/>
-              </a:spcBef>
-              <a:buClr>
-                <a:srgbClr val="000000"/>
-              </a:buClr>
-              <a:buSzPct val="45000"/>
-              <a:buFont typeface="Wingdings" charset="2"/>
-              <a:buChar char=""/>
-            </a:pPr>
-            <a:r>
-              <a:rPr b="0" lang="pt-BR" sz="6600" spc="-1" strike="noStrike">
-                <a:solidFill>
-                  <a:srgbClr val="000000"/>
-                </a:solidFill>
-                <a:latin typeface="Arial"/>
-              </a:rPr>
-              <a:t>Click to edit the </a:t>
-            </a:r>
-            <a:r>
-              <a:rPr b="0" lang="pt-BR" sz="6600" spc="-1" strike="noStrike">
-                <a:solidFill>
-                  <a:srgbClr val="000000"/>
-                </a:solidFill>
-                <a:latin typeface="Arial"/>
-              </a:rPr>
-              <a:t>outline text format</a:t>
-            </a:r>
-            <a:endParaRPr b="0" lang="pt-BR" sz="6600" spc="-1" strike="noStrike">
-              <a:solidFill>
-                <a:srgbClr val="000000"/>
-              </a:solidFill>
-              <a:latin typeface="Arial"/>
-            </a:endParaRPr>
-          </a:p>
-          <a:p>
-            <a:pPr lvl="1" marL="864000" indent="-324000">
-              <a:spcBef>
-                <a:spcPts val="1134"/>
-              </a:spcBef>
-              <a:buClr>
-                <a:srgbClr val="000000"/>
-              </a:buClr>
-              <a:buSzPct val="75000"/>
-              <a:buFont typeface="Symbol" charset="2"/>
-              <a:buChar char=""/>
-            </a:pPr>
-            <a:r>
-              <a:rPr b="0" lang="pt-BR" sz="6600" spc="-1" strike="noStrike">
-                <a:solidFill>
-                  <a:srgbClr val="000000"/>
-                </a:solidFill>
-                <a:latin typeface="Arial"/>
-              </a:rPr>
-              <a:t>Second Outline </a:t>
-            </a:r>
-            <a:r>
-              <a:rPr b="0" lang="pt-BR" sz="6600" spc="-1" strike="noStrike">
-                <a:solidFill>
-                  <a:srgbClr val="000000"/>
-                </a:solidFill>
-                <a:latin typeface="Arial"/>
-              </a:rPr>
-              <a:t>Level</a:t>
-            </a:r>
-            <a:endParaRPr b="0" lang="pt-BR" sz="6600" spc="-1" strike="noStrike">
-              <a:solidFill>
-                <a:srgbClr val="000000"/>
-              </a:solidFill>
-              <a:latin typeface="Arial"/>
-            </a:endParaRPr>
-          </a:p>
-          <a:p>
-            <a:pPr lvl="2" marL="1296000" indent="-288000">
-              <a:spcBef>
-                <a:spcPts val="850"/>
-              </a:spcBef>
-              <a:buClr>
-                <a:srgbClr val="000000"/>
-              </a:buClr>
-              <a:buSzPct val="45000"/>
-              <a:buFont typeface="Wingdings" charset="2"/>
-              <a:buChar char=""/>
-            </a:pPr>
-            <a:r>
-              <a:rPr b="0" lang="pt-BR" sz="6600" spc="-1" strike="noStrike">
-                <a:solidFill>
-                  <a:srgbClr val="000000"/>
-                </a:solidFill>
-                <a:latin typeface="Arial"/>
-              </a:rPr>
-              <a:t>Third Outline Level</a:t>
-            </a:r>
-            <a:endParaRPr b="0" lang="pt-BR" sz="6600" spc="-1" strike="noStrike">
-              <a:solidFill>
-                <a:srgbClr val="000000"/>
-              </a:solidFill>
-              <a:latin typeface="Arial"/>
-            </a:endParaRPr>
-          </a:p>
-          <a:p>
-            <a:pPr lvl="3" marL="1728000" indent="-216000">
-              <a:spcBef>
-                <a:spcPts val="567"/>
-              </a:spcBef>
-              <a:buClr>
-                <a:srgbClr val="000000"/>
-              </a:buClr>
-              <a:buSzPct val="75000"/>
-              <a:buFont typeface="Symbol" charset="2"/>
-              <a:buChar char=""/>
-            </a:pPr>
-            <a:r>
-              <a:rPr b="0" lang="pt-BR" sz="6600" spc="-1" strike="noStrike">
-                <a:solidFill>
-                  <a:srgbClr val="000000"/>
-                </a:solidFill>
-                <a:latin typeface="Arial"/>
-              </a:rPr>
-              <a:t>Fourth Outline </a:t>
-            </a:r>
-            <a:r>
-              <a:rPr b="0" lang="pt-BR" sz="6600" spc="-1" strike="noStrike">
-                <a:solidFill>
-                  <a:srgbClr val="000000"/>
-                </a:solidFill>
-                <a:latin typeface="Arial"/>
-              </a:rPr>
-              <a:t>Level</a:t>
-            </a:r>
-            <a:endParaRPr b="0" lang="pt-BR" sz="6600" spc="-1" strike="noStrike">
-              <a:solidFill>
-                <a:srgbClr val="000000"/>
-              </a:solidFill>
-              <a:latin typeface="Arial"/>
-            </a:endParaRPr>
-          </a:p>
-          <a:p>
-            <a:pPr lvl="4" marL="2160000" indent="-216000">
-              <a:spcBef>
-                <a:spcPts val="283"/>
-              </a:spcBef>
-              <a:buClr>
-                <a:srgbClr val="000000"/>
-              </a:buClr>
-              <a:buSzPct val="45000"/>
-              <a:buFont typeface="Wingdings" charset="2"/>
-              <a:buChar char=""/>
-            </a:pPr>
-            <a:r>
-              <a:rPr b="0" lang="pt-BR" sz="6600" spc="-1" strike="noStrike">
-                <a:solidFill>
-                  <a:srgbClr val="000000"/>
-                </a:solidFill>
-                <a:latin typeface="Arial"/>
-              </a:rPr>
-              <a:t>Fifth Outline </a:t>
-            </a:r>
-            <a:r>
-              <a:rPr b="0" lang="pt-BR" sz="6600" spc="-1" strike="noStrike">
-                <a:solidFill>
-                  <a:srgbClr val="000000"/>
-                </a:solidFill>
-                <a:latin typeface="Arial"/>
-              </a:rPr>
-              <a:t>Level</a:t>
-            </a:r>
-            <a:endParaRPr b="0" lang="pt-BR" sz="6600" spc="-1" strike="noStrike">
-              <a:solidFill>
-                <a:srgbClr val="000000"/>
-              </a:solidFill>
-              <a:latin typeface="Arial"/>
-            </a:endParaRPr>
-          </a:p>
-          <a:p>
-            <a:pPr lvl="5" marL="2592000" indent="-216000">
-              <a:spcBef>
-                <a:spcPts val="283"/>
-              </a:spcBef>
-              <a:buClr>
-                <a:srgbClr val="000000"/>
-              </a:buClr>
-              <a:buSzPct val="45000"/>
-              <a:buFont typeface="Wingdings" charset="2"/>
-              <a:buChar char=""/>
-            </a:pPr>
-            <a:r>
-              <a:rPr b="0" lang="pt-BR" sz="6600" spc="-1" strike="noStrike">
-                <a:solidFill>
-                  <a:srgbClr val="000000"/>
-                </a:solidFill>
-                <a:latin typeface="Arial"/>
-              </a:rPr>
-              <a:t>Sixth Outline </a:t>
-            </a:r>
-            <a:r>
-              <a:rPr b="0" lang="pt-BR" sz="6600" spc="-1" strike="noStrike">
-                <a:solidFill>
-                  <a:srgbClr val="000000"/>
-                </a:solidFill>
-                <a:latin typeface="Arial"/>
-              </a:rPr>
-              <a:t>Level</a:t>
-            </a:r>
-            <a:endParaRPr b="0" lang="pt-BR" sz="6600" spc="-1" strike="noStrike">
-              <a:solidFill>
-                <a:srgbClr val="000000"/>
-              </a:solidFill>
-              <a:latin typeface="Arial"/>
-            </a:endParaRPr>
-          </a:p>
-          <a:p>
-            <a:pPr lvl="6" marL="3024000" indent="-216000">
-              <a:spcBef>
-                <a:spcPts val="283"/>
-              </a:spcBef>
-              <a:buClr>
-                <a:srgbClr val="000000"/>
-              </a:buClr>
-              <a:buSzPct val="45000"/>
-              <a:buFont typeface="Wingdings" charset="2"/>
-              <a:buChar char=""/>
-            </a:pPr>
-            <a:r>
-              <a:rPr b="0" lang="pt-BR" sz="6600" spc="-1" strike="noStrike">
-                <a:solidFill>
-                  <a:srgbClr val="000000"/>
-                </a:solidFill>
-                <a:latin typeface="Arial"/>
-              </a:rPr>
-              <a:t>Seventh </a:t>
-            </a:r>
-            <a:r>
-              <a:rPr b="0" lang="pt-BR" sz="6600" spc="-1" strike="noStrike">
-                <a:solidFill>
-                  <a:srgbClr val="000000"/>
-                </a:solidFill>
-                <a:latin typeface="Arial"/>
-              </a:rPr>
-              <a:t>Outline Level</a:t>
-            </a:r>
-            <a:endParaRPr b="0" lang="pt-BR" sz="6600" spc="-1" strike="noStrike">
-              <a:solidFill>
-                <a:srgbClr val="000000"/>
-              </a:solidFill>
+              <a:t>Seventh Outline Level</a:t>
+            </a:r>
+            <a:endParaRPr b="0" lang="pt-BR" sz="1800" spc="-1" strike="noStrike">
               <a:latin typeface="Arial"/>
             </a:endParaRPr>
           </a:p>
@@ -2195,14 +1669,14 @@
       </p:grpSpPr>
       <p:sp>
         <p:nvSpPr>
-          <p:cNvPr id="41" name="CustomShape 1"/>
+          <p:cNvPr id="39" name="CustomShape 1"/>
           <p:cNvSpPr/>
           <p:nvPr/>
         </p:nvSpPr>
         <p:spPr>
           <a:xfrm>
             <a:off x="3085560" y="747360"/>
-            <a:ext cx="15631200" cy="4478040"/>
+            <a:ext cx="15630480" cy="4661640"/>
           </a:xfrm>
           <a:prstGeom prst="rect">
             <a:avLst/>
@@ -2239,7 +1713,7 @@
               <a:t>Vértices Fortemente Cospectrais em Árvores</a:t>
             </a:r>
             <a:endParaRPr b="0" lang="pt-BR" sz="6000" spc="-1" strike="noStrike">
-              <a:latin typeface="Times New Roman"/>
+              <a:latin typeface="Arial"/>
             </a:endParaRPr>
           </a:p>
           <a:p>
@@ -2249,7 +1723,7 @@
               </a:lnSpc>
             </a:pPr>
             <a:endParaRPr b="0" lang="pt-BR" sz="6000" spc="-1" strike="noStrike">
-              <a:latin typeface="Times New Roman"/>
+              <a:latin typeface="Arial"/>
             </a:endParaRPr>
           </a:p>
           <a:p>
@@ -2279,7 +1753,7 @@
               <a:t> (Orientador)</a:t>
             </a:r>
             <a:endParaRPr b="0" lang="pt-BR" sz="3600" spc="-1" strike="noStrike">
-              <a:latin typeface="Times New Roman"/>
+              <a:latin typeface="Arial"/>
             </a:endParaRPr>
           </a:p>
           <a:p>
@@ -2299,7 +1773,7 @@
               <a:t>Universidade Federal de Minas Gerais (UFMG), Departamento de Ciência da Computação (DCC), Belo Horizonte, MG, Brasil</a:t>
             </a:r>
             <a:endParaRPr b="0" lang="pt-BR" sz="3600" spc="-1" strike="noStrike">
-              <a:latin typeface="Times New Roman"/>
+              <a:latin typeface="Arial"/>
             </a:endParaRPr>
           </a:p>
           <a:p>
@@ -2319,7 +1793,7 @@
               <a:t>E-mail autor:  emanuelsilva@dcc.ufmg.br</a:t>
             </a:r>
             <a:endParaRPr b="0" lang="pt-BR" sz="3600" spc="-1" strike="noStrike">
-              <a:latin typeface="Times New Roman"/>
+              <a:latin typeface="Arial"/>
             </a:endParaRPr>
           </a:p>
           <a:p>
@@ -2339,14 +1813,14 @@
               <a:t>E-mail orientador: gabriel@dcc.ufmg.br</a:t>
             </a:r>
             <a:endParaRPr b="0" lang="pt-BR" sz="3600" spc="-1" strike="noStrike">
-              <a:latin typeface="Times New Roman"/>
+              <a:latin typeface="Arial"/>
             </a:endParaRPr>
           </a:p>
         </p:txBody>
       </p:sp>
       <p:pic>
         <p:nvPicPr>
-          <p:cNvPr id="42" name="Picture 2" descr="UFMG Logo – Universidade Federal de Minas Gerais - PNG e Vetor - Download  de Logo"/>
+          <p:cNvPr id="40" name="Picture 2" descr="UFMG Logo – Universidade Federal de Minas Gerais - PNG e Vetor - Download  de Logo"/>
           <p:cNvPicPr/>
           <p:nvPr/>
         </p:nvPicPr>
@@ -2357,7 +1831,7 @@
         <p:spPr>
           <a:xfrm>
             <a:off x="1008360" y="936000"/>
-            <a:ext cx="2333160" cy="911160"/>
+            <a:ext cx="2332440" cy="910440"/>
           </a:xfrm>
           <a:prstGeom prst="rect">
             <a:avLst/>
@@ -2369,7 +1843,7 @@
       </p:pic>
       <p:pic>
         <p:nvPicPr>
-          <p:cNvPr id="43" name="Picture 10" descr="A imagem pode conter: texto que diz &quot;DCC&quot;"/>
+          <p:cNvPr id="41" name="Picture 10" descr="A imagem pode conter: texto que diz &quot;DCC&quot;"/>
           <p:cNvPicPr/>
           <p:nvPr/>
         </p:nvPicPr>
@@ -2380,7 +1854,7 @@
         <p:spPr>
           <a:xfrm>
             <a:off x="18960120" y="594000"/>
-            <a:ext cx="1313640" cy="1313640"/>
+            <a:ext cx="1312920" cy="1312920"/>
           </a:xfrm>
           <a:prstGeom prst="rect">
             <a:avLst/>
@@ -2392,14 +1866,14 @@
       </p:pic>
       <p:sp>
         <p:nvSpPr>
-          <p:cNvPr id="44" name="CustomShape 2"/>
+          <p:cNvPr id="42" name="CustomShape 2"/>
           <p:cNvSpPr/>
           <p:nvPr/>
         </p:nvSpPr>
         <p:spPr>
           <a:xfrm>
             <a:off x="1440360" y="7848000"/>
-            <a:ext cx="142560" cy="345960"/>
+            <a:ext cx="141840" cy="345240"/>
           </a:xfrm>
           <a:prstGeom prst="rect">
             <a:avLst/>
@@ -2418,14 +1892,14 @@
       </p:sp>
       <p:sp>
         <p:nvSpPr>
-          <p:cNvPr id="45" name="CustomShape 3"/>
+          <p:cNvPr id="43" name="CustomShape 3"/>
           <p:cNvSpPr/>
           <p:nvPr/>
         </p:nvSpPr>
         <p:spPr>
           <a:xfrm>
             <a:off x="1940400" y="7488000"/>
-            <a:ext cx="8140320" cy="345960"/>
+            <a:ext cx="8139600" cy="345240"/>
           </a:xfrm>
           <a:prstGeom prst="rect">
             <a:avLst/>
@@ -2444,14 +1918,14 @@
       </p:sp>
       <p:sp>
         <p:nvSpPr>
-          <p:cNvPr id="46" name="CustomShape 4"/>
+          <p:cNvPr id="44" name="CustomShape 4"/>
           <p:cNvSpPr/>
           <p:nvPr/>
         </p:nvSpPr>
         <p:spPr>
           <a:xfrm>
-            <a:off x="1717560" y="15329160"/>
-            <a:ext cx="8711640" cy="2246400"/>
+            <a:off x="1620360" y="15264000"/>
+            <a:ext cx="8459280" cy="1027080"/>
           </a:xfrm>
           <a:prstGeom prst="rect">
             <a:avLst/>
@@ -2467,17 +1941,72 @@
           <a:effectRef idx="0"/>
           <a:fontRef idx="minor"/>
         </p:style>
-      </p:sp>
-      <p:sp>
-        <p:nvSpPr>
-          <p:cNvPr id="47" name="CustomShape 5"/>
+        <p:txBody>
+          <a:bodyPr lIns="90000" rIns="90000" tIns="45000" bIns="45000">
+            <a:noAutofit/>
+          </a:bodyPr>
+          <a:p>
+            <a:pPr algn="just">
+              <a:lnSpc>
+                <a:spcPct val="100000"/>
+              </a:lnSpc>
+            </a:pPr>
+            <a:r>
+              <a:rPr b="0" lang="pt-BR" sz="2600" spc="-1" strike="noStrike">
+                <a:solidFill>
+                  <a:srgbClr val="000000"/>
+                </a:solidFill>
+                <a:latin typeface="Calibri"/>
+                <a:ea typeface="DejaVu Sans"/>
+              </a:rPr>
+              <a:t>	</a:t>
+            </a:r>
+            <a:r>
+              <a:rPr b="0" lang="pt-BR" sz="2600" spc="-1" strike="noStrike">
+                <a:solidFill>
+                  <a:srgbClr val="000000"/>
+                </a:solidFill>
+                <a:latin typeface="Calibri"/>
+                <a:ea typeface="DejaVu Sans"/>
+              </a:rPr>
+              <a:t>O enfoque do estudo consiste em utilizar a teoria espectral para resolver problemas em aberto:</a:t>
+            </a:r>
+            <a:endParaRPr b="0" lang="pt-BR" sz="2600" spc="-1" strike="noStrike">
+              <a:latin typeface="Arial"/>
+            </a:endParaRPr>
+          </a:p>
+          <a:p>
+            <a:pPr algn="just">
+              <a:lnSpc>
+                <a:spcPct val="100000"/>
+              </a:lnSpc>
+            </a:pPr>
+            <a:endParaRPr b="0" lang="pt-BR" sz="2600" spc="-1" strike="noStrike">
+              <a:latin typeface="Arial"/>
+            </a:endParaRPr>
+          </a:p>
+          <a:p>
+            <a:pPr algn="just">
+              <a:lnSpc>
+                <a:spcPct val="100000"/>
+              </a:lnSpc>
+            </a:pPr>
+            <a:endParaRPr b="0" lang="pt-BR" sz="2600" spc="-1" strike="noStrike">
+              <a:latin typeface="Arial"/>
+            </a:endParaRPr>
+          </a:p>
+        </p:txBody>
+      </p:sp>
+      <p:sp>
+        <p:nvSpPr>
+          <p:cNvPr id="45" name="CustomShape 5"/>
           <p:cNvSpPr/>
           <p:nvPr/>
         </p:nvSpPr>
         <p:spPr>
           <a:xfrm>
-            <a:off x="1440000" y="14036400"/>
-            <a:ext cx="8640000" cy="3971520"/>
+            <a:off x="1836720" y="25276680"/>
+            <a:ext cx="8206920" cy="1002960"/>
           </a:xfrm>
           <a:prstGeom prst="rect">
             <a:avLst/>
@@ -2498,65 +2027,109 @@
             <a:noAutofit/>
           </a:bodyPr>
           <a:p>
-            <a:pPr algn="just">
-              <a:lnSpc>
-                <a:spcPct val="100000"/>
-              </a:lnSpc>
+            <a:pPr lvl="1" marL="432000" indent="-215280">
+              <a:lnSpc>
+                <a:spcPct val="100000"/>
+              </a:lnSpc>
+              <a:buClr>
+                <a:srgbClr val="000000"/>
+              </a:buClr>
+              <a:buSzPct val="45000"/>
+              <a:buFont typeface="Wingdings" charset="2"/>
+              <a:buChar char=""/>
             </a:pPr>
             <a:r>
               <a:rPr b="0" lang="pt-BR" sz="2600" spc="-1" strike="noStrike">
-                <a:latin typeface="Calibri"/>
-              </a:rPr>
-              <a:t>	</a:t>
+                <a:solidFill>
+                  <a:srgbClr val="000000"/>
+                </a:solidFill>
+                <a:latin typeface="Calibri"/>
+                <a:ea typeface="DejaVu Sans"/>
+              </a:rPr>
+              <a:t>Escrever circuitos com </a:t>
+            </a:r>
+            <a:r>
+              <a:rPr b="1" lang="pt-BR" sz="2600" spc="-1" strike="noStrike">
+                <a:solidFill>
+                  <a:srgbClr val="000000"/>
+                </a:solidFill>
+                <a:latin typeface="Calibri"/>
+                <a:ea typeface="DejaVu Sans"/>
+              </a:rPr>
+              <a:t>poucos qubits</a:t>
             </a:r>
             <a:r>
               <a:rPr b="0" lang="pt-BR" sz="2600" spc="-1" strike="noStrike">
-                <a:latin typeface="Calibri"/>
-              </a:rPr>
-              <a:t>O enfoque do estudo consiste em entender melhor a teoria </a:t>
-            </a:r>
+                <a:solidFill>
+                  <a:srgbClr val="000000"/>
+                </a:solidFill>
+                <a:latin typeface="Calibri"/>
+                <a:ea typeface="DejaVu Sans"/>
+              </a:rPr>
+              <a:t>.</a:t>
+            </a:r>
+            <a:endParaRPr b="0" lang="pt-BR" sz="2600" spc="-1" strike="noStrike">
+              <a:latin typeface="Arial"/>
+            </a:endParaRPr>
+          </a:p>
+          <a:p>
+            <a:pPr lvl="1" marL="432000" indent="-215280">
+              <a:lnSpc>
+                <a:spcPct val="100000"/>
+              </a:lnSpc>
+              <a:buClr>
+                <a:srgbClr val="000000"/>
+              </a:buClr>
+              <a:buSzPct val="45000"/>
+              <a:buFont typeface="Wingdings" charset="2"/>
+              <a:buChar char=""/>
+            </a:pPr>
             <a:r>
               <a:rPr b="0" lang="pt-BR" sz="2600" spc="-1" strike="noStrike">
-                <a:latin typeface="Calibri"/>
-              </a:rPr>
-              <a:t>espectral de grafos e resolver problemas em aberto como:</a:t>
+                <a:solidFill>
+                  <a:srgbClr val="000000"/>
+                </a:solidFill>
+                <a:latin typeface="Calibri"/>
+                <a:ea typeface="DejaVu Sans"/>
+              </a:rPr>
+              <a:t>Escrever circuitos com </a:t>
+            </a:r>
+            <a:r>
+              <a:rPr b="1" lang="pt-BR" sz="2600" spc="-1" strike="noStrike">
+                <a:solidFill>
+                  <a:srgbClr val="000000"/>
+                </a:solidFill>
+                <a:latin typeface="Calibri"/>
+                <a:ea typeface="DejaVu Sans"/>
+              </a:rPr>
+              <a:t>baixo erro </a:t>
+            </a:r>
+            <a:r>
+              <a:rPr b="0" lang="pt-BR" sz="2600" spc="-1" strike="noStrike">
+                <a:solidFill>
+                  <a:srgbClr val="000000"/>
+                </a:solidFill>
+                <a:latin typeface="Calibri"/>
+                <a:ea typeface="DejaVu Sans"/>
+              </a:rPr>
+              <a:t>(poucas interações). </a:t>
             </a:r>
             <a:endParaRPr b="0" lang="pt-BR" sz="2600" spc="-1" strike="noStrike">
-              <a:latin typeface="Times New Roman"/>
-            </a:endParaRPr>
-          </a:p>
-          <a:p>
-            <a:pPr algn="just">
-              <a:lnSpc>
-                <a:spcPct val="100000"/>
-              </a:lnSpc>
-            </a:pPr>
-            <a:endParaRPr b="0" lang="pt-BR" sz="2600" spc="-1" strike="noStrike">
-              <a:latin typeface="Times New Roman"/>
-            </a:endParaRPr>
-          </a:p>
-          <a:p>
-            <a:pPr algn="just">
-              <a:lnSpc>
-                <a:spcPct val="100000"/>
-              </a:lnSpc>
-            </a:pPr>
-            <a:endParaRPr b="0" lang="pt-BR" sz="2600" spc="-1" strike="noStrike">
-              <a:latin typeface="Times New Roman"/>
-            </a:endParaRPr>
-          </a:p>
-        </p:txBody>
-      </p:sp>
-      <p:sp>
-        <p:nvSpPr>
-          <p:cNvPr id="48" name="CustomShape 6"/>
+              <a:latin typeface="Arial"/>
+            </a:endParaRPr>
+          </a:p>
+        </p:txBody>
+      </p:sp>
+      <p:sp>
+        <p:nvSpPr>
+          <p:cNvPr id="46" name="CustomShape 6"/>
           <p:cNvSpPr/>
           <p:nvPr/>
         </p:nvSpPr>
         <p:spPr>
           <a:xfrm>
-            <a:off x="1573560" y="15052680"/>
-            <a:ext cx="9071640" cy="1443240"/>
+            <a:off x="3564000" y="16366320"/>
+            <a:ext cx="5110920" cy="345240"/>
           </a:xfrm>
           <a:prstGeom prst="rect">
             <a:avLst/>
@@ -2572,276 +2145,10 @@
           <a:effectRef idx="0"/>
           <a:fontRef idx="minor"/>
         </p:style>
-        <p:txBody>
-          <a:bodyPr lIns="90000" rIns="90000" tIns="45000" bIns="45000">
-            <a:noAutofit/>
-          </a:bodyPr>
-          <a:p>
-            <a:pPr lvl="1" marL="432000" indent="-216000">
-              <a:lnSpc>
-                <a:spcPct val="100000"/>
-              </a:lnSpc>
-              <a:buClr>
-                <a:srgbClr val="000000"/>
-              </a:buClr>
-              <a:buSzPct val="45000"/>
-              <a:buFont typeface="Wingdings" charset="2"/>
-              <a:buChar char=""/>
-            </a:pPr>
-            <a:r>
-              <a:rPr b="0" lang="pt-BR" sz="2600" spc="-1" strike="noStrike">
-                <a:latin typeface="Calibri"/>
-              </a:rPr>
-              <a:t>Encontrar vértices fortemente cospectrais em árvores.</a:t>
-            </a:r>
-            <a:endParaRPr b="0" lang="pt-BR" sz="2600" spc="-1" strike="noStrike">
-              <a:latin typeface="Times New Roman"/>
-            </a:endParaRPr>
-          </a:p>
-          <a:p>
-            <a:pPr lvl="1" marL="432000" indent="-216000">
-              <a:lnSpc>
-                <a:spcPct val="100000"/>
-              </a:lnSpc>
-              <a:buClr>
-                <a:srgbClr val="000000"/>
-              </a:buClr>
-              <a:buSzPct val="45000"/>
-              <a:buFont typeface="Wingdings" charset="2"/>
-              <a:buChar char=""/>
-            </a:pPr>
-            <a:r>
-              <a:rPr b="0" lang="pt-BR" sz="2600" spc="-1" strike="noStrike">
-                <a:latin typeface="Calibri"/>
-              </a:rPr>
-              <a:t>Provar formalmente que esses vértices não existem. </a:t>
-            </a:r>
-            <a:endParaRPr b="0" lang="pt-BR" sz="2600" spc="-1" strike="noStrike">
-              <a:latin typeface="Times New Roman"/>
-            </a:endParaRPr>
-          </a:p>
-        </p:txBody>
-      </p:sp>
-      <p:sp>
-        <p:nvSpPr>
-          <p:cNvPr id="49" name="CustomShape 7"/>
-          <p:cNvSpPr/>
-          <p:nvPr/>
-        </p:nvSpPr>
-        <p:spPr>
-          <a:xfrm>
-            <a:off x="1440000" y="17520480"/>
-            <a:ext cx="8671320" cy="3971520"/>
-          </a:xfrm>
-          <a:prstGeom prst="rect">
-            <a:avLst/>
-          </a:prstGeom>
-          <a:noFill/>
-          <a:ln>
-            <a:noFill/>
-          </a:ln>
-        </p:spPr>
-        <p:style>
-          <a:lnRef idx="0"/>
-          <a:fillRef idx="0"/>
-          <a:effectRef idx="0"/>
-          <a:fontRef idx="minor"/>
-        </p:style>
-        <p:txBody>
-          <a:bodyPr lIns="90000" rIns="90000" tIns="45000" bIns="45000">
-            <a:noAutofit/>
-          </a:bodyPr>
-          <a:p>
-            <a:pPr algn="just">
-              <a:lnSpc>
-                <a:spcPct val="100000"/>
-              </a:lnSpc>
-            </a:pPr>
-            <a:r>
-              <a:rPr b="0" lang="pt-BR" sz="2600" spc="-1" strike="noStrike">
-                <a:latin typeface="Calibri"/>
-              </a:rPr>
-              <a:t>	</a:t>
-            </a:r>
-            <a:r>
-              <a:rPr b="0" lang="pt-BR" sz="2600" spc="-1" strike="noStrike">
-                <a:latin typeface="Calibri"/>
-              </a:rPr>
-              <a:t>Para entender corretamente o problema, vamos definir as </a:t>
-            </a:r>
-            <a:r>
-              <a:rPr b="0" lang="pt-BR" sz="2600" spc="-1" strike="noStrike">
-                <a:latin typeface="Calibri"/>
-              </a:rPr>
-              <a:t>estruturas que usaremos:</a:t>
-            </a:r>
-            <a:endParaRPr b="0" lang="pt-BR" sz="2600" spc="-1" strike="noStrike">
-              <a:latin typeface="Times New Roman"/>
-            </a:endParaRPr>
-          </a:p>
-          <a:p>
-            <a:pPr algn="just">
-              <a:lnSpc>
-                <a:spcPct val="100000"/>
-              </a:lnSpc>
-            </a:pPr>
-            <a:r>
-              <a:rPr b="0" lang="pt-BR" sz="2600" spc="-1" strike="noStrike">
-                <a:latin typeface="Calibri"/>
-              </a:rPr>
-              <a:t>	</a:t>
-            </a:r>
-            <a:endParaRPr b="0" lang="pt-BR" sz="2600" spc="-1" strike="noStrike">
-              <a:latin typeface="Times New Roman"/>
-            </a:endParaRPr>
-          </a:p>
-          <a:p>
-            <a:pPr algn="just">
-              <a:lnSpc>
-                <a:spcPct val="100000"/>
-              </a:lnSpc>
-            </a:pPr>
-            <a:r>
-              <a:rPr b="0" lang="pt-BR" sz="2600" spc="-1" strike="noStrike">
-                <a:latin typeface="Calibri"/>
-              </a:rPr>
-              <a:t>	</a:t>
-            </a:r>
-            <a:r>
-              <a:rPr b="0" lang="pt-BR" sz="2600" spc="-1" strike="noStrike">
-                <a:latin typeface="Calibri"/>
-              </a:rPr>
-              <a:t>Um grafo </a:t>
-            </a:r>
-            <a:r>
-              <a:rPr b="1" lang="pt-BR" sz="2600" spc="-1" strike="noStrike">
-                <a:latin typeface="Calibri"/>
-              </a:rPr>
-              <a:t>G</a:t>
-            </a:r>
-            <a:r>
-              <a:rPr b="0" lang="pt-BR" sz="2600" spc="-1" strike="noStrike">
-                <a:latin typeface="Calibri"/>
-              </a:rPr>
-              <a:t> pode ser representado por um conjunto de </a:t>
-            </a:r>
-            <a:r>
-              <a:rPr b="0" lang="pt-BR" sz="2600" spc="-1" strike="noStrike">
-                <a:latin typeface="Calibri"/>
-              </a:rPr>
-              <a:t>pontos, chamados vértices </a:t>
-            </a:r>
-            <a:r>
-              <a:rPr b="1" lang="pt-BR" sz="2600" spc="-1" strike="noStrike">
-                <a:latin typeface="Calibri"/>
-              </a:rPr>
-              <a:t>V(G)</a:t>
-            </a:r>
-            <a:r>
-              <a:rPr b="0" lang="pt-BR" sz="2600" spc="-1" strike="noStrike">
-                <a:latin typeface="Calibri"/>
-              </a:rPr>
-              <a:t>, conectados entre si, essas </a:t>
-            </a:r>
-            <a:r>
-              <a:rPr b="0" lang="pt-BR" sz="2600" spc="-1" strike="noStrike">
-                <a:latin typeface="Calibri"/>
-              </a:rPr>
-              <a:t>conexões são representadas por “retas”, chamadas de arestas </a:t>
-            </a:r>
-            <a:r>
-              <a:rPr b="1" lang="pt-BR" sz="2600" spc="-1" strike="noStrike">
-                <a:latin typeface="Calibri"/>
-              </a:rPr>
-              <a:t>E(G)</a:t>
-            </a:r>
-            <a:r>
-              <a:rPr b="0" lang="pt-BR" sz="2600" spc="-1" strike="noStrike">
-                <a:latin typeface="Calibri"/>
-              </a:rPr>
-              <a:t>. Uma árvore é um grafo que não possui ciclo.</a:t>
-            </a:r>
-            <a:endParaRPr b="0" lang="pt-BR" sz="2600" spc="-1" strike="noStrike">
-              <a:latin typeface="Times New Roman"/>
-            </a:endParaRPr>
-          </a:p>
-          <a:p>
-            <a:pPr algn="just">
-              <a:lnSpc>
-                <a:spcPct val="100000"/>
-              </a:lnSpc>
-            </a:pPr>
-            <a:endParaRPr b="0" lang="pt-BR" sz="2600" spc="-1" strike="noStrike">
-              <a:latin typeface="Times New Roman"/>
-            </a:endParaRPr>
-          </a:p>
-          <a:p>
-            <a:pPr algn="just">
-              <a:lnSpc>
-                <a:spcPct val="100000"/>
-              </a:lnSpc>
-            </a:pPr>
-            <a:endParaRPr b="0" lang="pt-BR" sz="2600" spc="-1" strike="noStrike">
-              <a:latin typeface="Times New Roman"/>
-            </a:endParaRPr>
-          </a:p>
-        </p:txBody>
-      </p:sp>
-      <p:sp>
-        <p:nvSpPr>
-          <p:cNvPr id="50" name="CustomShape 8"/>
-          <p:cNvSpPr/>
-          <p:nvPr/>
-        </p:nvSpPr>
-        <p:spPr>
-          <a:xfrm>
-            <a:off x="3697560" y="14839920"/>
-            <a:ext cx="5111640" cy="345960"/>
-          </a:xfrm>
-          <a:prstGeom prst="rect">
-            <a:avLst/>
-          </a:prstGeom>
-          <a:noFill/>
-          <a:ln>
-            <a:noFill/>
-          </a:ln>
-        </p:spPr>
-        <p:style>
-          <a:lnRef idx="0"/>
-          <a:fillRef idx="0"/>
-          <a:effectRef idx="0"/>
-          <a:fontRef idx="minor"/>
-        </p:style>
-      </p:sp>
-      <p:sp>
-        <p:nvSpPr>
-          <p:cNvPr id="51" name="CustomShape 9"/>
-          <p:cNvSpPr/>
-          <p:nvPr/>
-        </p:nvSpPr>
-        <p:spPr>
-          <a:xfrm>
-            <a:off x="3495960" y="28640880"/>
-            <a:ext cx="5111640" cy="601920"/>
-          </a:xfrm>
-          <a:prstGeom prst="rect">
-            <a:avLst/>
-          </a:prstGeom>
-          <a:noFill/>
-          <a:ln>
-            <a:noFill/>
-          </a:ln>
-        </p:spPr>
-        <p:style>
-          <a:lnRef idx="0"/>
-          <a:fillRef idx="0"/>
-          <a:effectRef idx="0"/>
-          <a:fontRef idx="minor"/>
-        </p:style>
       </p:sp>
       <p:pic>
         <p:nvPicPr>
-          <p:cNvPr id="52" name="Picture 10_0" descr="A imagem pode conter: texto que diz &quot;DCC&quot;"/>
+          <p:cNvPr id="47" name="Picture 10_0" descr="A imagem pode conter: texto que diz &quot;DCC&quot;"/>
           <p:cNvPicPr/>
           <p:nvPr/>
         </p:nvPicPr>
@@ -2852,7 +2159,7 @@
         <p:spPr>
           <a:xfrm>
             <a:off x="13032000" y="23410440"/>
-            <a:ext cx="1141560" cy="1141560"/>
+            <a:ext cx="1140840" cy="1140840"/>
           </a:xfrm>
           <a:prstGeom prst="rect">
             <a:avLst/>
@@ -2864,7 +2171,7 @@
       </p:pic>
       <p:pic>
         <p:nvPicPr>
-          <p:cNvPr id="53" name="Picture 2_0" descr="UFMG Logo – Universidade Federal de Minas Gerais - PNG e Vetor - Download  de Logo"/>
+          <p:cNvPr id="48" name="Picture 2_0" descr="UFMG Logo – Universidade Federal de Minas Gerais - PNG e Vetor - Download  de Logo"/>
           <p:cNvPicPr/>
           <p:nvPr/>
         </p:nvPicPr>
@@ -2875,7 +2182,7 @@
         <p:spPr>
           <a:xfrm>
             <a:off x="14478480" y="23586840"/>
-            <a:ext cx="2333160" cy="911160"/>
+            <a:ext cx="2332440" cy="910440"/>
           </a:xfrm>
           <a:prstGeom prst="rect">
             <a:avLst/>
@@ -2887,14 +2194,14 @@
       </p:pic>
       <p:sp>
         <p:nvSpPr>
-          <p:cNvPr id="54" name="CustomShape 10"/>
+          <p:cNvPr id="49" name="CustomShape 7"/>
           <p:cNvSpPr/>
           <p:nvPr/>
         </p:nvSpPr>
         <p:spPr>
           <a:xfrm>
             <a:off x="11550600" y="26007480"/>
-            <a:ext cx="8639640" cy="601920"/>
+            <a:ext cx="8638920" cy="601200"/>
           </a:xfrm>
           <a:prstGeom prst="rect">
             <a:avLst/>
@@ -2922,12 +2229,16 @@
             </a:pPr>
             <a:r>
               <a:rPr b="0" lang="pt-BR" sz="2000" spc="-1" strike="noStrike">
+                <a:solidFill>
+                  <a:srgbClr val="000000"/>
+                </a:solidFill>
                 <a:latin typeface="Arial"/>
+                <a:ea typeface="DejaVu Sans"/>
               </a:rPr>
               <a:t>[1] Gabriel Coutinho, Emanuel Juliano, and Thomás Jung Spier. Strong cospectrality in trees. arXiv preprint</a:t>
             </a:r>
             <a:endParaRPr b="0" lang="pt-BR" sz="2000" spc="-1" strike="noStrike">
-              <a:latin typeface="Times New Roman"/>
+              <a:latin typeface="Arial"/>
             </a:endParaRPr>
           </a:p>
           <a:p>
@@ -2938,12 +2249,16 @@
             </a:pPr>
             <a:r>
               <a:rPr b="0" lang="pt-BR" sz="2000" spc="-1" strike="noStrike">
+                <a:solidFill>
+                  <a:srgbClr val="000000"/>
+                </a:solidFill>
                 <a:latin typeface="Arial"/>
+                <a:ea typeface="DejaVu Sans"/>
               </a:rPr>
               <a:t>arXiv:2206.02995, 2022.</a:t>
             </a:r>
             <a:endParaRPr b="0" lang="pt-BR" sz="2000" spc="-1" strike="noStrike">
-              <a:latin typeface="Times New Roman"/>
+              <a:latin typeface="Arial"/>
             </a:endParaRPr>
           </a:p>
           <a:p>
@@ -2953,7 +2268,7 @@
               </a:lnSpc>
             </a:pPr>
             <a:endParaRPr b="0" lang="pt-BR" sz="2000" spc="-1" strike="noStrike">
-              <a:latin typeface="Times New Roman"/>
+              <a:latin typeface="Arial"/>
             </a:endParaRPr>
           </a:p>
           <a:p>
@@ -2964,12 +2279,16 @@
             </a:pPr>
             <a:r>
               <a:rPr b="0" lang="pt-BR" sz="2000" spc="-1" strike="noStrike">
+                <a:solidFill>
+                  <a:srgbClr val="000000"/>
+                </a:solidFill>
                 <a:latin typeface="Arial"/>
+                <a:ea typeface="DejaVu Sans"/>
               </a:rPr>
               <a:t>[2] Gabriel Coutinho, Chris Godsil, Emanuel Juliano, and Christopher M</a:t>
             </a:r>
             <a:endParaRPr b="0" lang="pt-BR" sz="2000" spc="-1" strike="noStrike">
-              <a:latin typeface="Times New Roman"/>
+              <a:latin typeface="Arial"/>
             </a:endParaRPr>
           </a:p>
           <a:p>
@@ -2980,12 +2299,16 @@
             </a:pPr>
             <a:r>
               <a:rPr b="0" lang="pt-BR" sz="2000" spc="-1" strike="noStrike">
+                <a:solidFill>
+                  <a:srgbClr val="000000"/>
+                </a:solidFill>
                 <a:latin typeface="Arial"/>
+                <a:ea typeface="DejaVu Sans"/>
               </a:rPr>
               <a:t>van Bommel. Quantum walks do not like bridges. arXiv preprint</a:t>
             </a:r>
             <a:endParaRPr b="0" lang="pt-BR" sz="2000" spc="-1" strike="noStrike">
-              <a:latin typeface="Times New Roman"/>
+              <a:latin typeface="Arial"/>
             </a:endParaRPr>
           </a:p>
           <a:p>
@@ -2996,12 +2319,16 @@
             </a:pPr>
             <a:r>
               <a:rPr b="0" lang="pt-BR" sz="2000" spc="-1" strike="noStrike">
+                <a:solidFill>
+                  <a:srgbClr val="000000"/>
+                </a:solidFill>
                 <a:latin typeface="Arial"/>
+                <a:ea typeface="DejaVu Sans"/>
               </a:rPr>
               <a:t>arXiv:2112.03374, 2021.</a:t>
             </a:r>
             <a:endParaRPr b="0" lang="pt-BR" sz="2000" spc="-1" strike="noStrike">
-              <a:latin typeface="Times New Roman"/>
+              <a:latin typeface="Arial"/>
             </a:endParaRPr>
           </a:p>
           <a:p>
@@ -3011,21 +2338,21 @@
               </a:lnSpc>
             </a:pPr>
             <a:endParaRPr b="0" lang="pt-BR" sz="2000" spc="-1" strike="noStrike">
-              <a:latin typeface="Times New Roman"/>
-            </a:endParaRPr>
-          </a:p>
-        </p:txBody>
-      </p:sp>
-      <p:sp>
-        <p:nvSpPr>
-          <p:cNvPr id="55" name="CustomShape 11"/>
+              <a:latin typeface="Arial"/>
+            </a:endParaRPr>
+          </a:p>
+        </p:txBody>
+      </p:sp>
+      <p:sp>
+        <p:nvSpPr>
+          <p:cNvPr id="50" name="CustomShape 8"/>
           <p:cNvSpPr/>
           <p:nvPr/>
         </p:nvSpPr>
         <p:spPr>
           <a:xfrm>
-            <a:off x="11573640" y="14385600"/>
-            <a:ext cx="9234360" cy="950400"/>
+            <a:off x="11592000" y="10101960"/>
+            <a:ext cx="9233640" cy="949680"/>
           </a:xfrm>
           <a:prstGeom prst="rect">
             <a:avLst/>
@@ -3081,22 +2408,22 @@
               </a:rPr>
               <a:t>Resultados</a:t>
             </a:r>
-            <a:endParaRPr b="1" lang="pt-BR" sz="3600" spc="-1" strike="noStrike">
-              <a:latin typeface="Times New Roman"/>
-            </a:endParaRPr>
-          </a:p>
-        </p:txBody>
-      </p:sp>
-      <p:sp>
-        <p:nvSpPr>
-          <p:cNvPr id="56" name="CustomShape 12"/>
+            <a:endParaRPr b="0" lang="pt-BR" sz="3600" spc="-1" strike="noStrike">
+              <a:latin typeface="Arial"/>
+            </a:endParaRPr>
+          </a:p>
+        </p:txBody>
+      </p:sp>
+      <p:sp>
+        <p:nvSpPr>
+          <p:cNvPr id="51" name="CustomShape 9"/>
           <p:cNvSpPr/>
           <p:nvPr/>
         </p:nvSpPr>
         <p:spPr>
           <a:xfrm>
             <a:off x="1440000" y="5760000"/>
-            <a:ext cx="8697240" cy="950400"/>
+            <a:ext cx="8696520" cy="949680"/>
           </a:xfrm>
           <a:prstGeom prst="rect">
             <a:avLst/>
@@ -3152,22 +2479,22 @@
               </a:rPr>
               <a:t>Introdução</a:t>
             </a:r>
-            <a:endParaRPr b="1" lang="pt-BR" sz="3600" spc="-1" strike="noStrike">
-              <a:latin typeface="Times New Roman"/>
-            </a:endParaRPr>
-          </a:p>
-        </p:txBody>
-      </p:sp>
-      <p:sp>
-        <p:nvSpPr>
-          <p:cNvPr id="57" name="CustomShape 13"/>
+            <a:endParaRPr b="0" lang="pt-BR" sz="3600" spc="-1" strike="noStrike">
+              <a:latin typeface="Arial"/>
+            </a:endParaRPr>
+          </a:p>
+        </p:txBody>
+      </p:sp>
+      <p:sp>
+        <p:nvSpPr>
+          <p:cNvPr id="52" name="CustomShape 10"/>
           <p:cNvSpPr/>
           <p:nvPr/>
         </p:nvSpPr>
         <p:spPr>
           <a:xfrm>
-            <a:off x="1440000" y="12729600"/>
-            <a:ext cx="8697240" cy="950400"/>
+            <a:off x="1440000" y="14241960"/>
+            <a:ext cx="8639640" cy="949680"/>
           </a:xfrm>
           <a:prstGeom prst="rect">
             <a:avLst/>
@@ -3223,22 +2550,22 @@
               </a:rPr>
               <a:t>Objetivos</a:t>
             </a:r>
-            <a:endParaRPr b="1" lang="pt-BR" sz="3600" spc="-1" strike="noStrike">
-              <a:latin typeface="Times New Roman"/>
-            </a:endParaRPr>
-          </a:p>
-        </p:txBody>
-      </p:sp>
-      <p:sp>
-        <p:nvSpPr>
-          <p:cNvPr id="58" name="CustomShape 14"/>
+            <a:endParaRPr b="0" lang="pt-BR" sz="3600" spc="-1" strike="noStrike">
+              <a:latin typeface="Arial"/>
+            </a:endParaRPr>
+          </a:p>
+        </p:txBody>
+      </p:sp>
+      <p:sp>
+        <p:nvSpPr>
+          <p:cNvPr id="53" name="CustomShape 11"/>
           <p:cNvSpPr/>
           <p:nvPr/>
         </p:nvSpPr>
         <p:spPr>
           <a:xfrm>
-            <a:off x="1429560" y="16340400"/>
-            <a:ext cx="8697240" cy="950400"/>
+            <a:off x="1461240" y="17276400"/>
+            <a:ext cx="8567640" cy="949680"/>
           </a:xfrm>
           <a:prstGeom prst="rect">
             <a:avLst/>
@@ -3292,24 +2619,24 @@
                 <a:latin typeface="Calibri"/>
                 <a:ea typeface="DejaVu Sans"/>
               </a:rPr>
-              <a:t>Metodologia</a:t>
-            </a:r>
-            <a:endParaRPr b="1" lang="pt-BR" sz="3600" spc="-1" strike="noStrike">
-              <a:latin typeface="Times New Roman"/>
-            </a:endParaRPr>
-          </a:p>
-        </p:txBody>
-      </p:sp>
-      <p:sp>
-        <p:nvSpPr>
-          <p:cNvPr id="59" name="CustomShape 15"/>
+              <a:t>Motivação</a:t>
+            </a:r>
+            <a:endParaRPr b="0" lang="pt-BR" sz="3600" spc="-1" strike="noStrike">
+              <a:latin typeface="Arial"/>
+            </a:endParaRPr>
+          </a:p>
+        </p:txBody>
+      </p:sp>
+      <p:sp>
+        <p:nvSpPr>
+          <p:cNvPr id="54" name="CustomShape 12"/>
           <p:cNvSpPr/>
           <p:nvPr/>
         </p:nvSpPr>
         <p:spPr>
           <a:xfrm>
-            <a:off x="11448000" y="18792000"/>
-            <a:ext cx="9417240" cy="950400"/>
+            <a:off x="11520000" y="18936000"/>
+            <a:ext cx="9416520" cy="949680"/>
           </a:xfrm>
           <a:prstGeom prst="rect">
             <a:avLst/>
@@ -3365,22 +2692,22 @@
               </a:rPr>
               <a:t>Conclusão</a:t>
             </a:r>
-            <a:endParaRPr b="1" lang="pt-BR" sz="3600" spc="-1" strike="noStrike">
-              <a:latin typeface="Times New Roman"/>
-            </a:endParaRPr>
-          </a:p>
-        </p:txBody>
-      </p:sp>
-      <p:sp>
-        <p:nvSpPr>
-          <p:cNvPr id="60" name="CustomShape 16"/>
+            <a:endParaRPr b="0" lang="pt-BR" sz="3600" spc="-1" strike="noStrike">
+              <a:latin typeface="Arial"/>
+            </a:endParaRPr>
+          </a:p>
+        </p:txBody>
+      </p:sp>
+      <p:sp>
+        <p:nvSpPr>
+          <p:cNvPr id="55" name="CustomShape 13"/>
           <p:cNvSpPr/>
           <p:nvPr/>
         </p:nvSpPr>
         <p:spPr>
           <a:xfrm>
             <a:off x="11520000" y="24840000"/>
-            <a:ext cx="9360000" cy="950400"/>
+            <a:ext cx="9359280" cy="949680"/>
           </a:xfrm>
           <a:prstGeom prst="rect">
             <a:avLst/>
@@ -3436,22 +2763,22 @@
               </a:rPr>
               <a:t>Referências</a:t>
             </a:r>
-            <a:endParaRPr b="1" lang="pt-BR" sz="3600" spc="-1" strike="noStrike">
-              <a:latin typeface="Times New Roman"/>
-            </a:endParaRPr>
-          </a:p>
-        </p:txBody>
-      </p:sp>
-      <p:sp>
-        <p:nvSpPr>
-          <p:cNvPr id="61" name="CustomShape 17"/>
+            <a:endParaRPr b="0" lang="pt-BR" sz="3600" spc="-1" strike="noStrike">
+              <a:latin typeface="Arial"/>
+            </a:endParaRPr>
+          </a:p>
+        </p:txBody>
+      </p:sp>
+      <p:sp>
+        <p:nvSpPr>
+          <p:cNvPr id="56" name="CustomShape 14"/>
           <p:cNvSpPr/>
           <p:nvPr/>
         </p:nvSpPr>
         <p:spPr>
           <a:xfrm>
-            <a:off x="11534760" y="22320000"/>
-            <a:ext cx="9345240" cy="950400"/>
+            <a:off x="11534760" y="22356000"/>
+            <a:ext cx="9344520" cy="949680"/>
           </a:xfrm>
           <a:prstGeom prst="rect">
             <a:avLst/>
@@ -3507,15 +2834,15 @@
               </a:rPr>
               <a:t>Agradecimentos</a:t>
             </a:r>
-            <a:endParaRPr b="1" lang="pt-BR" sz="3600" spc="-1" strike="noStrike">
-              <a:latin typeface="Times New Roman"/>
+            <a:endParaRPr b="0" lang="pt-BR" sz="3600" spc="-1" strike="noStrike">
+              <a:latin typeface="Arial"/>
             </a:endParaRPr>
           </a:p>
         </p:txBody>
       </p:sp>
       <p:pic>
         <p:nvPicPr>
-          <p:cNvPr id="62" name="" descr=""/>
+          <p:cNvPr id="57" name="" descr=""/>
           <p:cNvPicPr/>
           <p:nvPr/>
         </p:nvPicPr>
@@ -3527,7 +2854,7 @@
         <p:spPr>
           <a:xfrm>
             <a:off x="16765920" y="23418360"/>
-            <a:ext cx="2133720" cy="1079640"/>
+            <a:ext cx="2133000" cy="1078920"/>
           </a:xfrm>
           <a:prstGeom prst="rect">
             <a:avLst/>
@@ -3539,14 +2866,14 @@
       </p:pic>
       <p:sp>
         <p:nvSpPr>
-          <p:cNvPr id="63" name="CustomShape 18"/>
+          <p:cNvPr id="58" name="CustomShape 15"/>
           <p:cNvSpPr/>
           <p:nvPr/>
         </p:nvSpPr>
         <p:spPr>
           <a:xfrm>
             <a:off x="1687680" y="7092000"/>
-            <a:ext cx="8464320" cy="4788000"/>
+            <a:ext cx="8463600" cy="1043640"/>
           </a:xfrm>
           <a:prstGeom prst="rect">
             <a:avLst/>
@@ -3574,103 +2901,84 @@
             </a:pPr>
             <a:r>
               <a:rPr b="0" lang="pt-BR" sz="2600" spc="-1" strike="noStrike">
-                <a:latin typeface="Calibri"/>
+                <a:solidFill>
+                  <a:srgbClr val="000000"/>
+                </a:solidFill>
+                <a:latin typeface="Calibri"/>
+                <a:ea typeface="DejaVu Sans"/>
               </a:rPr>
               <a:t>	</a:t>
             </a:r>
             <a:r>
               <a:rPr b="0" lang="pt-BR" sz="2600" spc="-1" strike="noStrike">
-                <a:latin typeface="Calibri"/>
-              </a:rPr>
-              <a:t>A teoria dos grafos é uma das áreas da matemática com </a:t>
+                <a:solidFill>
+                  <a:srgbClr val="000000"/>
+                </a:solidFill>
+                <a:latin typeface="Calibri"/>
+                <a:ea typeface="DejaVu Sans"/>
+              </a:rPr>
+              <a:t>A </a:t>
+            </a:r>
+            <a:r>
+              <a:rPr b="1" lang="pt-BR" sz="2600" spc="-1" strike="noStrike">
+                <a:solidFill>
+                  <a:srgbClr val="000000"/>
+                </a:solidFill>
+                <a:latin typeface="Calibri"/>
+                <a:ea typeface="DejaVu Sans"/>
+              </a:rPr>
+              <a:t>Teoria dos Grafos</a:t>
             </a:r>
             <a:r>
               <a:rPr b="0" lang="pt-BR" sz="2600" spc="-1" strike="noStrike">
-                <a:latin typeface="Calibri"/>
-              </a:rPr>
-              <a:t>maior relevância nos dias de hoje, dela, surgem outros ramos, </a:t>
+                <a:solidFill>
+                  <a:srgbClr val="000000"/>
+                </a:solidFill>
+                <a:latin typeface="Calibri"/>
+                <a:ea typeface="DejaVu Sans"/>
+              </a:rPr>
+              <a:t> e a </a:t>
+            </a:r>
+            <a:r>
+              <a:rPr b="1" lang="pt-BR" sz="2600" spc="-1" strike="noStrike">
+                <a:solidFill>
+                  <a:srgbClr val="000000"/>
+                </a:solidFill>
+                <a:latin typeface="Calibri"/>
+                <a:ea typeface="DejaVu Sans"/>
+              </a:rPr>
+              <a:t>Algebra Linear</a:t>
             </a:r>
             <a:r>
               <a:rPr b="0" lang="pt-BR" sz="2600" spc="-1" strike="noStrike">
-                <a:latin typeface="Calibri"/>
-              </a:rPr>
-              <a:t>como a teoria espectral de grafos que utiliza ferramentas </a:t>
-            </a:r>
-            <a:r>
-              <a:rPr b="0" lang="pt-BR" sz="2600" spc="-1" strike="noStrike">
-                <a:latin typeface="Calibri"/>
-              </a:rPr>
-              <a:t>algébricas para estudar essas estruturas. Nesse sentido, existe </a:t>
-            </a:r>
-            <a:r>
-              <a:rPr b="0" lang="pt-BR" sz="2600" spc="-1" strike="noStrike">
-                <a:latin typeface="Calibri"/>
-              </a:rPr>
-              <a:t>uma vasta aplicação de suas descobertas em outras áreas, em </a:t>
-            </a:r>
-            <a:r>
-              <a:rPr b="0" lang="pt-BR" sz="2600" spc="-1" strike="noStrike">
-                <a:latin typeface="Calibri"/>
-              </a:rPr>
-              <a:t>especial, a teoria espectral está intrinsecamente relacionada à </a:t>
-            </a:r>
-            <a:r>
-              <a:rPr b="0" lang="pt-BR" sz="2600" spc="-1" strike="noStrike">
-                <a:latin typeface="Calibri"/>
-              </a:rPr>
-              <a:t>computação quântica: ao escrevermos circuitos quânticos, </a:t>
-            </a:r>
-            <a:r>
-              <a:rPr b="0" lang="pt-BR" sz="2600" spc="-1" strike="noStrike">
-                <a:latin typeface="Calibri"/>
-              </a:rPr>
-              <a:t>modelamos a interação de seus componentes como um grafo. </a:t>
-            </a:r>
-            <a:r>
-              <a:rPr b="0" lang="pt-BR" sz="2600" spc="-1" strike="noStrike">
-                <a:latin typeface="Calibri"/>
-              </a:rPr>
-              <a:t>Sendo assim, com o objetivo de minimizar o número de </a:t>
-            </a:r>
-            <a:r>
-              <a:rPr b="0" lang="pt-BR" sz="2600" spc="-1" strike="noStrike">
-                <a:latin typeface="Calibri"/>
-              </a:rPr>
-              <a:t>interações, o ideal seria modelar um circuito quântico como </a:t>
-            </a:r>
-            <a:r>
-              <a:rPr b="0" lang="pt-BR" sz="2600" spc="-1" strike="noStrike">
-                <a:latin typeface="Calibri"/>
-              </a:rPr>
-              <a:t>uma árvore. Dessa forma, resultados sobre o espectro de </a:t>
-            </a:r>
-            <a:r>
-              <a:rPr b="0" lang="pt-BR" sz="2600" spc="-1" strike="noStrike">
-                <a:latin typeface="Calibri"/>
-              </a:rPr>
-              <a:t>árvores é de interesse da comunidade cientifica. </a:t>
+                <a:solidFill>
+                  <a:srgbClr val="000000"/>
+                </a:solidFill>
+                <a:latin typeface="Calibri"/>
+                <a:ea typeface="DejaVu Sans"/>
+              </a:rPr>
+              <a:t> pode ser utilizada para modelar diversos fenômenos da realidade.</a:t>
             </a:r>
             <a:endParaRPr b="0" lang="pt-BR" sz="2600" spc="-1" strike="noStrike">
-              <a:latin typeface="Times New Roman"/>
+              <a:latin typeface="Arial"/>
             </a:endParaRPr>
           </a:p>
         </p:txBody>
       </p:sp>
       <p:pic>
         <p:nvPicPr>
-          <p:cNvPr id="64" name="" descr=""/>
+          <p:cNvPr id="59" name="" descr=""/>
           <p:cNvPicPr/>
           <p:nvPr/>
         </p:nvPicPr>
         <p:blipFill>
           <a:blip r:embed="rId6"/>
-          <a:srcRect l="0" t="22114" r="0" b="0"/>
           <a:stretch/>
         </p:blipFill>
         <p:spPr>
           <a:xfrm>
-            <a:off x="1897200" y="20664000"/>
-            <a:ext cx="7246800" cy="1569600"/>
+            <a:off x="11736000" y="7562160"/>
+            <a:ext cx="8950680" cy="1509480"/>
           </a:xfrm>
           <a:prstGeom prst="rect">
             <a:avLst/>
@@ -3682,14 +2990,14 @@
       </p:pic>
       <p:sp>
         <p:nvSpPr>
-          <p:cNvPr id="65" name="TextShape 19"/>
-          <p:cNvSpPr txBox="1"/>
+          <p:cNvPr id="60" name="CustomShape 16"/>
+          <p:cNvSpPr/>
           <p:nvPr/>
         </p:nvSpPr>
         <p:spPr>
           <a:xfrm>
-            <a:off x="2900520" y="22036680"/>
-            <a:ext cx="5616000" cy="657000"/>
+            <a:off x="12708000" y="9279360"/>
+            <a:ext cx="7001640" cy="512280"/>
           </a:xfrm>
           <a:prstGeom prst="rect">
             <a:avLst/>
@@ -3699,56 +3007,88 @@
             <a:noFill/>
           </a:ln>
         </p:spPr>
+        <p:style>
+          <a:lnRef idx="0"/>
+          <a:fillRef idx="0"/>
+          <a:effectRef idx="0"/>
+          <a:fontRef idx="minor"/>
+        </p:style>
         <p:txBody>
           <a:bodyPr lIns="90000" rIns="90000" tIns="45000" bIns="45000">
             <a:noAutofit/>
           </a:bodyPr>
           <a:p>
-            <a:pPr algn="just"/>
+            <a:pPr algn="just">
+              <a:lnSpc>
+                <a:spcPct val="100000"/>
+              </a:lnSpc>
+            </a:pPr>
             <a:r>
               <a:rPr b="0" lang="pt-BR" sz="2000" spc="-1" strike="noStrike">
+                <a:solidFill>
+                  <a:srgbClr val="000000"/>
+                </a:solidFill>
                 <a:latin typeface="Arial"/>
                 <a:ea typeface="Noto Sans CJK SC"/>
               </a:rPr>
-              <a:t>Figura 1:  Grafo </a:t>
+              <a:t>Figura 8:  Vértices </a:t>
             </a:r>
             <a:r>
               <a:rPr b="1" lang="pt-BR" sz="2000" spc="-1" strike="noStrike">
+                <a:solidFill>
+                  <a:srgbClr val="000000"/>
+                </a:solidFill>
                 <a:latin typeface="Arial"/>
                 <a:ea typeface="Noto Sans CJK SC"/>
               </a:rPr>
-              <a:t>P3</a:t>
+              <a:t>a</a:t>
             </a:r>
             <a:r>
               <a:rPr b="0" lang="pt-BR" sz="2000" spc="-1" strike="noStrike">
+                <a:solidFill>
+                  <a:srgbClr val="000000"/>
+                </a:solidFill>
                 <a:latin typeface="Arial"/>
                 <a:ea typeface="Noto Sans CJK SC"/>
               </a:rPr>
-              <a:t>, um grafo sem ciclos com </a:t>
-            </a:r>
-            <a:r>
-              <a:rPr b="0" lang="pt-BR" sz="2000" spc="-1" strike="noStrike">
+              <a:t> e </a:t>
+            </a:r>
+            <a:r>
+              <a:rPr b="1" lang="pt-BR" sz="2000" spc="-1" strike="noStrike">
+                <a:solidFill>
+                  <a:srgbClr val="000000"/>
+                </a:solidFill>
                 <a:latin typeface="Arial"/>
                 <a:ea typeface="Noto Sans CJK SC"/>
               </a:rPr>
-              <a:t>3 vértices e duas arestas.</a:t>
+              <a:t>c</a:t>
+            </a:r>
+            <a:r>
+              <a:rPr b="0" lang="pt-BR" sz="2000" spc="-1" strike="noStrike">
+                <a:solidFill>
+                  <a:srgbClr val="000000"/>
+                </a:solidFill>
+                <a:latin typeface="Arial"/>
+                <a:ea typeface="Noto Sans CJK SC"/>
+              </a:rPr>
+              <a:t> são fortemente cospectrais no P_3.</a:t>
             </a:r>
             <a:endParaRPr b="0" lang="pt-BR" sz="2000" spc="-1" strike="noStrike">
-              <a:latin typeface="Times New Roman"/>
-            </a:endParaRPr>
-          </a:p>
-        </p:txBody>
-      </p:sp>
-      <p:sp>
-        <p:nvSpPr>
-          <p:cNvPr id="66" name="TextShape 20"/>
-          <p:cNvSpPr txBox="1"/>
+              <a:latin typeface="Arial"/>
+            </a:endParaRPr>
+          </a:p>
+        </p:txBody>
+      </p:sp>
+      <p:sp>
+        <p:nvSpPr>
+          <p:cNvPr id="61" name="CustomShape 17"/>
+          <p:cNvSpPr/>
           <p:nvPr/>
         </p:nvSpPr>
         <p:spPr>
           <a:xfrm>
-            <a:off x="1512000" y="23040000"/>
-            <a:ext cx="8496000" cy="1744560"/>
+            <a:off x="11736000" y="11304000"/>
+            <a:ext cx="9143280" cy="1727640"/>
           </a:xfrm>
           <a:prstGeom prst="rect">
             <a:avLst/>
@@ -3758,99 +3098,162 @@
             <a:noFill/>
           </a:ln>
         </p:spPr>
+        <p:style>
+          <a:lnRef idx="0"/>
+          <a:fillRef idx="0"/>
+          <a:effectRef idx="0"/>
+          <a:fontRef idx="minor"/>
+        </p:style>
         <p:txBody>
           <a:bodyPr lIns="90000" rIns="90000" tIns="45000" bIns="45000">
             <a:noAutofit/>
           </a:bodyPr>
           <a:p>
-            <a:pPr algn="just"/>
+            <a:pPr algn="just">
+              <a:lnSpc>
+                <a:spcPct val="100000"/>
+              </a:lnSpc>
+            </a:pPr>
             <a:r>
               <a:rPr b="0" lang="pt-BR" sz="2600" spc="-1" strike="noStrike">
-                <a:latin typeface="Calibri"/>
+                <a:solidFill>
+                  <a:srgbClr val="000000"/>
+                </a:solidFill>
+                <a:latin typeface="Calibri"/>
+                <a:ea typeface="DejaVu Sans"/>
               </a:rPr>
               <a:t>	</a:t>
             </a:r>
             <a:r>
               <a:rPr b="0" lang="pt-BR" sz="2600" spc="-1" strike="noStrike">
-                <a:latin typeface="Calibri"/>
-              </a:rPr>
-              <a:t>Outra representação de grafo vem da matriz de adjacência, uma </a:t>
-            </a:r>
+                <a:solidFill>
+                  <a:srgbClr val="000000"/>
+                </a:solidFill>
+                <a:latin typeface="Calibri"/>
+                <a:ea typeface="DejaVu Sans"/>
+              </a:rPr>
+              <a:t>Nós demonstramos que não existe árvore com mais de dois vértices fortemente cospectrais. </a:t>
+            </a:r>
+            <a:endParaRPr b="0" lang="pt-BR" sz="2600" spc="-1" strike="noStrike">
+              <a:latin typeface="Arial"/>
+            </a:endParaRPr>
+          </a:p>
+          <a:p>
+            <a:pPr algn="just">
+              <a:lnSpc>
+                <a:spcPct val="100000"/>
+              </a:lnSpc>
+            </a:pPr>
             <a:r>
               <a:rPr b="0" lang="pt-BR" sz="2600" spc="-1" strike="noStrike">
-                <a:latin typeface="Calibri"/>
-              </a:rPr>
-              <a:t>matriz </a:t>
-            </a:r>
-            <a:r>
-              <a:rPr b="1" lang="pt-BR" sz="2600" spc="-1" strike="noStrike">
-                <a:latin typeface="Calibri"/>
-              </a:rPr>
-              <a:t>A(G) </a:t>
+                <a:solidFill>
+                  <a:srgbClr val="000000"/>
+                </a:solidFill>
+                <a:latin typeface="Calibri"/>
+                <a:ea typeface="DejaVu Sans"/>
+              </a:rPr>
+              <a:t>	</a:t>
             </a:r>
             <a:r>
               <a:rPr b="0" lang="pt-BR" sz="2600" spc="-1" strike="noStrike">
-                <a:latin typeface="Calibri"/>
-              </a:rPr>
-              <a:t> cujas linhas e colunas são indexadas pelos vértices, a </a:t>
-            </a:r>
+                <a:solidFill>
+                  <a:srgbClr val="000000"/>
+                </a:solidFill>
+                <a:latin typeface="Calibri"/>
+                <a:ea typeface="DejaVu Sans"/>
+              </a:rPr>
+              <a:t>Esse resultado explicita que o espectro de árvores parece se comportar de modo diferente de outros grafos. </a:t>
+            </a:r>
+            <a:endParaRPr b="0" lang="pt-BR" sz="2600" spc="-1" strike="noStrike">
+              <a:latin typeface="Arial"/>
+            </a:endParaRPr>
+          </a:p>
+        </p:txBody>
+      </p:sp>
+      <p:sp>
+        <p:nvSpPr>
+          <p:cNvPr id="62" name="CustomShape 18"/>
+          <p:cNvSpPr/>
+          <p:nvPr/>
+        </p:nvSpPr>
+        <p:spPr>
+          <a:xfrm>
+            <a:off x="11736000" y="19944360"/>
+            <a:ext cx="9143640" cy="1079280"/>
+          </a:xfrm>
+          <a:prstGeom prst="rect">
+            <a:avLst/>
+          </a:prstGeom>
+          <a:noFill/>
+          <a:ln>
+            <a:noFill/>
+          </a:ln>
+        </p:spPr>
+        <p:style>
+          <a:lnRef idx="0"/>
+          <a:fillRef idx="0"/>
+          <a:effectRef idx="0"/>
+          <a:fontRef idx="minor"/>
+        </p:style>
+        <p:txBody>
+          <a:bodyPr lIns="90000" rIns="90000" tIns="45000" bIns="45000">
+            <a:noAutofit/>
+          </a:bodyPr>
+          <a:p>
+            <a:pPr algn="just">
+              <a:lnSpc>
+                <a:spcPct val="100000"/>
+              </a:lnSpc>
+            </a:pPr>
             <a:r>
               <a:rPr b="0" lang="pt-BR" sz="2600" spc="-1" strike="noStrike">
-                <a:latin typeface="Calibri"/>
-              </a:rPr>
-              <a:t>entrada </a:t>
-            </a:r>
-            <a:r>
-              <a:rPr b="1" lang="pt-BR" sz="2600" spc="-1" strike="noStrike">
-                <a:latin typeface="Calibri"/>
-              </a:rPr>
-              <a:t>(a, b)</a:t>
+                <a:solidFill>
+                  <a:srgbClr val="000000"/>
+                </a:solidFill>
+                <a:latin typeface="Calibri"/>
+                <a:ea typeface="DejaVu Sans"/>
+              </a:rPr>
+              <a:t>	</a:t>
             </a:r>
             <a:r>
               <a:rPr b="0" lang="pt-BR" sz="2600" spc="-1" strike="noStrike">
-                <a:latin typeface="Calibri"/>
-              </a:rPr>
-              <a:t> (linha a, coluna b) dessa matriz é igual a </a:t>
-            </a:r>
-            <a:r>
-              <a:rPr b="1" lang="pt-BR" sz="2600" spc="-1" strike="noStrike">
-                <a:latin typeface="Calibri"/>
-              </a:rPr>
-              <a:t>1</a:t>
-            </a:r>
+                <a:solidFill>
+                  <a:srgbClr val="000000"/>
+                </a:solidFill>
+                <a:latin typeface="Calibri"/>
+                <a:ea typeface="DejaVu Sans"/>
+              </a:rPr>
+              <a:t>O artigo contendo a demonstração do resultado foi submetido para o jornal Algebraic Combinatorics.</a:t>
+            </a:r>
+            <a:endParaRPr b="0" lang="pt-BR" sz="2600" spc="-1" strike="noStrike">
+              <a:latin typeface="Arial"/>
+            </a:endParaRPr>
+          </a:p>
+          <a:p>
+            <a:pPr algn="just">
+              <a:lnSpc>
+                <a:spcPct val="100000"/>
+              </a:lnSpc>
+            </a:pPr>
             <a:r>
               <a:rPr b="0" lang="pt-BR" sz="2600" spc="-1" strike="noStrike">
-                <a:latin typeface="Calibri"/>
-              </a:rPr>
-              <a:t> se os </a:t>
-            </a:r>
-            <a:r>
-              <a:rPr b="0" lang="pt-BR" sz="2600" spc="-1" strike="noStrike">
-                <a:latin typeface="Calibri"/>
-              </a:rPr>
-              <a:t>vértices a e b estiverem conectados e </a:t>
-            </a:r>
-            <a:r>
-              <a:rPr b="1" lang="pt-BR" sz="2600" spc="-1" strike="noStrike">
-                <a:latin typeface="Calibri"/>
-              </a:rPr>
-              <a:t>0</a:t>
-            </a:r>
-            <a:r>
-              <a:rPr b="0" lang="pt-BR" sz="2600" spc="-1" strike="noStrike">
-                <a:latin typeface="Calibri"/>
-              </a:rPr>
-              <a:t> caso contrário.</a:t>
+                <a:solidFill>
+                  <a:srgbClr val="000000"/>
+                </a:solidFill>
+                <a:latin typeface="Calibri"/>
+                <a:ea typeface="DejaVu Sans"/>
+              </a:rPr>
+              <a:t>	</a:t>
             </a:r>
             <a:endParaRPr b="0" lang="pt-BR" sz="2600" spc="-1" strike="noStrike">
-              <a:latin typeface="Times New Roman"/>
+              <a:latin typeface="Arial"/>
             </a:endParaRPr>
           </a:p>
         </p:txBody>
       </p:sp>
       <p:pic>
         <p:nvPicPr>
-          <p:cNvPr id="67" name="" descr=""/>
+          <p:cNvPr id="63" name="" descr=""/>
           <p:cNvPicPr/>
           <p:nvPr/>
         </p:nvPicPr>
@@ -3860,8 +3263,8 @@
         </p:blipFill>
         <p:spPr>
           <a:xfrm>
-            <a:off x="3929760" y="24901920"/>
-            <a:ext cx="3740400" cy="2690280"/>
+            <a:off x="18432000" y="1800000"/>
+            <a:ext cx="2663640" cy="800280"/>
           </a:xfrm>
           <a:prstGeom prst="rect">
             <a:avLst/>
@@ -3873,14 +3276,14 @@
       </p:pic>
       <p:sp>
         <p:nvSpPr>
-          <p:cNvPr id="68" name="TextShape 21"/>
-          <p:cNvSpPr txBox="1"/>
+          <p:cNvPr id="64" name="CustomShape 19"/>
+          <p:cNvSpPr/>
           <p:nvPr/>
         </p:nvSpPr>
         <p:spPr>
           <a:xfrm>
-            <a:off x="3240360" y="27432000"/>
-            <a:ext cx="5759640" cy="657000"/>
+            <a:off x="1615680" y="10152000"/>
+            <a:ext cx="3423960" cy="791640"/>
           </a:xfrm>
           <a:prstGeom prst="rect">
             <a:avLst/>
@@ -3890,164 +3293,41 @@
             <a:noFill/>
           </a:ln>
         </p:spPr>
+        <p:style>
+          <a:lnRef idx="0"/>
+          <a:fillRef idx="0"/>
+          <a:effectRef idx="0"/>
+          <a:fontRef idx="minor"/>
+        </p:style>
         <p:txBody>
           <a:bodyPr lIns="90000" rIns="90000" tIns="45000" bIns="45000">
             <a:noAutofit/>
           </a:bodyPr>
           <a:p>
-            <a:pPr algn="just"/>
+            <a:pPr algn="just">
+              <a:lnSpc>
+                <a:spcPct val="100000"/>
+              </a:lnSpc>
+            </a:pPr>
             <a:r>
               <a:rPr b="0" lang="pt-BR" sz="2000" spc="-1" strike="noStrike">
+                <a:solidFill>
+                  <a:srgbClr val="000000"/>
+                </a:solidFill>
                 <a:latin typeface="Arial"/>
                 <a:ea typeface="Noto Sans CJK SC"/>
               </a:rPr>
-              <a:t>Figura 2:  Matriz de adjacência de </a:t>
-            </a:r>
-            <a:r>
-              <a:rPr b="1" lang="pt-BR" sz="2000" spc="-1" strike="noStrike">
-                <a:latin typeface="Arial"/>
-                <a:ea typeface="Noto Sans CJK SC"/>
-              </a:rPr>
-              <a:t>P3</a:t>
-            </a:r>
-            <a:r>
-              <a:rPr b="0" lang="pt-BR" sz="2000" spc="-1" strike="noStrike">
-                <a:latin typeface="Arial"/>
-                <a:ea typeface="Noto Sans CJK SC"/>
-              </a:rPr>
-              <a:t>, </a:t>
-            </a:r>
-            <a:r>
-              <a:rPr b="1" lang="pt-BR" sz="2000" spc="-1" strike="noStrike">
-                <a:latin typeface="Arial"/>
-                <a:ea typeface="Noto Sans CJK SC"/>
-              </a:rPr>
-              <a:t>A(P3).</a:t>
+              <a:t>Figura 1:  Exemplo de grafo com pesos nas arestas.</a:t>
             </a:r>
             <a:endParaRPr b="0" lang="pt-BR" sz="2000" spc="-1" strike="noStrike">
-              <a:latin typeface="Times New Roman"/>
-            </a:endParaRPr>
-          </a:p>
-        </p:txBody>
-      </p:sp>
-      <p:sp>
-        <p:nvSpPr>
-          <p:cNvPr id="69" name="TextShape 22"/>
-          <p:cNvSpPr txBox="1"/>
-          <p:nvPr/>
-        </p:nvSpPr>
-        <p:spPr>
-          <a:xfrm>
-            <a:off x="1512000" y="27988560"/>
-            <a:ext cx="8427240" cy="2406240"/>
-          </a:xfrm>
-          <a:prstGeom prst="rect">
-            <a:avLst/>
-          </a:prstGeom>
-          <a:noFill/>
-          <a:ln>
-            <a:noFill/>
-          </a:ln>
-        </p:spPr>
-        <p:txBody>
-          <a:bodyPr lIns="90000" rIns="90000" tIns="45000" bIns="45000">
-            <a:noAutofit/>
-          </a:bodyPr>
-          <a:p>
-            <a:pPr algn="just"/>
-            <a:r>
-              <a:rPr b="0" lang="pt-BR" sz="2600" spc="-1" strike="noStrike">
-                <a:latin typeface="Calibri"/>
-              </a:rPr>
-              <a:t>	</a:t>
-            </a:r>
-            <a:r>
-              <a:rPr b="0" lang="pt-BR" sz="2600" spc="-1" strike="noStrike">
-                <a:latin typeface="Calibri"/>
-              </a:rPr>
-              <a:t>Como toda matriz, a matriz de </a:t>
-            </a:r>
-            <a:r>
-              <a:rPr b="0" lang="pt-BR" sz="2600" spc="-1" strike="noStrike">
-                <a:latin typeface="Calibri"/>
-              </a:rPr>
-              <a:t>adjacência de um grafo pode ser </a:t>
-            </a:r>
-            <a:r>
-              <a:rPr b="0" lang="pt-BR" sz="2600" spc="-1" strike="noStrike">
-                <a:latin typeface="Calibri"/>
-              </a:rPr>
-              <a:t>decomposta, no caso, escrita como a </a:t>
-            </a:r>
-            <a:r>
-              <a:rPr b="0" lang="pt-BR" sz="2600" spc="-1" strike="noStrike">
-                <a:latin typeface="Calibri"/>
-              </a:rPr>
-              <a:t>soma de outras matrizes. Aqui, usamos </a:t>
-            </a:r>
-            <a:r>
-              <a:rPr b="0" lang="pt-BR" sz="2600" spc="-1" strike="noStrike">
-                <a:latin typeface="Calibri"/>
-              </a:rPr>
-              <a:t>ferramentas da álgebra linear e fazemos </a:t>
-            </a:r>
-            <a:r>
-              <a:rPr b="0" lang="pt-BR" sz="2600" spc="-1" strike="noStrike">
-                <a:latin typeface="Calibri"/>
-              </a:rPr>
-              <a:t>a </a:t>
-            </a:r>
-            <a:r>
-              <a:rPr b="1" lang="pt-BR" sz="2600" spc="-1" strike="noStrike">
-                <a:latin typeface="Calibri"/>
-              </a:rPr>
-              <a:t>decomposição espectral</a:t>
-            </a:r>
-            <a:r>
-              <a:rPr b="0" lang="pt-BR" sz="2600" spc="-1" strike="noStrike">
-                <a:latin typeface="Calibri"/>
-              </a:rPr>
-              <a:t> da nossa </a:t>
-            </a:r>
-            <a:r>
-              <a:rPr b="0" lang="pt-BR" sz="2600" spc="-1" strike="noStrike">
-                <a:latin typeface="Calibri"/>
-              </a:rPr>
-              <a:t>matriz, o que consiste em escrevê-la </a:t>
-            </a:r>
-            <a:r>
-              <a:rPr b="0" lang="pt-BR" sz="2600" spc="-1" strike="noStrike">
-                <a:latin typeface="Calibri"/>
-              </a:rPr>
-              <a:t>como a soma de outras matrizes, </a:t>
-            </a:r>
-            <a:r>
-              <a:rPr b="0" lang="pt-BR" sz="2600" spc="-1" strike="noStrike">
-                <a:latin typeface="Calibri"/>
-              </a:rPr>
-              <a:t>chamadas de idempotentes, </a:t>
-            </a:r>
-            <a:r>
-              <a:rPr b="0" lang="pt-BR" sz="2600" spc="-1" strike="noStrike">
-                <a:latin typeface="Calibri"/>
-              </a:rPr>
-              <a:t>multiplicadas por constantes, chamadas </a:t>
-            </a:r>
-            <a:r>
-              <a:rPr b="0" lang="pt-BR" sz="2600" spc="-1" strike="noStrike">
-                <a:latin typeface="Calibri"/>
-              </a:rPr>
-              <a:t>de autovalores.</a:t>
-            </a:r>
-            <a:endParaRPr b="0" lang="pt-BR" sz="2600" spc="-1" strike="noStrike">
-              <a:latin typeface="Times New Roman"/>
+              <a:latin typeface="Arial"/>
             </a:endParaRPr>
           </a:p>
         </p:txBody>
       </p:sp>
       <p:pic>
         <p:nvPicPr>
-          <p:cNvPr id="70" name="" descr=""/>
+          <p:cNvPr id="65" name="" descr=""/>
           <p:cNvPicPr/>
           <p:nvPr/>
         </p:nvPicPr>
@@ -4057,8 +3337,8 @@
         </p:blipFill>
         <p:spPr>
           <a:xfrm>
-            <a:off x="11554560" y="5904000"/>
-            <a:ext cx="9325440" cy="1368000"/>
+            <a:off x="1872360" y="8136000"/>
+            <a:ext cx="2231280" cy="2050560"/>
           </a:xfrm>
           <a:prstGeom prst="rect">
             <a:avLst/>
@@ -4068,68 +3348,39 @@
           </a:ln>
         </p:spPr>
       </p:pic>
-      <p:sp>
-        <p:nvSpPr>
-          <p:cNvPr id="71" name="TextShape 23"/>
-          <p:cNvSpPr txBox="1"/>
+      <p:pic>
+        <p:nvPicPr>
+          <p:cNvPr id="66" name="" descr=""/>
+          <p:cNvPicPr/>
           <p:nvPr/>
-        </p:nvSpPr>
-        <p:spPr>
-          <a:xfrm>
-            <a:off x="13899600" y="7416000"/>
-            <a:ext cx="4748400" cy="657000"/>
-          </a:xfrm>
-          <a:prstGeom prst="rect">
-            <a:avLst/>
-          </a:prstGeom>
-          <a:noFill/>
+        </p:nvPicPr>
+        <p:blipFill>
+          <a:blip r:embed="rId9"/>
+          <a:stretch/>
+        </p:blipFill>
+        <p:spPr>
+          <a:xfrm>
+            <a:off x="5328360" y="8280000"/>
+            <a:ext cx="4391640" cy="1620000"/>
+          </a:xfrm>
+          <a:prstGeom prst="rect">
+            <a:avLst/>
+          </a:prstGeom>
           <a:ln>
             <a:noFill/>
           </a:ln>
         </p:spPr>
-        <p:txBody>
-          <a:bodyPr lIns="90000" rIns="90000" tIns="45000" bIns="45000">
-            <a:noAutofit/>
-          </a:bodyPr>
-          <a:p>
-            <a:pPr algn="just"/>
-            <a:r>
-              <a:rPr b="0" lang="pt-BR" sz="2000" spc="-1" strike="noStrike">
-                <a:latin typeface="Arial"/>
-                <a:ea typeface="Noto Sans CJK SC"/>
-              </a:rPr>
-              <a:t>Figura 3:  Decomposição espectral de </a:t>
-            </a:r>
-            <a:r>
-              <a:rPr b="1" lang="pt-BR" sz="2000" spc="-1" strike="noStrike">
-                <a:latin typeface="Arial"/>
-                <a:ea typeface="Noto Sans CJK SC"/>
-              </a:rPr>
-              <a:t>A(P3)</a:t>
-            </a:r>
-            <a:r>
-              <a:rPr b="0" lang="pt-BR" sz="2000" spc="-1" strike="noStrike">
-                <a:latin typeface="Arial"/>
-                <a:ea typeface="Noto Sans CJK SC"/>
-              </a:rPr>
-              <a:t>.</a:t>
-            </a:r>
-            <a:endParaRPr b="0" lang="pt-BR" sz="2000" spc="-1" strike="noStrike">
-              <a:latin typeface="Times New Roman"/>
-            </a:endParaRPr>
-          </a:p>
-        </p:txBody>
-      </p:sp>
-      <p:sp>
-        <p:nvSpPr>
-          <p:cNvPr id="72" name="CustomShape 24"/>
+      </p:pic>
+      <p:sp>
+        <p:nvSpPr>
+          <p:cNvPr id="67" name="CustomShape 20"/>
           <p:cNvSpPr/>
           <p:nvPr/>
         </p:nvSpPr>
         <p:spPr>
           <a:xfrm>
-            <a:off x="12000600" y="8352000"/>
-            <a:ext cx="8354520" cy="2448000"/>
+            <a:off x="5472360" y="10147680"/>
+            <a:ext cx="4463280" cy="656640"/>
           </a:xfrm>
           <a:prstGeom prst="rect">
             <a:avLst/>
@@ -4150,6 +3401,54 @@
             <a:noAutofit/>
           </a:bodyPr>
           <a:p>
+            <a:pPr>
+              <a:lnSpc>
+                <a:spcPct val="100000"/>
+              </a:lnSpc>
+            </a:pPr>
+            <a:r>
+              <a:rPr b="0" lang="pt-BR" sz="2000" spc="-1" strike="noStrike">
+                <a:latin typeface="Arial"/>
+                <a:ea typeface="Noto Sans CJK SC"/>
+              </a:rPr>
+              <a:t>Figura 2:  Para onde evolui esse sistema quando k cresce?</a:t>
+            </a:r>
+            <a:endParaRPr b="0" lang="pt-BR" sz="2000" spc="-1" strike="noStrike">
+              <a:latin typeface="Arial"/>
+            </a:endParaRPr>
+          </a:p>
+        </p:txBody>
+      </p:sp>
+      <p:sp>
+        <p:nvSpPr>
+          <p:cNvPr id="68" name="CustomShape 21"/>
+          <p:cNvSpPr/>
+          <p:nvPr/>
+        </p:nvSpPr>
+        <p:spPr>
+          <a:xfrm>
+            <a:off x="1656000" y="11016000"/>
+            <a:ext cx="8495280" cy="1007640"/>
+          </a:xfrm>
+          <a:prstGeom prst="rect">
+            <a:avLst/>
+          </a:prstGeom>
+          <a:noFill/>
+          <a:ln>
+            <a:noFill/>
+          </a:ln>
+        </p:spPr>
+        <p:style>
+          <a:lnRef idx="0"/>
+          <a:fillRef idx="0"/>
+          <a:effectRef idx="0"/>
+          <a:fontRef idx="minor"/>
+        </p:style>
+        <p:txBody>
+          <a:bodyPr lIns="90000" rIns="90000" tIns="45000" bIns="45000">
+            <a:noAutofit/>
+          </a:bodyPr>
+          <a:p>
             <a:pPr algn="just">
               <a:lnSpc>
                 <a:spcPct val="100000"/>
@@ -4157,106 +3456,238 @@
             </a:pPr>
             <a:r>
               <a:rPr b="0" lang="pt-BR" sz="2600" spc="-1" strike="noStrike">
-                <a:latin typeface="Calibri"/>
+                <a:solidFill>
+                  <a:srgbClr val="000000"/>
+                </a:solidFill>
+                <a:latin typeface="Calibri"/>
+                <a:ea typeface="DejaVu Sans"/>
               </a:rPr>
               <a:t>	</a:t>
             </a:r>
             <a:r>
               <a:rPr b="0" lang="pt-BR" sz="2600" spc="-1" strike="noStrike">
-                <a:latin typeface="Calibri"/>
-              </a:rPr>
-              <a:t>Assim, vamos definir quando </a:t>
+                <a:solidFill>
+                  <a:srgbClr val="000000"/>
+                </a:solidFill>
+                <a:latin typeface="Calibri"/>
+                <a:ea typeface="DejaVu Sans"/>
+              </a:rPr>
+              <a:t>A </a:t>
+            </a:r>
+            <a:r>
+              <a:rPr b="1" lang="pt-BR" sz="2600" spc="-1" strike="noStrike">
+                <a:solidFill>
+                  <a:srgbClr val="000000"/>
+                </a:solidFill>
+                <a:latin typeface="Calibri"/>
+                <a:ea typeface="DejaVu Sans"/>
+              </a:rPr>
+              <a:t>Teoria Espectral</a:t>
             </a:r>
             <a:r>
               <a:rPr b="0" lang="pt-BR" sz="2600" spc="-1" strike="noStrike">
-                <a:latin typeface="Calibri"/>
-              </a:rPr>
-              <a:t>vértices são fortemente cospectrais: </a:t>
+                <a:solidFill>
+                  <a:srgbClr val="000000"/>
+                </a:solidFill>
+                <a:latin typeface="Calibri"/>
+                <a:ea typeface="DejaVu Sans"/>
+              </a:rPr>
+              <a:t> encontra-se justamente na </a:t>
+            </a:r>
+            <a:r>
+              <a:rPr b="1" lang="pt-BR" sz="2600" spc="-1" strike="noStrike">
+                <a:solidFill>
+                  <a:srgbClr val="000000"/>
+                </a:solidFill>
+                <a:latin typeface="Calibri"/>
+                <a:ea typeface="DejaVu Sans"/>
+              </a:rPr>
+              <a:t>interseção</a:t>
             </a:r>
             <a:r>
               <a:rPr b="0" lang="pt-BR" sz="2600" spc="-1" strike="noStrike">
-                <a:latin typeface="Calibri"/>
-              </a:rPr>
-              <a:t>dois vértices a e b são </a:t>
-            </a:r>
-            <a:r>
-              <a:rPr b="1" lang="pt-BR" sz="2600" spc="-1" strike="noStrike">
-                <a:latin typeface="Calibri"/>
-              </a:rPr>
-              <a:t>cospectrais</a:t>
-            </a:r>
-            <a:r>
-              <a:rPr b="0" lang="pt-BR" sz="2600" spc="-1" strike="noStrike">
-                <a:latin typeface="Calibri"/>
-              </a:rPr>
-              <a:t> se, </a:t>
-            </a:r>
-            <a:r>
-              <a:rPr b="0" lang="pt-BR" sz="2600" spc="-1" strike="noStrike">
-                <a:latin typeface="Calibri"/>
-              </a:rPr>
-              <a:t>para cada idempotente, a entrada (a, </a:t>
-            </a:r>
-            <a:r>
-              <a:rPr b="0" lang="pt-BR" sz="2600" spc="-1" strike="noStrike">
-                <a:latin typeface="Calibri"/>
-              </a:rPr>
-              <a:t>a) é igual à entrada (b, b); a e b são </a:t>
-            </a:r>
-            <a:r>
-              <a:rPr b="1" lang="pt-BR" sz="2600" spc="-1" strike="noStrike">
-                <a:latin typeface="Calibri"/>
-              </a:rPr>
-              <a:t>paralelos</a:t>
-            </a:r>
-            <a:r>
-              <a:rPr b="0" lang="pt-BR" sz="2600" spc="-1" strike="noStrike">
-                <a:latin typeface="Calibri"/>
-              </a:rPr>
-              <a:t> se, para cada idempotente, </a:t>
-            </a:r>
-            <a:r>
-              <a:rPr b="0" lang="pt-BR" sz="2600" spc="-1" strike="noStrike">
-                <a:latin typeface="Calibri"/>
-              </a:rPr>
-              <a:t>a coluna a for paralela à coluna b e, </a:t>
-            </a:r>
-            <a:r>
-              <a:rPr b="0" lang="pt-BR" sz="2600" spc="-1" strike="noStrike">
-                <a:latin typeface="Calibri"/>
-              </a:rPr>
-              <a:t>por fim, a e b são </a:t>
-            </a:r>
-            <a:r>
-              <a:rPr b="1" lang="pt-BR" sz="2600" spc="-1" strike="noStrike">
-                <a:latin typeface="Calibri"/>
-              </a:rPr>
-              <a:t>fortemente </a:t>
-            </a:r>
-            <a:r>
-              <a:rPr b="1" lang="pt-BR" sz="2600" spc="-1" strike="noStrike">
-                <a:latin typeface="Calibri"/>
-              </a:rPr>
-              <a:t>cospectrais</a:t>
-            </a:r>
-            <a:r>
-              <a:rPr b="0" lang="pt-BR" sz="2600" spc="-1" strike="noStrike">
-                <a:latin typeface="Calibri"/>
-              </a:rPr>
-              <a:t> se forem, ao mesmo </a:t>
-            </a:r>
-            <a:r>
-              <a:rPr b="0" lang="pt-BR" sz="2600" spc="-1" strike="noStrike">
-                <a:latin typeface="Calibri"/>
-              </a:rPr>
-              <a:t>tempo, cospectrais e paralelos.</a:t>
+                <a:solidFill>
+                  <a:srgbClr val="000000"/>
+                </a:solidFill>
+                <a:latin typeface="Calibri"/>
+                <a:ea typeface="DejaVu Sans"/>
+              </a:rPr>
+              <a:t> das duas áreas de pesquisa.</a:t>
             </a:r>
             <a:endParaRPr b="0" lang="pt-BR" sz="2600" spc="-1" strike="noStrike">
-              <a:latin typeface="Times New Roman"/>
-            </a:endParaRPr>
-          </a:p>
-        </p:txBody>
-      </p:sp>
+              <a:latin typeface="Arial"/>
+            </a:endParaRPr>
+          </a:p>
+          <a:p>
+            <a:pPr algn="just">
+              <a:lnSpc>
+                <a:spcPct val="100000"/>
+              </a:lnSpc>
+            </a:pPr>
+            <a:endParaRPr b="0" lang="pt-BR" sz="2600" spc="-1" strike="noStrike">
+              <a:latin typeface="Arial"/>
+            </a:endParaRPr>
+          </a:p>
+          <a:p>
+            <a:pPr algn="just">
+              <a:lnSpc>
+                <a:spcPct val="100000"/>
+              </a:lnSpc>
+            </a:pPr>
+            <a:endParaRPr b="0" lang="pt-BR" sz="2600" spc="-1" strike="noStrike">
+              <a:latin typeface="Arial"/>
+            </a:endParaRPr>
+          </a:p>
+        </p:txBody>
+      </p:sp>
+      <p:pic>
+        <p:nvPicPr>
+          <p:cNvPr id="69" name="" descr=""/>
+          <p:cNvPicPr/>
+          <p:nvPr/>
+        </p:nvPicPr>
+        <p:blipFill>
+          <a:blip r:embed="rId10"/>
+          <a:stretch/>
+        </p:blipFill>
+        <p:spPr>
+          <a:xfrm>
+            <a:off x="2016000" y="12168000"/>
+            <a:ext cx="7669080" cy="1216440"/>
+          </a:xfrm>
+          <a:prstGeom prst="rect">
+            <a:avLst/>
+          </a:prstGeom>
+          <a:ln>
+            <a:noFill/>
+          </a:ln>
+        </p:spPr>
+      </p:pic>
+      <p:sp>
+        <p:nvSpPr>
+          <p:cNvPr id="70" name="CustomShape 22"/>
+          <p:cNvSpPr/>
+          <p:nvPr/>
+        </p:nvSpPr>
+        <p:spPr>
+          <a:xfrm>
+            <a:off x="1872000" y="13536000"/>
+            <a:ext cx="8063640" cy="503640"/>
+          </a:xfrm>
+          <a:prstGeom prst="rect">
+            <a:avLst/>
+          </a:prstGeom>
+          <a:noFill/>
+          <a:ln>
+            <a:noFill/>
+          </a:ln>
+        </p:spPr>
+        <p:style>
+          <a:lnRef idx="0"/>
+          <a:fillRef idx="0"/>
+          <a:effectRef idx="0"/>
+          <a:fontRef idx="minor"/>
+        </p:style>
+        <p:txBody>
+          <a:bodyPr lIns="90000" rIns="90000" tIns="45000" bIns="45000">
+            <a:noAutofit/>
+          </a:bodyPr>
+          <a:p>
+            <a:pPr algn="just">
+              <a:lnSpc>
+                <a:spcPct val="100000"/>
+              </a:lnSpc>
+            </a:pPr>
+            <a:r>
+              <a:rPr b="0" lang="pt-BR" sz="2000" spc="-1" strike="noStrike">
+                <a:solidFill>
+                  <a:srgbClr val="000000"/>
+                </a:solidFill>
+                <a:latin typeface="Arial"/>
+                <a:ea typeface="Noto Sans CJK SC"/>
+              </a:rPr>
+              <a:t>Figura 3:  Decomposição espectral da matriz de adjacência do grafo.</a:t>
+            </a:r>
+            <a:endParaRPr b="0" lang="pt-BR" sz="2000" spc="-1" strike="noStrike">
+              <a:latin typeface="Arial"/>
+            </a:endParaRPr>
+          </a:p>
+        </p:txBody>
+      </p:sp>
+      <p:sp>
+        <p:nvSpPr>
+          <p:cNvPr id="71" name="CustomShape 23"/>
+          <p:cNvSpPr/>
+          <p:nvPr/>
+        </p:nvSpPr>
+        <p:spPr>
+          <a:xfrm>
+            <a:off x="4896000" y="22392000"/>
+            <a:ext cx="5399640" cy="503640"/>
+          </a:xfrm>
+          <a:prstGeom prst="rect">
+            <a:avLst/>
+          </a:prstGeom>
+          <a:noFill/>
+          <a:ln>
+            <a:noFill/>
+          </a:ln>
+        </p:spPr>
+        <p:style>
+          <a:lnRef idx="0"/>
+          <a:fillRef idx="0"/>
+          <a:effectRef idx="0"/>
+          <a:fontRef idx="minor"/>
+        </p:style>
+        <p:txBody>
+          <a:bodyPr lIns="90000" rIns="90000" tIns="45000" bIns="45000">
+            <a:noAutofit/>
+          </a:bodyPr>
+          <a:p>
+            <a:pPr algn="just">
+              <a:lnSpc>
+                <a:spcPct val="100000"/>
+              </a:lnSpc>
+            </a:pPr>
+            <a:r>
+              <a:rPr b="0" lang="pt-BR" sz="2000" spc="-1" strike="noStrike">
+                <a:solidFill>
+                  <a:srgbClr val="000000"/>
+                </a:solidFill>
+                <a:latin typeface="Arial"/>
+                <a:ea typeface="Noto Sans CJK SC"/>
+              </a:rPr>
+              <a:t>Figura 5:  Circuito quântico para realizar CNOT.</a:t>
+            </a:r>
+            <a:endParaRPr b="0" lang="pt-BR" sz="2000" spc="-1" strike="noStrike">
+              <a:latin typeface="Arial"/>
+            </a:endParaRPr>
+          </a:p>
+        </p:txBody>
+      </p:sp>
+      <p:pic>
+        <p:nvPicPr>
+          <p:cNvPr id="72" name="" descr=""/>
+          <p:cNvPicPr/>
+          <p:nvPr/>
+        </p:nvPicPr>
+        <p:blipFill>
+          <a:blip r:embed="rId11"/>
+          <a:stretch/>
+        </p:blipFill>
+        <p:spPr>
+          <a:xfrm>
+            <a:off x="4778640" y="19472040"/>
+            <a:ext cx="5481000" cy="2487600"/>
+          </a:xfrm>
+          <a:prstGeom prst="rect">
+            <a:avLst/>
+          </a:prstGeom>
+          <a:ln>
+            <a:noFill/>
+          </a:ln>
+        </p:spPr>
+      </p:pic>
       <p:pic>
         <p:nvPicPr>
           <p:cNvPr id="73" name="" descr=""/>
@@ -4264,13 +3695,14 @@
           <p:nvPr/>
         </p:nvPicPr>
         <p:blipFill>
-          <a:blip r:embed="rId9"/>
+          <a:blip r:embed="rId12"/>
+          <a:srcRect l="29122" t="0" r="24409" b="0"/>
           <a:stretch/>
         </p:blipFill>
         <p:spPr>
           <a:xfrm>
-            <a:off x="11856600" y="11592000"/>
-            <a:ext cx="8951400" cy="1510200"/>
+            <a:off x="1944000" y="19368000"/>
+            <a:ext cx="2056680" cy="2951640"/>
           </a:xfrm>
           <a:prstGeom prst="rect">
             <a:avLst/>
@@ -4282,87 +3714,14 @@
       </p:pic>
       <p:sp>
         <p:nvSpPr>
-          <p:cNvPr id="74" name="TextShape 25"/>
-          <p:cNvSpPr txBox="1"/>
-          <p:nvPr/>
-        </p:nvSpPr>
-        <p:spPr>
-          <a:xfrm>
-            <a:off x="13536000" y="13392000"/>
-            <a:ext cx="5850360" cy="657000"/>
-          </a:xfrm>
-          <a:prstGeom prst="rect">
-            <a:avLst/>
-          </a:prstGeom>
-          <a:noFill/>
-          <a:ln>
-            <a:noFill/>
-          </a:ln>
-        </p:spPr>
-        <p:txBody>
-          <a:bodyPr lIns="90000" rIns="90000" tIns="45000" bIns="45000">
-            <a:noAutofit/>
-          </a:bodyPr>
-          <a:p>
-            <a:pPr algn="just"/>
-            <a:r>
-              <a:rPr b="0" lang="pt-BR" sz="2000" spc="-1" strike="noStrike">
-                <a:latin typeface="Arial"/>
-                <a:ea typeface="Noto Sans CJK SC"/>
-              </a:rPr>
-              <a:t>Figura 4:  Vértices </a:t>
-            </a:r>
-            <a:r>
-              <a:rPr b="1" lang="pt-BR" sz="2000" spc="-1" strike="noStrike">
-                <a:latin typeface="Arial"/>
-                <a:ea typeface="Noto Sans CJK SC"/>
-              </a:rPr>
-              <a:t>a</a:t>
-            </a:r>
-            <a:r>
-              <a:rPr b="0" lang="pt-BR" sz="2000" spc="-1" strike="noStrike">
-                <a:latin typeface="Arial"/>
-                <a:ea typeface="Noto Sans CJK SC"/>
-              </a:rPr>
-              <a:t> e </a:t>
-            </a:r>
-            <a:r>
-              <a:rPr b="1" lang="pt-BR" sz="2000" spc="-1" strike="noStrike">
-                <a:latin typeface="Arial"/>
-                <a:ea typeface="Noto Sans CJK SC"/>
-              </a:rPr>
-              <a:t>c</a:t>
-            </a:r>
-            <a:r>
-              <a:rPr b="0" lang="pt-BR" sz="2000" spc="-1" strike="noStrike">
-                <a:latin typeface="Arial"/>
-                <a:ea typeface="Noto Sans CJK SC"/>
-              </a:rPr>
-              <a:t> são fortemente </a:t>
-            </a:r>
-            <a:r>
-              <a:rPr b="0" lang="pt-BR" sz="2000" spc="-1" strike="noStrike">
-                <a:latin typeface="Arial"/>
-                <a:ea typeface="Noto Sans CJK SC"/>
-              </a:rPr>
-              <a:t>cospectrais.</a:t>
-            </a:r>
-            <a:endParaRPr b="0" lang="pt-BR" sz="2000" spc="-1" strike="noStrike">
-              <a:latin typeface="Times New Roman"/>
-            </a:endParaRPr>
-          </a:p>
-        </p:txBody>
-      </p:sp>
-      <p:sp>
-        <p:nvSpPr>
-          <p:cNvPr id="75" name="CustomShape 26"/>
+          <p:cNvPr id="74" name="CustomShape 24"/>
           <p:cNvSpPr/>
           <p:nvPr/>
         </p:nvSpPr>
         <p:spPr>
           <a:xfrm>
-            <a:off x="11664000" y="15624000"/>
-            <a:ext cx="9144000" cy="2448000"/>
+            <a:off x="1764000" y="22392000"/>
+            <a:ext cx="2735640" cy="503640"/>
           </a:xfrm>
           <a:prstGeom prst="rect">
             <a:avLst/>
@@ -4389,69 +3748,31 @@
               </a:lnSpc>
             </a:pPr>
             <a:r>
-              <a:rPr b="0" lang="pt-BR" sz="2600" spc="-1" strike="noStrike">
-                <a:latin typeface="Calibri"/>
-              </a:rPr>
-              <a:t>	</a:t>
-            </a:r>
-            <a:r>
-              <a:rPr b="0" lang="pt-BR" sz="2600" spc="-1" strike="noStrike">
-                <a:latin typeface="Calibri"/>
-              </a:rPr>
-              <a:t>Nós demonstramos que não existe árvore com mais de dois </a:t>
-            </a:r>
-            <a:r>
-              <a:rPr b="0" lang="pt-BR" sz="2600" spc="-1" strike="noStrike">
-                <a:latin typeface="Calibri"/>
-              </a:rPr>
-              <a:t>vértices fortemente cospectrais. Esse resultado é o primeiro a </a:t>
-            </a:r>
-            <a:r>
-              <a:rPr b="0" lang="pt-BR" sz="2600" spc="-1" strike="noStrike">
-                <a:latin typeface="Calibri"/>
-              </a:rPr>
-              <a:t>explicitar uma disparidade: apesar de haverem grafos com </a:t>
-            </a:r>
-            <a:r>
-              <a:rPr b="0" lang="pt-BR" sz="2600" spc="-1" strike="noStrike">
-                <a:latin typeface="Calibri"/>
-              </a:rPr>
-              <a:t>conjuntos arbitrários de vértices par a par fortemente </a:t>
-            </a:r>
-            <a:r>
-              <a:rPr b="0" lang="pt-BR" sz="2600" spc="-1" strike="noStrike">
-                <a:latin typeface="Calibri"/>
-              </a:rPr>
-              <a:t>cospectrais, tais conjuntos não podem existir em árvores. </a:t>
-            </a:r>
-            <a:r>
-              <a:rPr b="0" lang="pt-BR" sz="2600" spc="-1" strike="noStrike">
-                <a:latin typeface="Calibri"/>
-              </a:rPr>
-              <a:t>Sendo assim, reforçamos o fato de que o espectro de árvores </a:t>
-            </a:r>
-            <a:r>
-              <a:rPr b="0" lang="pt-BR" sz="2600" spc="-1" strike="noStrike">
-                <a:latin typeface="Calibri"/>
-              </a:rPr>
-              <a:t>parece se comportar de modo diferente de outros grafos. </a:t>
-            </a:r>
-            <a:endParaRPr b="0" lang="pt-BR" sz="2600" spc="-1" strike="noStrike">
-              <a:latin typeface="Times New Roman"/>
-            </a:endParaRPr>
-          </a:p>
-        </p:txBody>
-      </p:sp>
-      <p:sp>
-        <p:nvSpPr>
-          <p:cNvPr id="76" name="CustomShape 27"/>
+              <a:rPr b="0" lang="pt-BR" sz="2000" spc="-1" strike="noStrike">
+                <a:solidFill>
+                  <a:srgbClr val="000000"/>
+                </a:solidFill>
+                <a:latin typeface="Arial"/>
+                <a:ea typeface="Noto Sans CJK SC"/>
+              </a:rPr>
+              <a:t>Figura 4:  Computador Quântico da IBM.</a:t>
+            </a:r>
+            <a:endParaRPr b="0" lang="pt-BR" sz="2000" spc="-1" strike="noStrike">
+              <a:latin typeface="Arial"/>
+            </a:endParaRPr>
+          </a:p>
+        </p:txBody>
+      </p:sp>
+      <p:sp>
+        <p:nvSpPr>
+          <p:cNvPr id="75" name="CustomShape 25"/>
           <p:cNvSpPr/>
           <p:nvPr/>
         </p:nvSpPr>
         <p:spPr>
           <a:xfrm>
-            <a:off x="11448000" y="20160000"/>
-            <a:ext cx="9360000" cy="2160000"/>
+            <a:off x="1598760" y="23342760"/>
+            <a:ext cx="8463600" cy="1043640"/>
           </a:xfrm>
           <a:prstGeom prst="rect">
             <a:avLst/>
@@ -4479,18 +3800,1163 @@
             </a:pPr>
             <a:r>
               <a:rPr b="0" lang="pt-BR" sz="2600" spc="-1" strike="noStrike">
-                <a:latin typeface="Calibri"/>
+                <a:solidFill>
+                  <a:srgbClr val="000000"/>
+                </a:solidFill>
+                <a:latin typeface="Calibri"/>
+                <a:ea typeface="DejaVu Sans"/>
               </a:rPr>
               <a:t>	</a:t>
             </a:r>
             <a:r>
               <a:rPr b="0" lang="pt-BR" sz="2600" spc="-1" strike="noStrike">
-                <a:latin typeface="Calibri"/>
-              </a:rPr>
-              <a:t>Mesmo sendo uma iniciação científica, a pesquisa foi capaz de gerar resultados relevantes para o meio acadêmico. O artigo contendo a demonstração do resultado foi submetido para o jornal Algebraic Combinatorics, que engloba trabalhos relacionando problemas combinatórios com teoria algébrica.</a:t>
+                <a:solidFill>
+                  <a:srgbClr val="000000"/>
+                </a:solidFill>
+                <a:latin typeface="Calibri"/>
+                <a:ea typeface="DejaVu Sans"/>
+              </a:rPr>
+              <a:t>Para transferir informação entre duas pontas de um circuito quântico, precisamos que os vértices sejam</a:t>
+            </a:r>
+            <a:r>
+              <a:rPr b="1" lang="pt-BR" sz="2600" spc="-1" strike="noStrike">
+                <a:solidFill>
+                  <a:srgbClr val="000000"/>
+                </a:solidFill>
+                <a:latin typeface="Calibri"/>
+                <a:ea typeface="DejaVu Sans"/>
+              </a:rPr>
+              <a:t> fortemente cospectrais</a:t>
+            </a:r>
+            <a:r>
+              <a:rPr b="0" lang="pt-BR" sz="2600" spc="-1" strike="noStrike">
+                <a:solidFill>
+                  <a:srgbClr val="000000"/>
+                </a:solidFill>
+                <a:latin typeface="Calibri"/>
+                <a:ea typeface="DejaVu Sans"/>
+              </a:rPr>
+              <a:t>.</a:t>
             </a:r>
             <a:endParaRPr b="0" lang="pt-BR" sz="2600" spc="-1" strike="noStrike">
-              <a:latin typeface="Times New Roman"/>
+              <a:latin typeface="Arial"/>
+            </a:endParaRPr>
+          </a:p>
+        </p:txBody>
+      </p:sp>
+      <p:sp>
+        <p:nvSpPr>
+          <p:cNvPr id="76" name="CustomShape 26"/>
+          <p:cNvSpPr/>
+          <p:nvPr/>
+        </p:nvSpPr>
+        <p:spPr>
+          <a:xfrm>
+            <a:off x="1440000" y="26481960"/>
+            <a:ext cx="8567640" cy="949680"/>
+          </a:xfrm>
+          <a:prstGeom prst="rect">
+            <a:avLst/>
+          </a:prstGeom>
+          <a:solidFill>
+            <a:srgbClr val="0214fd"/>
+          </a:solidFill>
+          <a:ln>
+            <a:noFill/>
+          </a:ln>
+        </p:spPr>
+        <p:style>
+          <a:lnRef idx="2">
+            <a:schemeClr val="accent1">
+              <a:shade val="50000"/>
+            </a:schemeClr>
+          </a:lnRef>
+          <a:fillRef idx="1">
+            <a:schemeClr val="accent1"/>
+          </a:fillRef>
+          <a:effectRef idx="0">
+            <a:schemeClr val="accent1"/>
+          </a:effectRef>
+          <a:fontRef idx="minor"/>
+        </p:style>
+        <p:txBody>
+          <a:bodyPr lIns="90000" rIns="90000" tIns="45000" bIns="45000" anchor="ctr">
+            <a:noAutofit/>
+          </a:bodyPr>
+          <a:p>
+            <a:pPr>
+              <a:lnSpc>
+                <a:spcPct val="100000"/>
+              </a:lnSpc>
+            </a:pPr>
+            <a:r>
+              <a:rPr b="1" lang="pt-BR" sz="3600" spc="-1" strike="noStrike">
+                <a:solidFill>
+                  <a:srgbClr val="ffffff"/>
+                </a:solidFill>
+                <a:latin typeface="Calibri"/>
+                <a:ea typeface="DejaVu Sans"/>
+              </a:rPr>
+              <a:t> </a:t>
+            </a:r>
+            <a:r>
+              <a:rPr b="1" lang="pt-BR" sz="3600" spc="-1" strike="noStrike">
+                <a:solidFill>
+                  <a:srgbClr val="ffffff"/>
+                </a:solidFill>
+                <a:latin typeface="Calibri"/>
+                <a:ea typeface="DejaVu Sans"/>
+              </a:rPr>
+              <a:t>Metodologia</a:t>
+            </a:r>
+            <a:endParaRPr b="0" lang="pt-BR" sz="3600" spc="-1" strike="noStrike">
+              <a:latin typeface="Arial"/>
+            </a:endParaRPr>
+          </a:p>
+        </p:txBody>
+      </p:sp>
+      <p:pic>
+        <p:nvPicPr>
+          <p:cNvPr id="77" name="" descr=""/>
+          <p:cNvPicPr/>
+          <p:nvPr/>
+        </p:nvPicPr>
+        <p:blipFill>
+          <a:blip r:embed="rId13"/>
+          <a:stretch/>
+        </p:blipFill>
+        <p:spPr>
+          <a:xfrm>
+            <a:off x="7279560" y="27626760"/>
+            <a:ext cx="2548080" cy="2972880"/>
+          </a:xfrm>
+          <a:prstGeom prst="rect">
+            <a:avLst/>
+          </a:prstGeom>
+          <a:ln>
+            <a:noFill/>
+          </a:ln>
+        </p:spPr>
+      </p:pic>
+      <p:sp>
+        <p:nvSpPr>
+          <p:cNvPr id="78" name="CustomShape 27"/>
+          <p:cNvSpPr/>
+          <p:nvPr/>
+        </p:nvSpPr>
+        <p:spPr>
+          <a:xfrm>
+            <a:off x="1620000" y="27972000"/>
+            <a:ext cx="5399640" cy="1043640"/>
+          </a:xfrm>
+          <a:prstGeom prst="rect">
+            <a:avLst/>
+          </a:prstGeom>
+          <a:noFill/>
+          <a:ln>
+            <a:noFill/>
+          </a:ln>
+        </p:spPr>
+        <p:style>
+          <a:lnRef idx="0"/>
+          <a:fillRef idx="0"/>
+          <a:effectRef idx="0"/>
+          <a:fontRef idx="minor"/>
+        </p:style>
+        <p:txBody>
+          <a:bodyPr lIns="90000" rIns="90000" tIns="45000" bIns="45000">
+            <a:noAutofit/>
+          </a:bodyPr>
+          <a:p>
+            <a:pPr algn="just">
+              <a:lnSpc>
+                <a:spcPct val="100000"/>
+              </a:lnSpc>
+            </a:pPr>
+            <a:r>
+              <a:rPr b="0" lang="pt-BR" sz="2600" spc="-1" strike="noStrike">
+                <a:solidFill>
+                  <a:srgbClr val="000000"/>
+                </a:solidFill>
+                <a:latin typeface="Calibri"/>
+                <a:ea typeface="DejaVu Sans"/>
+              </a:rPr>
+              <a:t>	</a:t>
+            </a:r>
+            <a:r>
+              <a:rPr b="0" lang="pt-BR" sz="2600" spc="-1" strike="noStrike">
+                <a:solidFill>
+                  <a:srgbClr val="000000"/>
+                </a:solidFill>
+                <a:latin typeface="Calibri"/>
+                <a:ea typeface="DejaVu Sans"/>
+              </a:rPr>
+              <a:t>Em teoria dos grafos, uma </a:t>
+            </a:r>
+            <a:r>
+              <a:rPr b="1" lang="pt-BR" sz="2600" spc="-1" strike="noStrike">
+                <a:solidFill>
+                  <a:srgbClr val="000000"/>
+                </a:solidFill>
+                <a:latin typeface="Calibri"/>
+                <a:ea typeface="DejaVu Sans"/>
+              </a:rPr>
+              <a:t>árvore</a:t>
+            </a:r>
+            <a:r>
+              <a:rPr b="0" lang="pt-BR" sz="2600" spc="-1" strike="noStrike">
+                <a:solidFill>
+                  <a:srgbClr val="000000"/>
+                </a:solidFill>
+                <a:latin typeface="Calibri"/>
+                <a:ea typeface="DejaVu Sans"/>
+              </a:rPr>
+              <a:t> é um grafo sem ciclos.</a:t>
+            </a:r>
+            <a:endParaRPr b="0" lang="pt-BR" sz="2600" spc="-1" strike="noStrike">
+              <a:latin typeface="Arial"/>
+            </a:endParaRPr>
+          </a:p>
+        </p:txBody>
+      </p:sp>
+      <p:sp>
+        <p:nvSpPr>
+          <p:cNvPr id="79" name="CustomShape 28"/>
+          <p:cNvSpPr/>
+          <p:nvPr/>
+        </p:nvSpPr>
+        <p:spPr>
+          <a:xfrm>
+            <a:off x="1584000" y="29052000"/>
+            <a:ext cx="5399640" cy="1043640"/>
+          </a:xfrm>
+          <a:prstGeom prst="rect">
+            <a:avLst/>
+          </a:prstGeom>
+          <a:noFill/>
+          <a:ln>
+            <a:noFill/>
+          </a:ln>
+        </p:spPr>
+        <p:style>
+          <a:lnRef idx="0"/>
+          <a:fillRef idx="0"/>
+          <a:effectRef idx="0"/>
+          <a:fontRef idx="minor"/>
+        </p:style>
+        <p:txBody>
+          <a:bodyPr lIns="90000" rIns="90000" tIns="45000" bIns="45000">
+            <a:noAutofit/>
+          </a:bodyPr>
+          <a:p>
+            <a:pPr algn="just">
+              <a:lnSpc>
+                <a:spcPct val="100000"/>
+              </a:lnSpc>
+            </a:pPr>
+            <a:r>
+              <a:rPr b="0" lang="pt-BR" sz="2600" spc="-1" strike="noStrike">
+                <a:solidFill>
+                  <a:srgbClr val="000000"/>
+                </a:solidFill>
+                <a:latin typeface="Calibri"/>
+                <a:ea typeface="DejaVu Sans"/>
+              </a:rPr>
+              <a:t>	</a:t>
+            </a:r>
+            <a:r>
+              <a:rPr b="0" lang="pt-BR" sz="2600" spc="-1" strike="noStrike">
+                <a:solidFill>
+                  <a:srgbClr val="000000"/>
+                </a:solidFill>
+                <a:latin typeface="Calibri"/>
+                <a:ea typeface="DejaVu Sans"/>
+              </a:rPr>
+              <a:t>Árvores são os grafos conexos com menor quantidade de arestas.</a:t>
+            </a:r>
+            <a:endParaRPr b="0" lang="pt-BR" sz="2600" spc="-1" strike="noStrike">
+              <a:latin typeface="Arial"/>
+            </a:endParaRPr>
+          </a:p>
+        </p:txBody>
+      </p:sp>
+      <p:sp>
+        <p:nvSpPr>
+          <p:cNvPr id="80" name="CustomShape 29"/>
+          <p:cNvSpPr/>
+          <p:nvPr/>
+        </p:nvSpPr>
+        <p:spPr>
+          <a:xfrm>
+            <a:off x="7164000" y="30744000"/>
+            <a:ext cx="2735640" cy="503640"/>
+          </a:xfrm>
+          <a:prstGeom prst="rect">
+            <a:avLst/>
+          </a:prstGeom>
+          <a:noFill/>
+          <a:ln>
+            <a:noFill/>
+          </a:ln>
+        </p:spPr>
+        <p:style>
+          <a:lnRef idx="0"/>
+          <a:fillRef idx="0"/>
+          <a:effectRef idx="0"/>
+          <a:fontRef idx="minor"/>
+        </p:style>
+        <p:txBody>
+          <a:bodyPr lIns="90000" rIns="90000" tIns="45000" bIns="45000">
+            <a:noAutofit/>
+          </a:bodyPr>
+          <a:p>
+            <a:pPr algn="just">
+              <a:lnSpc>
+                <a:spcPct val="100000"/>
+              </a:lnSpc>
+            </a:pPr>
+            <a:r>
+              <a:rPr b="0" lang="pt-BR" sz="2000" spc="-1" strike="noStrike">
+                <a:solidFill>
+                  <a:srgbClr val="000000"/>
+                </a:solidFill>
+                <a:latin typeface="Arial"/>
+                <a:ea typeface="Noto Sans CJK SC"/>
+              </a:rPr>
+              <a:t>Figura 7:  Exemplo de Árvore.</a:t>
+            </a:r>
+            <a:endParaRPr b="0" lang="pt-BR" sz="2000" spc="-1" strike="noStrike">
+              <a:latin typeface="Arial"/>
+            </a:endParaRPr>
+          </a:p>
+        </p:txBody>
+      </p:sp>
+      <p:sp>
+        <p:nvSpPr>
+          <p:cNvPr id="81" name="CustomShape 30"/>
+          <p:cNvSpPr/>
+          <p:nvPr/>
+        </p:nvSpPr>
+        <p:spPr>
+          <a:xfrm>
+            <a:off x="11592000" y="5760000"/>
+            <a:ext cx="9071640" cy="1043640"/>
+          </a:xfrm>
+          <a:prstGeom prst="rect">
+            <a:avLst/>
+          </a:prstGeom>
+          <a:noFill/>
+          <a:ln>
+            <a:noFill/>
+          </a:ln>
+        </p:spPr>
+        <p:style>
+          <a:lnRef idx="0"/>
+          <a:fillRef idx="0"/>
+          <a:effectRef idx="0"/>
+          <a:fontRef idx="minor"/>
+        </p:style>
+        <p:txBody>
+          <a:bodyPr lIns="90000" rIns="90000" tIns="45000" bIns="45000">
+            <a:noAutofit/>
+          </a:bodyPr>
+          <a:p>
+            <a:pPr algn="just">
+              <a:lnSpc>
+                <a:spcPct val="100000"/>
+              </a:lnSpc>
+            </a:pPr>
+            <a:r>
+              <a:rPr b="0" lang="pt-BR" sz="2600" spc="-1" strike="noStrike">
+                <a:solidFill>
+                  <a:srgbClr val="000000"/>
+                </a:solidFill>
+                <a:latin typeface="Calibri"/>
+                <a:ea typeface="DejaVu Sans"/>
+              </a:rPr>
+              <a:t>	</a:t>
+            </a:r>
+            <a:r>
+              <a:rPr b="0" lang="pt-BR" sz="2600" spc="-1" strike="noStrike">
+                <a:solidFill>
+                  <a:srgbClr val="000000"/>
+                </a:solidFill>
+                <a:latin typeface="Calibri"/>
+                <a:ea typeface="DejaVu Sans"/>
+              </a:rPr>
+              <a:t>Para dois vértices </a:t>
+            </a:r>
+            <a:r>
+              <a:rPr b="1" lang="pt-BR" sz="2600" spc="-1" strike="noStrike">
+                <a:solidFill>
+                  <a:srgbClr val="000000"/>
+                </a:solidFill>
+                <a:latin typeface="Calibri"/>
+                <a:ea typeface="DejaVu Sans"/>
+              </a:rPr>
+              <a:t>a</a:t>
+            </a:r>
+            <a:r>
+              <a:rPr b="0" lang="pt-BR" sz="2600" spc="-1" strike="noStrike">
+                <a:solidFill>
+                  <a:srgbClr val="000000"/>
+                </a:solidFill>
+                <a:latin typeface="Calibri"/>
+                <a:ea typeface="DejaVu Sans"/>
+              </a:rPr>
+              <a:t> e </a:t>
+            </a:r>
+            <a:r>
+              <a:rPr b="1" lang="pt-BR" sz="2600" spc="-1" strike="noStrike">
+                <a:solidFill>
+                  <a:srgbClr val="000000"/>
+                </a:solidFill>
+                <a:latin typeface="Calibri"/>
+                <a:ea typeface="DejaVu Sans"/>
+              </a:rPr>
+              <a:t>c</a:t>
+            </a:r>
+            <a:r>
+              <a:rPr b="0" lang="pt-BR" sz="2600" spc="-1" strike="noStrike">
+                <a:solidFill>
+                  <a:srgbClr val="000000"/>
+                </a:solidFill>
+                <a:latin typeface="Calibri"/>
+                <a:ea typeface="DejaVu Sans"/>
+              </a:rPr>
+              <a:t> serem fortemente cospectrais, precisamos que, em cada idempotente, as entradas </a:t>
+            </a:r>
+            <a:r>
+              <a:rPr b="1" lang="pt-BR" sz="2600" spc="-1" strike="noStrike">
+                <a:solidFill>
+                  <a:srgbClr val="000000"/>
+                </a:solidFill>
+                <a:latin typeface="Calibri"/>
+                <a:ea typeface="DejaVu Sans"/>
+              </a:rPr>
+              <a:t>(a, a)</a:t>
+            </a:r>
+            <a:r>
+              <a:rPr b="0" lang="pt-BR" sz="2600" spc="-1" strike="noStrike">
+                <a:solidFill>
+                  <a:srgbClr val="000000"/>
+                </a:solidFill>
+                <a:latin typeface="Calibri"/>
+                <a:ea typeface="DejaVu Sans"/>
+              </a:rPr>
+              <a:t> sejam iguais às entradas </a:t>
+            </a:r>
+            <a:r>
+              <a:rPr b="1" lang="pt-BR" sz="2600" spc="-1" strike="noStrike">
+                <a:solidFill>
+                  <a:srgbClr val="000000"/>
+                </a:solidFill>
+                <a:latin typeface="Calibri"/>
+                <a:ea typeface="DejaVu Sans"/>
+              </a:rPr>
+              <a:t>(c, c)</a:t>
+            </a:r>
+            <a:r>
+              <a:rPr b="0" lang="pt-BR" sz="2600" spc="-1" strike="noStrike">
+                <a:solidFill>
+                  <a:srgbClr val="000000"/>
+                </a:solidFill>
+                <a:latin typeface="Calibri"/>
+                <a:ea typeface="DejaVu Sans"/>
+              </a:rPr>
+              <a:t> e que as colunas </a:t>
+            </a:r>
+            <a:r>
+              <a:rPr b="1" lang="pt-BR" sz="2600" spc="-1" strike="noStrike">
+                <a:solidFill>
+                  <a:srgbClr val="000000"/>
+                </a:solidFill>
+                <a:latin typeface="Calibri"/>
+                <a:ea typeface="DejaVu Sans"/>
+              </a:rPr>
+              <a:t>a</a:t>
+            </a:r>
+            <a:r>
+              <a:rPr b="0" lang="pt-BR" sz="2600" spc="-1" strike="noStrike">
+                <a:solidFill>
+                  <a:srgbClr val="000000"/>
+                </a:solidFill>
+                <a:latin typeface="Calibri"/>
+                <a:ea typeface="DejaVu Sans"/>
+              </a:rPr>
+              <a:t> sejam paralelas às colunas </a:t>
+            </a:r>
+            <a:r>
+              <a:rPr b="1" lang="pt-BR" sz="2600" spc="-1" strike="noStrike">
+                <a:solidFill>
+                  <a:srgbClr val="000000"/>
+                </a:solidFill>
+                <a:latin typeface="Calibri"/>
+                <a:ea typeface="DejaVu Sans"/>
+              </a:rPr>
+              <a:t>c</a:t>
+            </a:r>
+            <a:r>
+              <a:rPr b="0" lang="pt-BR" sz="2600" spc="-1" strike="noStrike">
+                <a:solidFill>
+                  <a:srgbClr val="000000"/>
+                </a:solidFill>
+                <a:latin typeface="Calibri"/>
+                <a:ea typeface="DejaVu Sans"/>
+              </a:rPr>
+              <a:t>.</a:t>
+            </a:r>
+            <a:endParaRPr b="0" lang="pt-BR" sz="2600" spc="-1" strike="noStrike">
+              <a:latin typeface="Arial"/>
+            </a:endParaRPr>
+          </a:p>
+        </p:txBody>
+      </p:sp>
+      <p:sp>
+        <p:nvSpPr>
+          <p:cNvPr id="82" name="CustomShape 31"/>
+          <p:cNvSpPr/>
+          <p:nvPr/>
+        </p:nvSpPr>
+        <p:spPr>
+          <a:xfrm>
+            <a:off x="1620000" y="18432000"/>
+            <a:ext cx="8463600" cy="1043640"/>
+          </a:xfrm>
+          <a:prstGeom prst="rect">
+            <a:avLst/>
+          </a:prstGeom>
+          <a:noFill/>
+          <a:ln>
+            <a:noFill/>
+          </a:ln>
+        </p:spPr>
+        <p:style>
+          <a:lnRef idx="0"/>
+          <a:fillRef idx="0"/>
+          <a:effectRef idx="0"/>
+          <a:fontRef idx="minor"/>
+        </p:style>
+        <p:txBody>
+          <a:bodyPr lIns="90000" rIns="90000" tIns="45000" bIns="45000">
+            <a:noAutofit/>
+          </a:bodyPr>
+          <a:p>
+            <a:pPr algn="just">
+              <a:lnSpc>
+                <a:spcPct val="100000"/>
+              </a:lnSpc>
+            </a:pPr>
+            <a:r>
+              <a:rPr b="0" lang="pt-BR" sz="2600" spc="-1" strike="noStrike">
+                <a:solidFill>
+                  <a:srgbClr val="000000"/>
+                </a:solidFill>
+                <a:latin typeface="Calibri"/>
+                <a:ea typeface="DejaVu Sans"/>
+              </a:rPr>
+              <a:t>	</a:t>
+            </a:r>
+            <a:r>
+              <a:rPr b="0" lang="pt-BR" sz="2600" spc="-1" strike="noStrike">
+                <a:solidFill>
+                  <a:srgbClr val="000000"/>
+                </a:solidFill>
+                <a:latin typeface="Calibri"/>
+                <a:ea typeface="DejaVu Sans"/>
+              </a:rPr>
+              <a:t>Na </a:t>
+            </a:r>
+            <a:r>
+              <a:rPr b="1" lang="pt-BR" sz="2600" spc="-1" strike="noStrike">
+                <a:solidFill>
+                  <a:srgbClr val="000000"/>
+                </a:solidFill>
+                <a:latin typeface="Calibri"/>
+                <a:ea typeface="DejaVu Sans"/>
+              </a:rPr>
+              <a:t>Computação Quântica</a:t>
+            </a:r>
+            <a:r>
+              <a:rPr b="0" lang="pt-BR" sz="2600" spc="-1" strike="noStrike">
+                <a:solidFill>
+                  <a:srgbClr val="000000"/>
+                </a:solidFill>
+                <a:latin typeface="Calibri"/>
+                <a:ea typeface="DejaVu Sans"/>
+              </a:rPr>
+              <a:t> circuitos são modelados utilizando grafos.</a:t>
+            </a:r>
+            <a:endParaRPr b="0" lang="pt-BR" sz="2600" spc="-1" strike="noStrike">
+              <a:latin typeface="Arial"/>
+            </a:endParaRPr>
+          </a:p>
+        </p:txBody>
+      </p:sp>
+      <p:sp>
+        <p:nvSpPr>
+          <p:cNvPr id="83" name="CustomShape 32"/>
+          <p:cNvSpPr/>
+          <p:nvPr/>
+        </p:nvSpPr>
+        <p:spPr>
+          <a:xfrm>
+            <a:off x="1616040" y="24696000"/>
+            <a:ext cx="8463600" cy="1043640"/>
+          </a:xfrm>
+          <a:prstGeom prst="rect">
+            <a:avLst/>
+          </a:prstGeom>
+          <a:noFill/>
+          <a:ln>
+            <a:noFill/>
+          </a:ln>
+        </p:spPr>
+        <p:style>
+          <a:lnRef idx="0"/>
+          <a:fillRef idx="0"/>
+          <a:effectRef idx="0"/>
+          <a:fontRef idx="minor"/>
+        </p:style>
+        <p:txBody>
+          <a:bodyPr lIns="90000" rIns="90000" tIns="45000" bIns="45000">
+            <a:noAutofit/>
+          </a:bodyPr>
+          <a:p>
+            <a:pPr algn="just">
+              <a:lnSpc>
+                <a:spcPct val="100000"/>
+              </a:lnSpc>
+            </a:pPr>
+            <a:r>
+              <a:rPr b="0" lang="pt-BR" sz="2600" spc="-1" strike="noStrike">
+                <a:solidFill>
+                  <a:srgbClr val="000000"/>
+                </a:solidFill>
+                <a:latin typeface="Calibri"/>
+                <a:ea typeface="DejaVu Sans"/>
+              </a:rPr>
+              <a:t>	</a:t>
+            </a:r>
+            <a:r>
+              <a:rPr b="0" lang="pt-BR" sz="2600" spc="-1" strike="noStrike">
+                <a:solidFill>
+                  <a:srgbClr val="000000"/>
+                </a:solidFill>
+                <a:latin typeface="Calibri"/>
+                <a:ea typeface="DejaVu Sans"/>
+              </a:rPr>
+              <a:t>Dois grandes problemas da computação quantica são:</a:t>
+            </a:r>
+            <a:endParaRPr b="0" lang="pt-BR" sz="2600" spc="-1" strike="noStrike">
+              <a:latin typeface="Arial"/>
+            </a:endParaRPr>
+          </a:p>
+        </p:txBody>
+      </p:sp>
+      <p:sp>
+        <p:nvSpPr>
+          <p:cNvPr id="84" name="CustomShape 33"/>
+          <p:cNvSpPr/>
+          <p:nvPr/>
+        </p:nvSpPr>
+        <p:spPr>
+          <a:xfrm>
+            <a:off x="1800720" y="16295040"/>
+            <a:ext cx="8566920" cy="981000"/>
+          </a:xfrm>
+          <a:prstGeom prst="rect">
+            <a:avLst/>
+          </a:prstGeom>
+          <a:noFill/>
+          <a:ln>
+            <a:noFill/>
+          </a:ln>
+        </p:spPr>
+        <p:style>
+          <a:lnRef idx="0"/>
+          <a:fillRef idx="0"/>
+          <a:effectRef idx="0"/>
+          <a:fontRef idx="minor"/>
+        </p:style>
+        <p:txBody>
+          <a:bodyPr lIns="90000" rIns="90000" tIns="45000" bIns="45000">
+            <a:noAutofit/>
+          </a:bodyPr>
+          <a:p>
+            <a:pPr lvl="1" marL="432000" indent="-215280">
+              <a:lnSpc>
+                <a:spcPct val="100000"/>
+              </a:lnSpc>
+              <a:buClr>
+                <a:srgbClr val="000000"/>
+              </a:buClr>
+              <a:buSzPct val="45000"/>
+              <a:buFont typeface="Wingdings" charset="2"/>
+              <a:buChar char=""/>
+            </a:pPr>
+            <a:r>
+              <a:rPr b="0" lang="pt-BR" sz="2600" spc="-1" strike="noStrike">
+                <a:solidFill>
+                  <a:srgbClr val="000000"/>
+                </a:solidFill>
+                <a:latin typeface="Calibri"/>
+                <a:ea typeface="DejaVu Sans"/>
+              </a:rPr>
+              <a:t>Encontrar 3 vértices fortemente cospectrais em árvores.</a:t>
+            </a:r>
+            <a:endParaRPr b="0" lang="pt-BR" sz="2600" spc="-1" strike="noStrike">
+              <a:latin typeface="Arial"/>
+            </a:endParaRPr>
+          </a:p>
+          <a:p>
+            <a:pPr lvl="1" marL="432000" indent="-215280">
+              <a:lnSpc>
+                <a:spcPct val="100000"/>
+              </a:lnSpc>
+              <a:buClr>
+                <a:srgbClr val="000000"/>
+              </a:buClr>
+              <a:buSzPct val="45000"/>
+              <a:buFont typeface="Wingdings" charset="2"/>
+              <a:buChar char=""/>
+            </a:pPr>
+            <a:r>
+              <a:rPr b="0" lang="pt-BR" sz="2600" spc="-1" strike="noStrike">
+                <a:solidFill>
+                  <a:srgbClr val="000000"/>
+                </a:solidFill>
+                <a:latin typeface="Calibri"/>
+                <a:ea typeface="DejaVu Sans"/>
+              </a:rPr>
+              <a:t>Demonstrar formalmente que esses vértices não existem. </a:t>
+            </a:r>
+            <a:endParaRPr b="0" lang="pt-BR" sz="2600" spc="-1" strike="noStrike">
+              <a:latin typeface="Arial"/>
+            </a:endParaRPr>
+          </a:p>
+        </p:txBody>
+      </p:sp>
+      <p:pic>
+        <p:nvPicPr>
+          <p:cNvPr id="85" name="" descr=""/>
+          <p:cNvPicPr/>
+          <p:nvPr/>
+        </p:nvPicPr>
+        <p:blipFill>
+          <a:blip r:embed="rId14"/>
+          <a:stretch/>
+        </p:blipFill>
+        <p:spPr>
+          <a:xfrm>
+            <a:off x="12681360" y="13104000"/>
+            <a:ext cx="6542280" cy="3486960"/>
+          </a:xfrm>
+          <a:prstGeom prst="rect">
+            <a:avLst/>
+          </a:prstGeom>
+          <a:ln>
+            <a:noFill/>
+          </a:ln>
+        </p:spPr>
+      </p:pic>
+      <p:pic>
+        <p:nvPicPr>
+          <p:cNvPr id="86" name="" descr=""/>
+          <p:cNvPicPr/>
+          <p:nvPr/>
+        </p:nvPicPr>
+        <p:blipFill>
+          <a:blip r:embed="rId15"/>
+          <a:srcRect l="35170" t="0" r="33708" b="0"/>
+          <a:stretch/>
+        </p:blipFill>
+        <p:spPr>
+          <a:xfrm>
+            <a:off x="18781920" y="14184000"/>
+            <a:ext cx="616680" cy="1079640"/>
+          </a:xfrm>
+          <a:prstGeom prst="rect">
+            <a:avLst/>
+          </a:prstGeom>
+          <a:ln>
+            <a:noFill/>
+          </a:ln>
+        </p:spPr>
+      </p:pic>
+      <p:sp>
+        <p:nvSpPr>
+          <p:cNvPr id="87" name="CustomShape 34"/>
+          <p:cNvSpPr/>
+          <p:nvPr/>
+        </p:nvSpPr>
+        <p:spPr>
+          <a:xfrm>
+            <a:off x="11736360" y="17136000"/>
+            <a:ext cx="9143280" cy="1439640"/>
+          </a:xfrm>
+          <a:prstGeom prst="rect">
+            <a:avLst/>
+          </a:prstGeom>
+          <a:noFill/>
+          <a:ln>
+            <a:noFill/>
+          </a:ln>
+        </p:spPr>
+        <p:style>
+          <a:lnRef idx="0"/>
+          <a:fillRef idx="0"/>
+          <a:effectRef idx="0"/>
+          <a:fontRef idx="minor"/>
+        </p:style>
+        <p:txBody>
+          <a:bodyPr lIns="90000" rIns="90000" tIns="45000" bIns="45000">
+            <a:noAutofit/>
+          </a:bodyPr>
+          <a:p>
+            <a:pPr algn="just">
+              <a:lnSpc>
+                <a:spcPct val="100000"/>
+              </a:lnSpc>
+            </a:pPr>
+            <a:r>
+              <a:rPr b="0" lang="pt-BR" sz="2600" spc="-1" strike="noStrike">
+                <a:solidFill>
+                  <a:srgbClr val="000000"/>
+                </a:solidFill>
+                <a:latin typeface="Calibri"/>
+                <a:ea typeface="DejaVu Sans"/>
+              </a:rPr>
+              <a:t>	</a:t>
+            </a:r>
+            <a:r>
+              <a:rPr b="0" lang="pt-BR" sz="2600" spc="-1" strike="noStrike">
+                <a:solidFill>
+                  <a:srgbClr val="000000"/>
+                </a:solidFill>
+                <a:latin typeface="Calibri"/>
+                <a:ea typeface="DejaVu Sans"/>
+              </a:rPr>
+              <a:t>Fazemos uma analogia entre o argumento final e a situação: </a:t>
+            </a:r>
+            <a:endParaRPr b="0" lang="pt-BR" sz="2600" spc="-1" strike="noStrike">
+              <a:latin typeface="Arial"/>
+            </a:endParaRPr>
+          </a:p>
+        </p:txBody>
+      </p:sp>
+      <p:sp>
+        <p:nvSpPr>
+          <p:cNvPr id="88" name="CustomShape 35"/>
+          <p:cNvSpPr/>
+          <p:nvPr/>
+        </p:nvSpPr>
+        <p:spPr>
+          <a:xfrm>
+            <a:off x="12024000" y="17594640"/>
+            <a:ext cx="8927640" cy="837000"/>
+          </a:xfrm>
+          <a:prstGeom prst="rect">
+            <a:avLst/>
+          </a:prstGeom>
+          <a:noFill/>
+          <a:ln>
+            <a:noFill/>
+          </a:ln>
+        </p:spPr>
+        <p:style>
+          <a:lnRef idx="0"/>
+          <a:fillRef idx="0"/>
+          <a:effectRef idx="0"/>
+          <a:fontRef idx="minor"/>
+        </p:style>
+        <p:txBody>
+          <a:bodyPr lIns="90000" rIns="90000" tIns="45000" bIns="45000">
+            <a:noAutofit/>
+          </a:bodyPr>
+          <a:p>
+            <a:pPr lvl="1" marL="432000" indent="-215280">
+              <a:lnSpc>
+                <a:spcPct val="100000"/>
+              </a:lnSpc>
+              <a:buClr>
+                <a:srgbClr val="000000"/>
+              </a:buClr>
+              <a:buSzPct val="45000"/>
+              <a:buFont typeface="Wingdings" charset="2"/>
+              <a:buChar char=""/>
+            </a:pPr>
+            <a:r>
+              <a:rPr b="0" lang="pt-BR" sz="2200" spc="-1" strike="noStrike">
+                <a:solidFill>
+                  <a:srgbClr val="000000"/>
+                </a:solidFill>
+                <a:latin typeface="Calibri"/>
+                <a:ea typeface="DejaVu Sans"/>
+              </a:rPr>
+              <a:t>Três pessoas querem cruzar um rio e ao fim do rio existe um portal.</a:t>
+            </a:r>
+            <a:endParaRPr b="0" lang="pt-BR" sz="2200" spc="-1" strike="noStrike">
+              <a:latin typeface="Arial"/>
+            </a:endParaRPr>
+          </a:p>
+          <a:p>
+            <a:pPr lvl="1" marL="432000" indent="-215280">
+              <a:lnSpc>
+                <a:spcPct val="100000"/>
+              </a:lnSpc>
+              <a:buClr>
+                <a:srgbClr val="000000"/>
+              </a:buClr>
+              <a:buSzPct val="45000"/>
+              <a:buFont typeface="Wingdings" charset="2"/>
+              <a:buChar char=""/>
+            </a:pPr>
+            <a:r>
+              <a:rPr b="0" lang="pt-BR" sz="2200" spc="-1" strike="noStrike">
+                <a:solidFill>
+                  <a:srgbClr val="000000"/>
+                </a:solidFill>
+                <a:latin typeface="Calibri"/>
+                <a:ea typeface="DejaVu Sans"/>
+              </a:rPr>
+              <a:t>Se uma pessoa cruzar o rio, as outras duas precisam estar de mãos dadas</a:t>
+            </a:r>
+            <a:endParaRPr b="0" lang="pt-BR" sz="2200" spc="-1" strike="noStrike">
+              <a:latin typeface="Arial"/>
+            </a:endParaRPr>
+          </a:p>
+          <a:p>
+            <a:pPr lvl="1" marL="432000" indent="-215280">
+              <a:lnSpc>
+                <a:spcPct val="100000"/>
+              </a:lnSpc>
+              <a:buClr>
+                <a:srgbClr val="000000"/>
+              </a:buClr>
+              <a:buSzPct val="45000"/>
+              <a:buFont typeface="Wingdings" charset="2"/>
+              <a:buChar char=""/>
+            </a:pPr>
+            <a:r>
+              <a:rPr b="0" lang="pt-BR" sz="2200" spc="-1" strike="noStrike">
+                <a:solidFill>
+                  <a:srgbClr val="000000"/>
+                </a:solidFill>
+                <a:latin typeface="Calibri"/>
+                <a:ea typeface="DejaVu Sans"/>
+              </a:rPr>
+              <a:t>É possível que os três comecem em uma margem e cruzem para a outra?</a:t>
+            </a:r>
+            <a:endParaRPr b="0" lang="pt-BR" sz="2200" spc="-1" strike="noStrike">
+              <a:latin typeface="Arial"/>
+            </a:endParaRPr>
+          </a:p>
+        </p:txBody>
+      </p:sp>
+      <p:sp>
+        <p:nvSpPr>
+          <p:cNvPr id="89" name="CustomShape 36"/>
+          <p:cNvSpPr/>
+          <p:nvPr/>
+        </p:nvSpPr>
+        <p:spPr>
+          <a:xfrm>
+            <a:off x="12528000" y="16591320"/>
+            <a:ext cx="7127640" cy="400320"/>
+          </a:xfrm>
+          <a:prstGeom prst="rect">
+            <a:avLst/>
+          </a:prstGeom>
+          <a:noFill/>
+          <a:ln>
+            <a:noFill/>
+          </a:ln>
+        </p:spPr>
+        <p:style>
+          <a:lnRef idx="0"/>
+          <a:fillRef idx="0"/>
+          <a:effectRef idx="0"/>
+          <a:fontRef idx="minor"/>
+        </p:style>
+        <p:txBody>
+          <a:bodyPr lIns="90000" rIns="90000" tIns="45000" bIns="45000">
+            <a:noAutofit/>
+          </a:bodyPr>
+          <a:p>
+            <a:pPr algn="just">
+              <a:lnSpc>
+                <a:spcPct val="100000"/>
+              </a:lnSpc>
+            </a:pPr>
+            <a:r>
+              <a:rPr b="0" lang="pt-BR" sz="2000" spc="-1" strike="noStrike">
+                <a:solidFill>
+                  <a:srgbClr val="000000"/>
+                </a:solidFill>
+                <a:latin typeface="Arial"/>
+                <a:ea typeface="Noto Sans CJK SC"/>
+              </a:rPr>
+              <a:t>Figura 9:  Analogia com o argumento final da demonstração.</a:t>
+            </a:r>
+            <a:endParaRPr b="0" lang="pt-BR" sz="2000" spc="-1" strike="noStrike">
+              <a:latin typeface="Arial"/>
+            </a:endParaRPr>
+          </a:p>
+        </p:txBody>
+      </p:sp>
+      <p:pic>
+        <p:nvPicPr>
+          <p:cNvPr id="90" name="" descr=""/>
+          <p:cNvPicPr/>
+          <p:nvPr/>
+        </p:nvPicPr>
+        <p:blipFill>
+          <a:blip r:embed="rId16"/>
+          <a:srcRect l="0" t="22114" r="0" b="0"/>
+          <a:stretch/>
+        </p:blipFill>
+        <p:spPr>
+          <a:xfrm>
+            <a:off x="1728000" y="30132360"/>
+            <a:ext cx="4984560" cy="1079280"/>
+          </a:xfrm>
+          <a:prstGeom prst="rect">
+            <a:avLst/>
+          </a:prstGeom>
+          <a:ln>
+            <a:noFill/>
+          </a:ln>
+        </p:spPr>
+      </p:pic>
+      <p:sp>
+        <p:nvSpPr>
+          <p:cNvPr id="91" name="CustomShape 37"/>
+          <p:cNvSpPr/>
+          <p:nvPr/>
+        </p:nvSpPr>
+        <p:spPr>
+          <a:xfrm>
+            <a:off x="2569680" y="31224240"/>
+            <a:ext cx="3549960" cy="656280"/>
+          </a:xfrm>
+          <a:prstGeom prst="rect">
+            <a:avLst/>
+          </a:prstGeom>
+          <a:noFill/>
+          <a:ln>
+            <a:noFill/>
+          </a:ln>
+        </p:spPr>
+        <p:style>
+          <a:lnRef idx="0"/>
+          <a:fillRef idx="0"/>
+          <a:effectRef idx="0"/>
+          <a:fontRef idx="minor"/>
+        </p:style>
+        <p:txBody>
+          <a:bodyPr lIns="90000" rIns="90000" tIns="45000" bIns="45000">
+            <a:noAutofit/>
+          </a:bodyPr>
+          <a:p>
+            <a:pPr algn="just">
+              <a:lnSpc>
+                <a:spcPct val="100000"/>
+              </a:lnSpc>
+            </a:pPr>
+            <a:r>
+              <a:rPr b="0" lang="pt-BR" sz="2000" spc="-1" strike="noStrike">
+                <a:solidFill>
+                  <a:srgbClr val="000000"/>
+                </a:solidFill>
+                <a:latin typeface="Arial"/>
+                <a:ea typeface="Noto Sans CJK SC"/>
+              </a:rPr>
+              <a:t>Figura 6: Grafo P_3 é árvore.</a:t>
+            </a:r>
+            <a:endParaRPr b="0" lang="pt-BR" sz="2000" spc="-1" strike="noStrike">
+              <a:latin typeface="Arial"/>
+            </a:endParaRPr>
+          </a:p>
+        </p:txBody>
+      </p:sp>
+      <p:sp>
+        <p:nvSpPr>
+          <p:cNvPr id="92" name="CustomShape 38"/>
+          <p:cNvSpPr/>
+          <p:nvPr/>
+        </p:nvSpPr>
+        <p:spPr>
+          <a:xfrm>
+            <a:off x="11664000" y="20880000"/>
+            <a:ext cx="9143640" cy="1079280"/>
+          </a:xfrm>
+          <a:prstGeom prst="rect">
+            <a:avLst/>
+          </a:prstGeom>
+          <a:noFill/>
+          <a:ln>
+            <a:noFill/>
+          </a:ln>
+        </p:spPr>
+        <p:style>
+          <a:lnRef idx="0"/>
+          <a:fillRef idx="0"/>
+          <a:effectRef idx="0"/>
+          <a:fontRef idx="minor"/>
+        </p:style>
+        <p:txBody>
+          <a:bodyPr lIns="90000" rIns="90000" tIns="45000" bIns="45000">
+            <a:noAutofit/>
+          </a:bodyPr>
+          <a:p>
+            <a:pPr algn="just">
+              <a:lnSpc>
+                <a:spcPct val="100000"/>
+              </a:lnSpc>
+            </a:pPr>
+            <a:r>
+              <a:rPr b="0" lang="pt-BR" sz="2600" spc="-1" strike="noStrike">
+                <a:solidFill>
+                  <a:srgbClr val="000000"/>
+                </a:solidFill>
+                <a:latin typeface="Calibri"/>
+                <a:ea typeface="DejaVu Sans"/>
+              </a:rPr>
+              <a:t>	</a:t>
+            </a:r>
+            <a:r>
+              <a:rPr b="0" lang="pt-BR" sz="2600" spc="-1" strike="noStrike">
+                <a:solidFill>
+                  <a:srgbClr val="000000"/>
+                </a:solidFill>
+                <a:latin typeface="Calibri"/>
+                <a:ea typeface="DejaVu Sans"/>
+              </a:rPr>
+              <a:t>Nosso próximo passo é tentar demonstrar que não existe tranferência de estado quântico para nenhuma árvore fora P_2 e P_3.</a:t>
+            </a:r>
+            <a:endParaRPr b="0" lang="pt-BR" sz="2600" spc="-1" strike="noStrike">
+              <a:latin typeface="Arial"/>
+            </a:endParaRPr>
+          </a:p>
+          <a:p>
+            <a:pPr algn="just">
+              <a:lnSpc>
+                <a:spcPct val="100000"/>
+              </a:lnSpc>
+            </a:pPr>
+            <a:r>
+              <a:rPr b="0" lang="pt-BR" sz="2600" spc="-1" strike="noStrike">
+                <a:solidFill>
+                  <a:srgbClr val="000000"/>
+                </a:solidFill>
+                <a:latin typeface="Calibri"/>
+                <a:ea typeface="DejaVu Sans"/>
+              </a:rPr>
+              <a:t>	</a:t>
+            </a:r>
+            <a:endParaRPr b="0" lang="pt-BR" sz="2600" spc="-1" strike="noStrike">
+              <a:latin typeface="Arial"/>
             </a:endParaRPr>
           </a:p>
         </p:txBody>
